--- a/RL_Q_learning BESS 4june25.pptx
+++ b/RL_Q_learning BESS 4june25.pptx
@@ -5,77 +5,76 @@
     <p:sldMasterId id="2147483648" r:id="rId1"/>
   </p:sldMasterIdLst>
   <p:notesMasterIdLst>
-    <p:notesMasterId r:id="rId70"/>
+    <p:notesMasterId r:id="rId69"/>
   </p:notesMasterIdLst>
   <p:sldIdLst>
     <p:sldId id="256" r:id="rId2"/>
-    <p:sldId id="260" r:id="rId3"/>
-    <p:sldId id="265" r:id="rId4"/>
-    <p:sldId id="266" r:id="rId5"/>
-    <p:sldId id="267" r:id="rId6"/>
-    <p:sldId id="268" r:id="rId7"/>
-    <p:sldId id="273" r:id="rId8"/>
-    <p:sldId id="274" r:id="rId9"/>
-    <p:sldId id="278" r:id="rId10"/>
-    <p:sldId id="276" r:id="rId11"/>
-    <p:sldId id="277" r:id="rId12"/>
-    <p:sldId id="279" r:id="rId13"/>
-    <p:sldId id="281" r:id="rId14"/>
-    <p:sldId id="280" r:id="rId15"/>
-    <p:sldId id="282" r:id="rId16"/>
-    <p:sldId id="283" r:id="rId17"/>
-    <p:sldId id="270" r:id="rId18"/>
-    <p:sldId id="284" r:id="rId19"/>
-    <p:sldId id="286" r:id="rId20"/>
-    <p:sldId id="287" r:id="rId21"/>
-    <p:sldId id="288" r:id="rId22"/>
-    <p:sldId id="285" r:id="rId23"/>
-    <p:sldId id="289" r:id="rId24"/>
-    <p:sldId id="290" r:id="rId25"/>
-    <p:sldId id="291" r:id="rId26"/>
-    <p:sldId id="292" r:id="rId27"/>
-    <p:sldId id="293" r:id="rId28"/>
-    <p:sldId id="294" r:id="rId29"/>
-    <p:sldId id="297" r:id="rId30"/>
-    <p:sldId id="295" r:id="rId31"/>
-    <p:sldId id="296" r:id="rId32"/>
-    <p:sldId id="298" r:id="rId33"/>
-    <p:sldId id="299" r:id="rId34"/>
-    <p:sldId id="305" r:id="rId35"/>
-    <p:sldId id="306" r:id="rId36"/>
-    <p:sldId id="307" r:id="rId37"/>
-    <p:sldId id="300" r:id="rId38"/>
-    <p:sldId id="301" r:id="rId39"/>
-    <p:sldId id="302" r:id="rId40"/>
-    <p:sldId id="303" r:id="rId41"/>
-    <p:sldId id="304" r:id="rId42"/>
-    <p:sldId id="261" r:id="rId43"/>
-    <p:sldId id="263" r:id="rId44"/>
-    <p:sldId id="264" r:id="rId45"/>
-    <p:sldId id="272" r:id="rId46"/>
-    <p:sldId id="308" r:id="rId47"/>
-    <p:sldId id="309" r:id="rId48"/>
-    <p:sldId id="310" r:id="rId49"/>
-    <p:sldId id="311" r:id="rId50"/>
-    <p:sldId id="312" r:id="rId51"/>
-    <p:sldId id="313" r:id="rId52"/>
-    <p:sldId id="314" r:id="rId53"/>
-    <p:sldId id="315" r:id="rId54"/>
-    <p:sldId id="316" r:id="rId55"/>
-    <p:sldId id="317" r:id="rId56"/>
-    <p:sldId id="318" r:id="rId57"/>
-    <p:sldId id="319" r:id="rId58"/>
-    <p:sldId id="323" r:id="rId59"/>
-    <p:sldId id="320" r:id="rId60"/>
-    <p:sldId id="321" r:id="rId61"/>
-    <p:sldId id="322" r:id="rId62"/>
-    <p:sldId id="324" r:id="rId63"/>
-    <p:sldId id="325" r:id="rId64"/>
-    <p:sldId id="327" r:id="rId65"/>
-    <p:sldId id="262" r:id="rId66"/>
-    <p:sldId id="258" r:id="rId67"/>
-    <p:sldId id="257" r:id="rId68"/>
-    <p:sldId id="259" r:id="rId69"/>
+    <p:sldId id="265" r:id="rId3"/>
+    <p:sldId id="266" r:id="rId4"/>
+    <p:sldId id="267" r:id="rId5"/>
+    <p:sldId id="268" r:id="rId6"/>
+    <p:sldId id="273" r:id="rId7"/>
+    <p:sldId id="274" r:id="rId8"/>
+    <p:sldId id="278" r:id="rId9"/>
+    <p:sldId id="276" r:id="rId10"/>
+    <p:sldId id="277" r:id="rId11"/>
+    <p:sldId id="279" r:id="rId12"/>
+    <p:sldId id="281" r:id="rId13"/>
+    <p:sldId id="280" r:id="rId14"/>
+    <p:sldId id="282" r:id="rId15"/>
+    <p:sldId id="283" r:id="rId16"/>
+    <p:sldId id="270" r:id="rId17"/>
+    <p:sldId id="284" r:id="rId18"/>
+    <p:sldId id="286" r:id="rId19"/>
+    <p:sldId id="287" r:id="rId20"/>
+    <p:sldId id="288" r:id="rId21"/>
+    <p:sldId id="285" r:id="rId22"/>
+    <p:sldId id="289" r:id="rId23"/>
+    <p:sldId id="290" r:id="rId24"/>
+    <p:sldId id="291" r:id="rId25"/>
+    <p:sldId id="292" r:id="rId26"/>
+    <p:sldId id="293" r:id="rId27"/>
+    <p:sldId id="294" r:id="rId28"/>
+    <p:sldId id="297" r:id="rId29"/>
+    <p:sldId id="295" r:id="rId30"/>
+    <p:sldId id="296" r:id="rId31"/>
+    <p:sldId id="298" r:id="rId32"/>
+    <p:sldId id="299" r:id="rId33"/>
+    <p:sldId id="305" r:id="rId34"/>
+    <p:sldId id="306" r:id="rId35"/>
+    <p:sldId id="307" r:id="rId36"/>
+    <p:sldId id="300" r:id="rId37"/>
+    <p:sldId id="301" r:id="rId38"/>
+    <p:sldId id="302" r:id="rId39"/>
+    <p:sldId id="303" r:id="rId40"/>
+    <p:sldId id="304" r:id="rId41"/>
+    <p:sldId id="261" r:id="rId42"/>
+    <p:sldId id="263" r:id="rId43"/>
+    <p:sldId id="264" r:id="rId44"/>
+    <p:sldId id="272" r:id="rId45"/>
+    <p:sldId id="308" r:id="rId46"/>
+    <p:sldId id="309" r:id="rId47"/>
+    <p:sldId id="310" r:id="rId48"/>
+    <p:sldId id="311" r:id="rId49"/>
+    <p:sldId id="312" r:id="rId50"/>
+    <p:sldId id="313" r:id="rId51"/>
+    <p:sldId id="314" r:id="rId52"/>
+    <p:sldId id="315" r:id="rId53"/>
+    <p:sldId id="316" r:id="rId54"/>
+    <p:sldId id="317" r:id="rId55"/>
+    <p:sldId id="318" r:id="rId56"/>
+    <p:sldId id="319" r:id="rId57"/>
+    <p:sldId id="323" r:id="rId58"/>
+    <p:sldId id="320" r:id="rId59"/>
+    <p:sldId id="321" r:id="rId60"/>
+    <p:sldId id="322" r:id="rId61"/>
+    <p:sldId id="324" r:id="rId62"/>
+    <p:sldId id="325" r:id="rId63"/>
+    <p:sldId id="327" r:id="rId64"/>
+    <p:sldId id="262" r:id="rId65"/>
+    <p:sldId id="258" r:id="rId66"/>
+    <p:sldId id="257" r:id="rId67"/>
+    <p:sldId id="259" r:id="rId68"/>
   </p:sldIdLst>
   <p:sldSz cx="12192000" cy="6858000"/>
   <p:notesSz cx="6858000" cy="9144000"/>
@@ -180,7 +179,6 @@
         <p14:section name="Default Section" id="{AF3A154F-B5B9-402B-B05F-0F271A7AD68F}">
           <p14:sldIdLst>
             <p14:sldId id="256"/>
-            <p14:sldId id="260"/>
             <p14:sldId id="265"/>
             <p14:sldId id="266"/>
             <p14:sldId id="267"/>
@@ -3984,7 +3982,7 @@
           <p:cNvPr id="2" name="Title 1">
             <a:extLst>
               <a:ext uri="{FF2B5EF4-FFF2-40B4-BE49-F238E27FC236}">
-                <a16:creationId xmlns:a16="http://schemas.microsoft.com/office/drawing/2014/main" id="{9380F764-21A2-4592-15E8-2F1ED914E245}"/>
+                <a16:creationId xmlns:a16="http://schemas.microsoft.com/office/drawing/2014/main" id="{6DF9EB52-E17A-DBDE-DC5B-19C1C2D38DC9}"/>
               </a:ext>
             </a:extLst>
           </p:cNvPr>
@@ -4000,7 +3998,23 @@
           <a:bodyPr/>
           <a:lstStyle/>
           <a:p>
-            <a:endParaRPr lang="en-US"/>
+            <a:r>
+              <a:rPr lang="en-US" dirty="0"/>
+              <a:t>💤 </a:t>
+            </a:r>
+            <a:r>
+              <a:rPr lang="th-TH" dirty="0"/>
+              <a:t>กรณีที่ 1: </a:t>
+            </a:r>
+            <a:r>
+              <a:rPr lang="en-US" dirty="0"/>
+              <a:t>action == 0 (</a:t>
+            </a:r>
+            <a:r>
+              <a:rPr lang="th-TH" dirty="0"/>
+              <a:t>ไม่ทำอะไร)</a:t>
+            </a:r>
+            <a:endParaRPr lang="en-US" dirty="0"/>
           </a:p>
         </p:txBody>
       </p:sp>
@@ -4009,7 +4023,7 @@
           <p:cNvPr id="3" name="Content Placeholder 2">
             <a:extLst>
               <a:ext uri="{FF2B5EF4-FFF2-40B4-BE49-F238E27FC236}">
-                <a16:creationId xmlns:a16="http://schemas.microsoft.com/office/drawing/2014/main" id="{BE3F6171-D34E-D827-946A-CD14BD0DB86A}"/>
+                <a16:creationId xmlns:a16="http://schemas.microsoft.com/office/drawing/2014/main" id="{0E6F0836-9A30-8309-6599-694EAD791471}"/>
               </a:ext>
             </a:extLst>
           </p:cNvPr>
@@ -4027,54 +4041,57 @@
           <a:p>
             <a:r>
               <a:rPr lang="th-TH" dirty="0"/>
-              <a:t>ดึงราคาค่าไฟ (</a:t>
-            </a:r>
-            <a:r>
-              <a:rPr lang="en-US" dirty="0"/>
-              <a:t>price) </a:t>
-            </a:r>
-            <a:r>
-              <a:rPr lang="th-TH" dirty="0"/>
-              <a:t>และ โหลดไฟฟ้า (</a:t>
-            </a:r>
-            <a:r>
-              <a:rPr lang="en-US" dirty="0"/>
-              <a:t>load) </a:t>
-            </a:r>
-            <a:r>
-              <a:rPr lang="th-TH" dirty="0"/>
-              <a:t>สำหรับชั่วโมงนั้น</a:t>
+              <a:t>ถ้าโหลดสูงเกิน (กำลังเกินจากกร</a:t>
+            </a:r>
+            <a:r>
+              <a:rPr lang="th-TH" dirty="0" err="1"/>
+              <a:t>ิด</a:t>
+            </a:r>
+            <a:r>
+              <a:rPr lang="th-TH" dirty="0"/>
+              <a:t>) แต่มี</a:t>
+            </a:r>
+            <a:r>
+              <a:rPr lang="th-TH" dirty="0" err="1"/>
+              <a:t>แบต</a:t>
+            </a:r>
+            <a:r>
+              <a:rPr lang="th-TH" dirty="0"/>
+              <a:t>ให้ใช้ แต่ </a:t>
+            </a:r>
+            <a:r>
+              <a:rPr lang="en-US" dirty="0"/>
+              <a:t>action == 0  </a:t>
+            </a:r>
+            <a:r>
+              <a:rPr lang="th-TH" dirty="0"/>
+              <a:t>→ ลงโทษ -20 เพราะคุณควรปล่อย</a:t>
+            </a:r>
+            <a:r>
+              <a:rPr lang="th-TH" dirty="0" err="1"/>
+              <a:t>แบต</a:t>
+            </a:r>
+            <a:r>
+              <a:rPr lang="th-TH" dirty="0"/>
+              <a:t>ออกมาช่วย</a:t>
             </a:r>
             <a:endParaRPr lang="en-US" dirty="0"/>
           </a:p>
           <a:p>
+            <a:r>
+              <a:rPr lang="th-TH" dirty="0"/>
+              <a:t>ถ้าโหลดไม่สูง หรือไม่มีพลังใน</a:t>
+            </a:r>
+            <a:r>
+              <a:rPr lang="th-TH" dirty="0" err="1"/>
+              <a:t>แบต</a:t>
+            </a:r>
+            <a:r>
+              <a:rPr lang="th-TH" dirty="0"/>
+              <a:t> → รางวัลเป็น 0 (กลางๆ ไม่ดีไม่แย่)</a:t>
+            </a:r>
             <a:endParaRPr lang="en-US" dirty="0"/>
           </a:p>
-          <a:p>
-            <a:endParaRPr lang="en-US" dirty="0"/>
-          </a:p>
-          <a:p>
-            <a:endParaRPr lang="en-US" dirty="0"/>
-          </a:p>
-          <a:p>
-            <a:r>
-              <a:rPr lang="th-TH" dirty="0"/>
-              <a:t>ค่าเริ่มต้นของรางวัล</a:t>
-            </a:r>
-            <a:r>
-              <a:rPr lang="en-US" dirty="0"/>
-              <a:t> </a:t>
-            </a:r>
-          </a:p>
-          <a:p>
-            <a:endParaRPr lang="en-US" dirty="0"/>
-          </a:p>
-          <a:p>
-            <a:endParaRPr lang="en-US" dirty="0"/>
-          </a:p>
-          <a:p>
-            <a:endParaRPr lang="en-US" dirty="0"/>
-          </a:p>
         </p:txBody>
       </p:sp>
       <p:sp>
@@ -4082,7 +4099,7 @@
           <p:cNvPr id="4" name="Slide Number Placeholder 3">
             <a:extLst>
               <a:ext uri="{FF2B5EF4-FFF2-40B4-BE49-F238E27FC236}">
-                <a16:creationId xmlns:a16="http://schemas.microsoft.com/office/drawing/2014/main" id="{533EB4BA-378E-B5D1-E008-63C67548A93B}"/>
+                <a16:creationId xmlns:a16="http://schemas.microsoft.com/office/drawing/2014/main" id="{B8AA2141-5616-2188-E923-3B9AF7941C3B}"/>
               </a:ext>
             </a:extLst>
           </p:cNvPr>
@@ -4101,242 +4118,6 @@
             <a:fld id="{5414CF54-80D7-41F3-B633-0CBA28EB51D2}" type="slidenum">
               <a:rPr lang="en-US" smtClean="0"/>
               <a:t>10</a:t>
-            </a:fld>
-            <a:endParaRPr lang="en-US"/>
-          </a:p>
-        </p:txBody>
-      </p:sp>
-      <p:pic>
-        <p:nvPicPr>
-          <p:cNvPr id="6" name="Picture 5">
-            <a:extLst>
-              <a:ext uri="{FF2B5EF4-FFF2-40B4-BE49-F238E27FC236}">
-                <a16:creationId xmlns:a16="http://schemas.microsoft.com/office/drawing/2014/main" id="{32FECB36-8393-7A2A-8696-CC6FBF1191E8}"/>
-              </a:ext>
-            </a:extLst>
-          </p:cNvPr>
-          <p:cNvPicPr>
-            <a:picLocks noChangeAspect="1"/>
-          </p:cNvPicPr>
-          <p:nvPr/>
-        </p:nvPicPr>
-        <p:blipFill>
-          <a:blip r:embed="rId2"/>
-          <a:stretch>
-            <a:fillRect/>
-          </a:stretch>
-        </p:blipFill>
-        <p:spPr>
-          <a:xfrm>
-            <a:off x="3968299" y="5380709"/>
-            <a:ext cx="3210373" cy="590632"/>
-          </a:xfrm>
-          <a:prstGeom prst="rect">
-            <a:avLst/>
-          </a:prstGeom>
-        </p:spPr>
-      </p:pic>
-      <p:pic>
-        <p:nvPicPr>
-          <p:cNvPr id="10" name="Picture 9">
-            <a:extLst>
-              <a:ext uri="{FF2B5EF4-FFF2-40B4-BE49-F238E27FC236}">
-                <a16:creationId xmlns:a16="http://schemas.microsoft.com/office/drawing/2014/main" id="{208A06F1-14A3-6ACE-CC99-41BD7F4646C3}"/>
-              </a:ext>
-            </a:extLst>
-          </p:cNvPr>
-          <p:cNvPicPr>
-            <a:picLocks noChangeAspect="1"/>
-          </p:cNvPicPr>
-          <p:nvPr/>
-        </p:nvPicPr>
-        <p:blipFill>
-          <a:blip r:embed="rId3"/>
-          <a:stretch>
-            <a:fillRect/>
-          </a:stretch>
-        </p:blipFill>
-        <p:spPr>
-          <a:xfrm>
-            <a:off x="3123434" y="2463918"/>
-            <a:ext cx="5487166" cy="1228896"/>
-          </a:xfrm>
-          <a:prstGeom prst="rect">
-            <a:avLst/>
-          </a:prstGeom>
-        </p:spPr>
-      </p:pic>
-    </p:spTree>
-    <p:extLst>
-      <p:ext uri="{BB962C8B-B14F-4D97-AF65-F5344CB8AC3E}">
-        <p14:creationId xmlns:p14="http://schemas.microsoft.com/office/powerpoint/2010/main" val="2349250333"/>
-      </p:ext>
-    </p:extLst>
-  </p:cSld>
-  <p:clrMapOvr>
-    <a:masterClrMapping/>
-  </p:clrMapOvr>
-</p:sld>
-</file>
-
-<file path=ppt/slides/slide11.xml><?xml version="1.0" encoding="utf-8"?>
-<p:sld xmlns:a="http://schemas.openxmlformats.org/drawingml/2006/main" xmlns:r="http://schemas.openxmlformats.org/officeDocument/2006/relationships" xmlns:p="http://schemas.openxmlformats.org/presentationml/2006/main">
-  <p:cSld>
-    <p:spTree>
-      <p:nvGrpSpPr>
-        <p:cNvPr id="1" name=""/>
-        <p:cNvGrpSpPr/>
-        <p:nvPr/>
-      </p:nvGrpSpPr>
-      <p:grpSpPr>
-        <a:xfrm>
-          <a:off x="0" y="0"/>
-          <a:ext cx="0" cy="0"/>
-          <a:chOff x="0" y="0"/>
-          <a:chExt cx="0" cy="0"/>
-        </a:xfrm>
-      </p:grpSpPr>
-      <p:sp>
-        <p:nvSpPr>
-          <p:cNvPr id="2" name="Title 1">
-            <a:extLst>
-              <a:ext uri="{FF2B5EF4-FFF2-40B4-BE49-F238E27FC236}">
-                <a16:creationId xmlns:a16="http://schemas.microsoft.com/office/drawing/2014/main" id="{6DF9EB52-E17A-DBDE-DC5B-19C1C2D38DC9}"/>
-              </a:ext>
-            </a:extLst>
-          </p:cNvPr>
-          <p:cNvSpPr>
-            <a:spLocks noGrp="1"/>
-          </p:cNvSpPr>
-          <p:nvPr>
-            <p:ph type="title"/>
-          </p:nvPr>
-        </p:nvSpPr>
-        <p:spPr/>
-        <p:txBody>
-          <a:bodyPr/>
-          <a:lstStyle/>
-          <a:p>
-            <a:r>
-              <a:rPr lang="en-US" dirty="0"/>
-              <a:t>💤 </a:t>
-            </a:r>
-            <a:r>
-              <a:rPr lang="th-TH" dirty="0"/>
-              <a:t>กรณีที่ 1: </a:t>
-            </a:r>
-            <a:r>
-              <a:rPr lang="en-US" dirty="0"/>
-              <a:t>action == 0 (</a:t>
-            </a:r>
-            <a:r>
-              <a:rPr lang="th-TH" dirty="0"/>
-              <a:t>ไม่ทำอะไร)</a:t>
-            </a:r>
-            <a:endParaRPr lang="en-US" dirty="0"/>
-          </a:p>
-        </p:txBody>
-      </p:sp>
-      <p:sp>
-        <p:nvSpPr>
-          <p:cNvPr id="3" name="Content Placeholder 2">
-            <a:extLst>
-              <a:ext uri="{FF2B5EF4-FFF2-40B4-BE49-F238E27FC236}">
-                <a16:creationId xmlns:a16="http://schemas.microsoft.com/office/drawing/2014/main" id="{0E6F0836-9A30-8309-6599-694EAD791471}"/>
-              </a:ext>
-            </a:extLst>
-          </p:cNvPr>
-          <p:cNvSpPr>
-            <a:spLocks noGrp="1"/>
-          </p:cNvSpPr>
-          <p:nvPr>
-            <p:ph idx="1"/>
-          </p:nvPr>
-        </p:nvSpPr>
-        <p:spPr/>
-        <p:txBody>
-          <a:bodyPr/>
-          <a:lstStyle/>
-          <a:p>
-            <a:r>
-              <a:rPr lang="th-TH" dirty="0"/>
-              <a:t>ถ้าโหลดสูงเกิน (กำลังเกินจากกร</a:t>
-            </a:r>
-            <a:r>
-              <a:rPr lang="th-TH" dirty="0" err="1"/>
-              <a:t>ิด</a:t>
-            </a:r>
-            <a:r>
-              <a:rPr lang="th-TH" dirty="0"/>
-              <a:t>) แต่มี</a:t>
-            </a:r>
-            <a:r>
-              <a:rPr lang="th-TH" dirty="0" err="1"/>
-              <a:t>แบต</a:t>
-            </a:r>
-            <a:r>
-              <a:rPr lang="th-TH" dirty="0"/>
-              <a:t>ให้ใช้ แต่ </a:t>
-            </a:r>
-            <a:r>
-              <a:rPr lang="en-US" dirty="0"/>
-              <a:t>action == 0  </a:t>
-            </a:r>
-            <a:r>
-              <a:rPr lang="th-TH" dirty="0"/>
-              <a:t>→ ลงโทษ -20 เพราะคุณควรปล่อย</a:t>
-            </a:r>
-            <a:r>
-              <a:rPr lang="th-TH" dirty="0" err="1"/>
-              <a:t>แบต</a:t>
-            </a:r>
-            <a:r>
-              <a:rPr lang="th-TH" dirty="0"/>
-              <a:t>ออกมาช่วย</a:t>
-            </a:r>
-            <a:endParaRPr lang="en-US" dirty="0"/>
-          </a:p>
-          <a:p>
-            <a:r>
-              <a:rPr lang="th-TH" dirty="0"/>
-              <a:t>ถ้าโหลดไม่สูง หรือไม่มีพลังใน</a:t>
-            </a:r>
-            <a:r>
-              <a:rPr lang="th-TH" dirty="0" err="1"/>
-              <a:t>แบต</a:t>
-            </a:r>
-            <a:r>
-              <a:rPr lang="th-TH" dirty="0"/>
-              <a:t> → รางวัลเป็น 0 (กลางๆ ไม่ดีไม่แย่)</a:t>
-            </a:r>
-            <a:endParaRPr lang="en-US" dirty="0"/>
-          </a:p>
-        </p:txBody>
-      </p:sp>
-      <p:sp>
-        <p:nvSpPr>
-          <p:cNvPr id="4" name="Slide Number Placeholder 3">
-            <a:extLst>
-              <a:ext uri="{FF2B5EF4-FFF2-40B4-BE49-F238E27FC236}">
-                <a16:creationId xmlns:a16="http://schemas.microsoft.com/office/drawing/2014/main" id="{B8AA2141-5616-2188-E923-3B9AF7941C3B}"/>
-              </a:ext>
-            </a:extLst>
-          </p:cNvPr>
-          <p:cNvSpPr>
-            <a:spLocks noGrp="1"/>
-          </p:cNvSpPr>
-          <p:nvPr>
-            <p:ph type="sldNum" sz="quarter" idx="12"/>
-          </p:nvPr>
-        </p:nvSpPr>
-        <p:spPr/>
-        <p:txBody>
-          <a:bodyPr/>
-          <a:lstStyle/>
-          <a:p>
-            <a:fld id="{5414CF54-80D7-41F3-B633-0CBA28EB51D2}" type="slidenum">
-              <a:rPr lang="en-US" smtClean="0"/>
-              <a:t>11</a:t>
             </a:fld>
             <a:endParaRPr lang="en-US"/>
           </a:p>
@@ -4385,6 +4166,193 @@
 </p:sld>
 </file>
 
+<file path=ppt/slides/slide11.xml><?xml version="1.0" encoding="utf-8"?>
+<p:sld xmlns:a="http://schemas.openxmlformats.org/drawingml/2006/main" xmlns:r="http://schemas.openxmlformats.org/officeDocument/2006/relationships" xmlns:p="http://schemas.openxmlformats.org/presentationml/2006/main">
+  <p:cSld>
+    <p:spTree>
+      <p:nvGrpSpPr>
+        <p:cNvPr id="1" name=""/>
+        <p:cNvGrpSpPr/>
+        <p:nvPr/>
+      </p:nvGrpSpPr>
+      <p:grpSpPr>
+        <a:xfrm>
+          <a:off x="0" y="0"/>
+          <a:ext cx="0" cy="0"/>
+          <a:chOff x="0" y="0"/>
+          <a:chExt cx="0" cy="0"/>
+        </a:xfrm>
+      </p:grpSpPr>
+      <p:sp>
+        <p:nvSpPr>
+          <p:cNvPr id="2" name="Title 1">
+            <a:extLst>
+              <a:ext uri="{FF2B5EF4-FFF2-40B4-BE49-F238E27FC236}">
+                <a16:creationId xmlns:a16="http://schemas.microsoft.com/office/drawing/2014/main" id="{7D470103-8441-7DF3-1ABA-2990B172358D}"/>
+              </a:ext>
+            </a:extLst>
+          </p:cNvPr>
+          <p:cNvSpPr>
+            <a:spLocks noGrp="1"/>
+          </p:cNvSpPr>
+          <p:nvPr>
+            <p:ph type="title"/>
+          </p:nvPr>
+        </p:nvSpPr>
+        <p:spPr/>
+        <p:txBody>
+          <a:bodyPr/>
+          <a:lstStyle/>
+          <a:p>
+            <a:r>
+              <a:rPr lang="en-US" dirty="0"/>
+              <a:t>🔋 </a:t>
+            </a:r>
+            <a:r>
+              <a:rPr lang="th-TH" dirty="0"/>
+              <a:t>กรณีที่ 2: </a:t>
+            </a:r>
+            <a:r>
+              <a:rPr lang="en-US" dirty="0"/>
+              <a:t>action == 1 (</a:t>
+            </a:r>
+            <a:r>
+              <a:rPr lang="th-TH" dirty="0"/>
+              <a:t>ชาร์จแบตเตอรี่)</a:t>
+            </a:r>
+            <a:endParaRPr lang="en-US" dirty="0"/>
+          </a:p>
+        </p:txBody>
+      </p:sp>
+      <p:sp>
+        <p:nvSpPr>
+          <p:cNvPr id="3" name="Content Placeholder 2">
+            <a:extLst>
+              <a:ext uri="{FF2B5EF4-FFF2-40B4-BE49-F238E27FC236}">
+                <a16:creationId xmlns:a16="http://schemas.microsoft.com/office/drawing/2014/main" id="{7EE3411A-0883-886E-3A46-F9C8EBDA3CD1}"/>
+              </a:ext>
+            </a:extLst>
+          </p:cNvPr>
+          <p:cNvSpPr>
+            <a:spLocks noGrp="1"/>
+          </p:cNvSpPr>
+          <p:nvPr>
+            <p:ph idx="1"/>
+          </p:nvPr>
+        </p:nvSpPr>
+        <p:spPr/>
+        <p:txBody>
+          <a:bodyPr/>
+          <a:lstStyle/>
+          <a:p>
+            <a:r>
+              <a:rPr lang="th-TH" dirty="0"/>
+              <a:t>ถ้า </a:t>
+            </a:r>
+            <a:r>
+              <a:rPr lang="en-US" dirty="0"/>
+              <a:t>SOC </a:t>
+            </a:r>
+            <a:r>
+              <a:rPr lang="th-TH" dirty="0"/>
+              <a:t>ยังไม่เต็ม → ชาร์จได้</a:t>
+            </a:r>
+          </a:p>
+          <a:p>
+            <a:endParaRPr lang="th-TH" dirty="0"/>
+          </a:p>
+          <a:p>
+            <a:pPr lvl="1"/>
+            <a:r>
+              <a:rPr lang="th-TH" dirty="0"/>
+              <a:t>ลงโทษตาม -</a:t>
+            </a:r>
+            <a:r>
+              <a:rPr lang="en-US" dirty="0"/>
+              <a:t>price (</a:t>
+            </a:r>
+            <a:r>
+              <a:rPr lang="th-TH" dirty="0"/>
+              <a:t>ค่าไฟ) → เพื่อสอนว่าอย่าชาร์จตอนราคาแพง</a:t>
+            </a:r>
+          </a:p>
+          <a:p>
+            <a:pPr lvl="1"/>
+            <a:r>
+              <a:rPr lang="th-TH" dirty="0"/>
+              <a:t>ถ้าโหลดเกินหรือค่าไฟ = 4.00 (แพงที่สุด) → ลงโทษเพิ่มอีก -100 จุด</a:t>
+            </a:r>
+          </a:p>
+          <a:p>
+            <a:endParaRPr lang="th-TH" dirty="0"/>
+          </a:p>
+          <a:p>
+            <a:r>
+              <a:rPr lang="th-TH" dirty="0"/>
+              <a:t>ถ้า </a:t>
+            </a:r>
+            <a:r>
+              <a:rPr lang="en-US" dirty="0"/>
+              <a:t>SOC </a:t>
+            </a:r>
+            <a:r>
+              <a:rPr lang="th-TH" dirty="0"/>
+              <a:t>เต็มอยู่แล้วยังพยายามชาร์จ → ลงโทษ -10 (เป็น </a:t>
+            </a:r>
+            <a:r>
+              <a:rPr lang="en-US" dirty="0"/>
+              <a:t>action </a:t>
+            </a:r>
+            <a:r>
+              <a:rPr lang="th-TH" dirty="0"/>
+              <a:t>ที่ไม่ควรทำ)</a:t>
+            </a:r>
+            <a:endParaRPr lang="en-US" dirty="0"/>
+          </a:p>
+        </p:txBody>
+      </p:sp>
+      <p:sp>
+        <p:nvSpPr>
+          <p:cNvPr id="4" name="Slide Number Placeholder 3">
+            <a:extLst>
+              <a:ext uri="{FF2B5EF4-FFF2-40B4-BE49-F238E27FC236}">
+                <a16:creationId xmlns:a16="http://schemas.microsoft.com/office/drawing/2014/main" id="{23DA4166-D88E-258B-535A-F99377BD5BC3}"/>
+              </a:ext>
+            </a:extLst>
+          </p:cNvPr>
+          <p:cNvSpPr>
+            <a:spLocks noGrp="1"/>
+          </p:cNvSpPr>
+          <p:nvPr>
+            <p:ph type="sldNum" sz="quarter" idx="12"/>
+          </p:nvPr>
+        </p:nvSpPr>
+        <p:spPr/>
+        <p:txBody>
+          <a:bodyPr/>
+          <a:lstStyle/>
+          <a:p>
+            <a:fld id="{5414CF54-80D7-41F3-B633-0CBA28EB51D2}" type="slidenum">
+              <a:rPr lang="en-US" smtClean="0"/>
+              <a:t>11</a:t>
+            </a:fld>
+            <a:endParaRPr lang="en-US"/>
+          </a:p>
+        </p:txBody>
+      </p:sp>
+    </p:spTree>
+    <p:extLst>
+      <p:ext uri="{BB962C8B-B14F-4D97-AF65-F5344CB8AC3E}">
+        <p14:creationId xmlns:p14="http://schemas.microsoft.com/office/powerpoint/2010/main" val="295050687"/>
+      </p:ext>
+    </p:extLst>
+  </p:cSld>
+  <p:clrMapOvr>
+    <a:masterClrMapping/>
+  </p:clrMapOvr>
+</p:sld>
+</file>
+
 <file path=ppt/slides/slide12.xml><?xml version="1.0" encoding="utf-8"?>
 <p:sld xmlns:a="http://schemas.openxmlformats.org/drawingml/2006/main" xmlns:r="http://schemas.openxmlformats.org/officeDocument/2006/relationships" xmlns:p="http://schemas.openxmlformats.org/presentationml/2006/main">
   <p:cSld>
@@ -4407,7 +4375,7 @@
           <p:cNvPr id="2" name="Title 1">
             <a:extLst>
               <a:ext uri="{FF2B5EF4-FFF2-40B4-BE49-F238E27FC236}">
-                <a16:creationId xmlns:a16="http://schemas.microsoft.com/office/drawing/2014/main" id="{7D470103-8441-7DF3-1ABA-2990B172358D}"/>
+                <a16:creationId xmlns:a16="http://schemas.microsoft.com/office/drawing/2014/main" id="{A2AA1818-EC19-7E6E-E7B3-8A70DEE1BB5F}"/>
               </a:ext>
             </a:extLst>
           </p:cNvPr>
@@ -4423,23 +4391,7 @@
           <a:bodyPr/>
           <a:lstStyle/>
           <a:p>
-            <a:r>
-              <a:rPr lang="en-US" dirty="0"/>
-              <a:t>🔋 </a:t>
-            </a:r>
-            <a:r>
-              <a:rPr lang="th-TH" dirty="0"/>
-              <a:t>กรณีที่ 2: </a:t>
-            </a:r>
-            <a:r>
-              <a:rPr lang="en-US" dirty="0"/>
-              <a:t>action == 1 (</a:t>
-            </a:r>
-            <a:r>
-              <a:rPr lang="th-TH" dirty="0"/>
-              <a:t>ชาร์จแบตเตอรี่)</a:t>
-            </a:r>
-            <a:endParaRPr lang="en-US" dirty="0"/>
+            <a:endParaRPr lang="en-US"/>
           </a:p>
         </p:txBody>
       </p:sp>
@@ -4448,7 +4400,7 @@
           <p:cNvPr id="3" name="Content Placeholder 2">
             <a:extLst>
               <a:ext uri="{FF2B5EF4-FFF2-40B4-BE49-F238E27FC236}">
-                <a16:creationId xmlns:a16="http://schemas.microsoft.com/office/drawing/2014/main" id="{7EE3411A-0883-886E-3A46-F9C8EBDA3CD1}"/>
+                <a16:creationId xmlns:a16="http://schemas.microsoft.com/office/drawing/2014/main" id="{6C61BC51-CFED-F2A4-57C0-11FA9A73B924}"/>
               </a:ext>
             </a:extLst>
           </p:cNvPr>
@@ -4464,69 +4416,7 @@
           <a:bodyPr/>
           <a:lstStyle/>
           <a:p>
-            <a:r>
-              <a:rPr lang="th-TH" dirty="0"/>
-              <a:t>ถ้า </a:t>
-            </a:r>
-            <a:r>
-              <a:rPr lang="en-US" dirty="0"/>
-              <a:t>SOC </a:t>
-            </a:r>
-            <a:r>
-              <a:rPr lang="th-TH" dirty="0"/>
-              <a:t>ยังไม่เต็ม → ชาร์จได้</a:t>
-            </a:r>
-          </a:p>
-          <a:p>
-            <a:endParaRPr lang="th-TH" dirty="0"/>
-          </a:p>
-          <a:p>
-            <a:pPr lvl="1"/>
-            <a:r>
-              <a:rPr lang="th-TH" dirty="0"/>
-              <a:t>ลงโทษตาม -</a:t>
-            </a:r>
-            <a:r>
-              <a:rPr lang="en-US" dirty="0"/>
-              <a:t>price (</a:t>
-            </a:r>
-            <a:r>
-              <a:rPr lang="th-TH" dirty="0"/>
-              <a:t>ค่าไฟ) → เพื่อสอนว่าอย่าชาร์จตอนราคาแพง</a:t>
-            </a:r>
-          </a:p>
-          <a:p>
-            <a:pPr lvl="1"/>
-            <a:r>
-              <a:rPr lang="th-TH" dirty="0"/>
-              <a:t>ถ้าโหลดเกินหรือค่าไฟ = 4.00 (แพงที่สุด) → ลงโทษเพิ่มอีก -100 จุด</a:t>
-            </a:r>
-          </a:p>
-          <a:p>
-            <a:endParaRPr lang="th-TH" dirty="0"/>
-          </a:p>
-          <a:p>
-            <a:r>
-              <a:rPr lang="th-TH" dirty="0"/>
-              <a:t>ถ้า </a:t>
-            </a:r>
-            <a:r>
-              <a:rPr lang="en-US" dirty="0"/>
-              <a:t>SOC </a:t>
-            </a:r>
-            <a:r>
-              <a:rPr lang="th-TH" dirty="0"/>
-              <a:t>เต็มอยู่แล้วยังพยายามชาร์จ → ลงโทษ -10 (เป็น </a:t>
-            </a:r>
-            <a:r>
-              <a:rPr lang="en-US" dirty="0"/>
-              <a:t>action </a:t>
-            </a:r>
-            <a:r>
-              <a:rPr lang="th-TH" dirty="0"/>
-              <a:t>ที่ไม่ควรทำ)</a:t>
-            </a:r>
-            <a:endParaRPr lang="en-US" dirty="0"/>
+            <a:endParaRPr lang="en-US"/>
           </a:p>
         </p:txBody>
       </p:sp>
@@ -4535,7 +4425,7 @@
           <p:cNvPr id="4" name="Slide Number Placeholder 3">
             <a:extLst>
               <a:ext uri="{FF2B5EF4-FFF2-40B4-BE49-F238E27FC236}">
-                <a16:creationId xmlns:a16="http://schemas.microsoft.com/office/drawing/2014/main" id="{23DA4166-D88E-258B-535A-F99377BD5BC3}"/>
+                <a16:creationId xmlns:a16="http://schemas.microsoft.com/office/drawing/2014/main" id="{9FA92400-B480-D70E-AF32-04ACB2C57D2A}"/>
               </a:ext>
             </a:extLst>
           </p:cNvPr>
@@ -4554,115 +4444,6 @@
             <a:fld id="{5414CF54-80D7-41F3-B633-0CBA28EB51D2}" type="slidenum">
               <a:rPr lang="en-US" smtClean="0"/>
               <a:t>12</a:t>
-            </a:fld>
-            <a:endParaRPr lang="en-US"/>
-          </a:p>
-        </p:txBody>
-      </p:sp>
-    </p:spTree>
-    <p:extLst>
-      <p:ext uri="{BB962C8B-B14F-4D97-AF65-F5344CB8AC3E}">
-        <p14:creationId xmlns:p14="http://schemas.microsoft.com/office/powerpoint/2010/main" val="295050687"/>
-      </p:ext>
-    </p:extLst>
-  </p:cSld>
-  <p:clrMapOvr>
-    <a:masterClrMapping/>
-  </p:clrMapOvr>
-</p:sld>
-</file>
-
-<file path=ppt/slides/slide13.xml><?xml version="1.0" encoding="utf-8"?>
-<p:sld xmlns:a="http://schemas.openxmlformats.org/drawingml/2006/main" xmlns:r="http://schemas.openxmlformats.org/officeDocument/2006/relationships" xmlns:p="http://schemas.openxmlformats.org/presentationml/2006/main">
-  <p:cSld>
-    <p:spTree>
-      <p:nvGrpSpPr>
-        <p:cNvPr id="1" name=""/>
-        <p:cNvGrpSpPr/>
-        <p:nvPr/>
-      </p:nvGrpSpPr>
-      <p:grpSpPr>
-        <a:xfrm>
-          <a:off x="0" y="0"/>
-          <a:ext cx="0" cy="0"/>
-          <a:chOff x="0" y="0"/>
-          <a:chExt cx="0" cy="0"/>
-        </a:xfrm>
-      </p:grpSpPr>
-      <p:sp>
-        <p:nvSpPr>
-          <p:cNvPr id="2" name="Title 1">
-            <a:extLst>
-              <a:ext uri="{FF2B5EF4-FFF2-40B4-BE49-F238E27FC236}">
-                <a16:creationId xmlns:a16="http://schemas.microsoft.com/office/drawing/2014/main" id="{A2AA1818-EC19-7E6E-E7B3-8A70DEE1BB5F}"/>
-              </a:ext>
-            </a:extLst>
-          </p:cNvPr>
-          <p:cNvSpPr>
-            <a:spLocks noGrp="1"/>
-          </p:cNvSpPr>
-          <p:nvPr>
-            <p:ph type="title"/>
-          </p:nvPr>
-        </p:nvSpPr>
-        <p:spPr/>
-        <p:txBody>
-          <a:bodyPr/>
-          <a:lstStyle/>
-          <a:p>
-            <a:endParaRPr lang="en-US"/>
-          </a:p>
-        </p:txBody>
-      </p:sp>
-      <p:sp>
-        <p:nvSpPr>
-          <p:cNvPr id="3" name="Content Placeholder 2">
-            <a:extLst>
-              <a:ext uri="{FF2B5EF4-FFF2-40B4-BE49-F238E27FC236}">
-                <a16:creationId xmlns:a16="http://schemas.microsoft.com/office/drawing/2014/main" id="{6C61BC51-CFED-F2A4-57C0-11FA9A73B924}"/>
-              </a:ext>
-            </a:extLst>
-          </p:cNvPr>
-          <p:cNvSpPr>
-            <a:spLocks noGrp="1"/>
-          </p:cNvSpPr>
-          <p:nvPr>
-            <p:ph idx="1"/>
-          </p:nvPr>
-        </p:nvSpPr>
-        <p:spPr/>
-        <p:txBody>
-          <a:bodyPr/>
-          <a:lstStyle/>
-          <a:p>
-            <a:endParaRPr lang="en-US"/>
-          </a:p>
-        </p:txBody>
-      </p:sp>
-      <p:sp>
-        <p:nvSpPr>
-          <p:cNvPr id="4" name="Slide Number Placeholder 3">
-            <a:extLst>
-              <a:ext uri="{FF2B5EF4-FFF2-40B4-BE49-F238E27FC236}">
-                <a16:creationId xmlns:a16="http://schemas.microsoft.com/office/drawing/2014/main" id="{9FA92400-B480-D70E-AF32-04ACB2C57D2A}"/>
-              </a:ext>
-            </a:extLst>
-          </p:cNvPr>
-          <p:cNvSpPr>
-            <a:spLocks noGrp="1"/>
-          </p:cNvSpPr>
-          <p:nvPr>
-            <p:ph type="sldNum" sz="quarter" idx="12"/>
-          </p:nvPr>
-        </p:nvSpPr>
-        <p:spPr/>
-        <p:txBody>
-          <a:bodyPr/>
-          <a:lstStyle/>
-          <a:p>
-            <a:fld id="{5414CF54-80D7-41F3-B633-0CBA28EB51D2}" type="slidenum">
-              <a:rPr lang="en-US" smtClean="0"/>
-              <a:t>13</a:t>
             </a:fld>
             <a:endParaRPr lang="en-US"/>
           </a:p>
@@ -4711,6 +4492,197 @@
 </p:sld>
 </file>
 
+<file path=ppt/slides/slide13.xml><?xml version="1.0" encoding="utf-8"?>
+<p:sld xmlns:a="http://schemas.openxmlformats.org/drawingml/2006/main" xmlns:r="http://schemas.openxmlformats.org/officeDocument/2006/relationships" xmlns:p="http://schemas.openxmlformats.org/presentationml/2006/main">
+  <p:cSld>
+    <p:spTree>
+      <p:nvGrpSpPr>
+        <p:cNvPr id="1" name=""/>
+        <p:cNvGrpSpPr/>
+        <p:nvPr/>
+      </p:nvGrpSpPr>
+      <p:grpSpPr>
+        <a:xfrm>
+          <a:off x="0" y="0"/>
+          <a:ext cx="0" cy="0"/>
+          <a:chOff x="0" y="0"/>
+          <a:chExt cx="0" cy="0"/>
+        </a:xfrm>
+      </p:grpSpPr>
+      <p:sp>
+        <p:nvSpPr>
+          <p:cNvPr id="2" name="Title 1">
+            <a:extLst>
+              <a:ext uri="{FF2B5EF4-FFF2-40B4-BE49-F238E27FC236}">
+                <a16:creationId xmlns:a16="http://schemas.microsoft.com/office/drawing/2014/main" id="{32837075-699F-1213-AD7B-66AB1F1CC837}"/>
+              </a:ext>
+            </a:extLst>
+          </p:cNvPr>
+          <p:cNvSpPr>
+            <a:spLocks noGrp="1"/>
+          </p:cNvSpPr>
+          <p:nvPr>
+            <p:ph type="title"/>
+          </p:nvPr>
+        </p:nvSpPr>
+        <p:spPr/>
+        <p:txBody>
+          <a:bodyPr/>
+          <a:lstStyle/>
+          <a:p>
+            <a:r>
+              <a:rPr lang="en-US" dirty="0"/>
+              <a:t>⚡ </a:t>
+            </a:r>
+            <a:r>
+              <a:rPr lang="th-TH" dirty="0"/>
+              <a:t>กรณีที่ 3: </a:t>
+            </a:r>
+            <a:r>
+              <a:rPr lang="en-US" dirty="0"/>
+              <a:t>action == 2 (</a:t>
+            </a:r>
+            <a:r>
+              <a:rPr lang="th-TH" dirty="0"/>
+              <a:t>จ่ายไฟจากแบตเตอรี่)</a:t>
+            </a:r>
+            <a:endParaRPr lang="en-US" dirty="0"/>
+          </a:p>
+        </p:txBody>
+      </p:sp>
+      <p:sp>
+        <p:nvSpPr>
+          <p:cNvPr id="3" name="Content Placeholder 2">
+            <a:extLst>
+              <a:ext uri="{FF2B5EF4-FFF2-40B4-BE49-F238E27FC236}">
+                <a16:creationId xmlns:a16="http://schemas.microsoft.com/office/drawing/2014/main" id="{D5E77FCC-6CED-C57A-69FC-13D10D7BFD19}"/>
+              </a:ext>
+            </a:extLst>
+          </p:cNvPr>
+          <p:cNvSpPr>
+            <a:spLocks noGrp="1"/>
+          </p:cNvSpPr>
+          <p:nvPr>
+            <p:ph idx="1"/>
+          </p:nvPr>
+        </p:nvSpPr>
+        <p:spPr/>
+        <p:txBody>
+          <a:bodyPr/>
+          <a:lstStyle/>
+          <a:p>
+            <a:r>
+              <a:rPr lang="th-TH" dirty="0"/>
+              <a:t>ถ้า</a:t>
+            </a:r>
+            <a:r>
+              <a:rPr lang="th-TH" dirty="0" err="1"/>
+              <a:t>แบต</a:t>
+            </a:r>
+            <a:r>
+              <a:rPr lang="th-TH" dirty="0"/>
+              <a:t>ไม่ว่าง → ให้รางวัล = </a:t>
+            </a:r>
+            <a:r>
+              <a:rPr lang="en-US" dirty="0"/>
+              <a:t>price (</a:t>
+            </a:r>
+            <a:r>
+              <a:rPr lang="th-TH" dirty="0"/>
+              <a:t>ยิ่งใช้</a:t>
+            </a:r>
+            <a:r>
+              <a:rPr lang="th-TH" dirty="0" err="1"/>
+              <a:t>แบต</a:t>
+            </a:r>
+            <a:r>
+              <a:rPr lang="th-TH" dirty="0"/>
+              <a:t>ตอนราคาแพงยิ่งดี)</a:t>
+            </a:r>
+          </a:p>
+          <a:p>
+            <a:endParaRPr lang="th-TH" dirty="0"/>
+          </a:p>
+          <a:p>
+            <a:pPr lvl="1"/>
+            <a:r>
+              <a:rPr lang="th-TH" dirty="0"/>
+              <a:t>ถ้าโหลดเกิน → เพิ่มรางวัล +15 (ช่วยลดโหลด)</a:t>
+            </a:r>
+          </a:p>
+          <a:p>
+            <a:pPr lvl="1"/>
+            <a:r>
+              <a:rPr lang="th-TH" dirty="0"/>
+              <a:t>ถ้าราคาแพงที่สุด (4.00) → บวกเพิ่มอีก +2</a:t>
+            </a:r>
+          </a:p>
+          <a:p>
+            <a:pPr lvl="1"/>
+            <a:endParaRPr lang="th-TH" dirty="0"/>
+          </a:p>
+          <a:p>
+            <a:r>
+              <a:rPr lang="th-TH" dirty="0"/>
+              <a:t>ถ้า</a:t>
+            </a:r>
+            <a:r>
+              <a:rPr lang="th-TH" dirty="0" err="1"/>
+              <a:t>แบต</a:t>
+            </a:r>
+            <a:r>
+              <a:rPr lang="th-TH" dirty="0"/>
+              <a:t>ว่างแล้วยังพยายามจ่ายไฟ → ลงโทษ -10 (</a:t>
+            </a:r>
+            <a:r>
+              <a:rPr lang="en-US" dirty="0"/>
+              <a:t>invalid action)</a:t>
+            </a:r>
+          </a:p>
+        </p:txBody>
+      </p:sp>
+      <p:sp>
+        <p:nvSpPr>
+          <p:cNvPr id="4" name="Slide Number Placeholder 3">
+            <a:extLst>
+              <a:ext uri="{FF2B5EF4-FFF2-40B4-BE49-F238E27FC236}">
+                <a16:creationId xmlns:a16="http://schemas.microsoft.com/office/drawing/2014/main" id="{E6C3921F-5A41-44D8-5A08-804566F5102C}"/>
+              </a:ext>
+            </a:extLst>
+          </p:cNvPr>
+          <p:cNvSpPr>
+            <a:spLocks noGrp="1"/>
+          </p:cNvSpPr>
+          <p:nvPr>
+            <p:ph type="sldNum" sz="quarter" idx="12"/>
+          </p:nvPr>
+        </p:nvSpPr>
+        <p:spPr/>
+        <p:txBody>
+          <a:bodyPr/>
+          <a:lstStyle/>
+          <a:p>
+            <a:fld id="{5414CF54-80D7-41F3-B633-0CBA28EB51D2}" type="slidenum">
+              <a:rPr lang="en-US" smtClean="0"/>
+              <a:t>13</a:t>
+            </a:fld>
+            <a:endParaRPr lang="en-US"/>
+          </a:p>
+        </p:txBody>
+      </p:sp>
+    </p:spTree>
+    <p:extLst>
+      <p:ext uri="{BB962C8B-B14F-4D97-AF65-F5344CB8AC3E}">
+        <p14:creationId xmlns:p14="http://schemas.microsoft.com/office/powerpoint/2010/main" val="1296918932"/>
+      </p:ext>
+    </p:extLst>
+  </p:cSld>
+  <p:clrMapOvr>
+    <a:masterClrMapping/>
+  </p:clrMapOvr>
+</p:sld>
+</file>
+
 <file path=ppt/slides/slide14.xml><?xml version="1.0" encoding="utf-8"?>
 <p:sld xmlns:a="http://schemas.openxmlformats.org/drawingml/2006/main" xmlns:r="http://schemas.openxmlformats.org/officeDocument/2006/relationships" xmlns:p="http://schemas.openxmlformats.org/presentationml/2006/main">
   <p:cSld>
@@ -4733,7 +4705,7 @@
           <p:cNvPr id="2" name="Title 1">
             <a:extLst>
               <a:ext uri="{FF2B5EF4-FFF2-40B4-BE49-F238E27FC236}">
-                <a16:creationId xmlns:a16="http://schemas.microsoft.com/office/drawing/2014/main" id="{32837075-699F-1213-AD7B-66AB1F1CC837}"/>
+                <a16:creationId xmlns:a16="http://schemas.microsoft.com/office/drawing/2014/main" id="{7717DCE9-0311-83CE-19CD-E2BB5C540104}"/>
               </a:ext>
             </a:extLst>
           </p:cNvPr>
@@ -4749,23 +4721,7 @@
           <a:bodyPr/>
           <a:lstStyle/>
           <a:p>
-            <a:r>
-              <a:rPr lang="en-US" dirty="0"/>
-              <a:t>⚡ </a:t>
-            </a:r>
-            <a:r>
-              <a:rPr lang="th-TH" dirty="0"/>
-              <a:t>กรณีที่ 3: </a:t>
-            </a:r>
-            <a:r>
-              <a:rPr lang="en-US" dirty="0"/>
-              <a:t>action == 2 (</a:t>
-            </a:r>
-            <a:r>
-              <a:rPr lang="th-TH" dirty="0"/>
-              <a:t>จ่ายไฟจากแบตเตอรี่)</a:t>
-            </a:r>
-            <a:endParaRPr lang="en-US" dirty="0"/>
+            <a:endParaRPr lang="en-US"/>
           </a:p>
         </p:txBody>
       </p:sp>
@@ -4774,7 +4730,7 @@
           <p:cNvPr id="3" name="Content Placeholder 2">
             <a:extLst>
               <a:ext uri="{FF2B5EF4-FFF2-40B4-BE49-F238E27FC236}">
-                <a16:creationId xmlns:a16="http://schemas.microsoft.com/office/drawing/2014/main" id="{D5E77FCC-6CED-C57A-69FC-13D10D7BFD19}"/>
+                <a16:creationId xmlns:a16="http://schemas.microsoft.com/office/drawing/2014/main" id="{5BB7817E-AFA6-F812-8D52-22CEB208094A}"/>
               </a:ext>
             </a:extLst>
           </p:cNvPr>
@@ -4790,73 +4746,7 @@
           <a:bodyPr/>
           <a:lstStyle/>
           <a:p>
-            <a:r>
-              <a:rPr lang="th-TH" dirty="0"/>
-              <a:t>ถ้า</a:t>
-            </a:r>
-            <a:r>
-              <a:rPr lang="th-TH" dirty="0" err="1"/>
-              <a:t>แบต</a:t>
-            </a:r>
-            <a:r>
-              <a:rPr lang="th-TH" dirty="0"/>
-              <a:t>ไม่ว่าง → ให้รางวัล = </a:t>
-            </a:r>
-            <a:r>
-              <a:rPr lang="en-US" dirty="0"/>
-              <a:t>price (</a:t>
-            </a:r>
-            <a:r>
-              <a:rPr lang="th-TH" dirty="0"/>
-              <a:t>ยิ่งใช้</a:t>
-            </a:r>
-            <a:r>
-              <a:rPr lang="th-TH" dirty="0" err="1"/>
-              <a:t>แบต</a:t>
-            </a:r>
-            <a:r>
-              <a:rPr lang="th-TH" dirty="0"/>
-              <a:t>ตอนราคาแพงยิ่งดี)</a:t>
-            </a:r>
-          </a:p>
-          <a:p>
-            <a:endParaRPr lang="th-TH" dirty="0"/>
-          </a:p>
-          <a:p>
-            <a:pPr lvl="1"/>
-            <a:r>
-              <a:rPr lang="th-TH" dirty="0"/>
-              <a:t>ถ้าโหลดเกิน → เพิ่มรางวัล +15 (ช่วยลดโหลด)</a:t>
-            </a:r>
-          </a:p>
-          <a:p>
-            <a:pPr lvl="1"/>
-            <a:r>
-              <a:rPr lang="th-TH" dirty="0"/>
-              <a:t>ถ้าราคาแพงที่สุด (4.00) → บวกเพิ่มอีก +2</a:t>
-            </a:r>
-          </a:p>
-          <a:p>
-            <a:pPr lvl="1"/>
-            <a:endParaRPr lang="th-TH" dirty="0"/>
-          </a:p>
-          <a:p>
-            <a:r>
-              <a:rPr lang="th-TH" dirty="0"/>
-              <a:t>ถ้า</a:t>
-            </a:r>
-            <a:r>
-              <a:rPr lang="th-TH" dirty="0" err="1"/>
-              <a:t>แบต</a:t>
-            </a:r>
-            <a:r>
-              <a:rPr lang="th-TH" dirty="0"/>
-              <a:t>ว่างแล้วยังพยายามจ่ายไฟ → ลงโทษ -10 (</a:t>
-            </a:r>
-            <a:r>
-              <a:rPr lang="en-US" dirty="0"/>
-              <a:t>invalid action)</a:t>
-            </a:r>
+            <a:endParaRPr lang="en-US"/>
           </a:p>
         </p:txBody>
       </p:sp>
@@ -4865,7 +4755,7 @@
           <p:cNvPr id="4" name="Slide Number Placeholder 3">
             <a:extLst>
               <a:ext uri="{FF2B5EF4-FFF2-40B4-BE49-F238E27FC236}">
-                <a16:creationId xmlns:a16="http://schemas.microsoft.com/office/drawing/2014/main" id="{E6C3921F-5A41-44D8-5A08-804566F5102C}"/>
+                <a16:creationId xmlns:a16="http://schemas.microsoft.com/office/drawing/2014/main" id="{FB54D6F5-5FFA-6A1F-E5C6-1BC0848B3628}"/>
               </a:ext>
             </a:extLst>
           </p:cNvPr>
@@ -4884,115 +4774,6 @@
             <a:fld id="{5414CF54-80D7-41F3-B633-0CBA28EB51D2}" type="slidenum">
               <a:rPr lang="en-US" smtClean="0"/>
               <a:t>14</a:t>
-            </a:fld>
-            <a:endParaRPr lang="en-US"/>
-          </a:p>
-        </p:txBody>
-      </p:sp>
-    </p:spTree>
-    <p:extLst>
-      <p:ext uri="{BB962C8B-B14F-4D97-AF65-F5344CB8AC3E}">
-        <p14:creationId xmlns:p14="http://schemas.microsoft.com/office/powerpoint/2010/main" val="1296918932"/>
-      </p:ext>
-    </p:extLst>
-  </p:cSld>
-  <p:clrMapOvr>
-    <a:masterClrMapping/>
-  </p:clrMapOvr>
-</p:sld>
-</file>
-
-<file path=ppt/slides/slide15.xml><?xml version="1.0" encoding="utf-8"?>
-<p:sld xmlns:a="http://schemas.openxmlformats.org/drawingml/2006/main" xmlns:r="http://schemas.openxmlformats.org/officeDocument/2006/relationships" xmlns:p="http://schemas.openxmlformats.org/presentationml/2006/main">
-  <p:cSld>
-    <p:spTree>
-      <p:nvGrpSpPr>
-        <p:cNvPr id="1" name=""/>
-        <p:cNvGrpSpPr/>
-        <p:nvPr/>
-      </p:nvGrpSpPr>
-      <p:grpSpPr>
-        <a:xfrm>
-          <a:off x="0" y="0"/>
-          <a:ext cx="0" cy="0"/>
-          <a:chOff x="0" y="0"/>
-          <a:chExt cx="0" cy="0"/>
-        </a:xfrm>
-      </p:grpSpPr>
-      <p:sp>
-        <p:nvSpPr>
-          <p:cNvPr id="2" name="Title 1">
-            <a:extLst>
-              <a:ext uri="{FF2B5EF4-FFF2-40B4-BE49-F238E27FC236}">
-                <a16:creationId xmlns:a16="http://schemas.microsoft.com/office/drawing/2014/main" id="{7717DCE9-0311-83CE-19CD-E2BB5C540104}"/>
-              </a:ext>
-            </a:extLst>
-          </p:cNvPr>
-          <p:cNvSpPr>
-            <a:spLocks noGrp="1"/>
-          </p:cNvSpPr>
-          <p:nvPr>
-            <p:ph type="title"/>
-          </p:nvPr>
-        </p:nvSpPr>
-        <p:spPr/>
-        <p:txBody>
-          <a:bodyPr/>
-          <a:lstStyle/>
-          <a:p>
-            <a:endParaRPr lang="en-US"/>
-          </a:p>
-        </p:txBody>
-      </p:sp>
-      <p:sp>
-        <p:nvSpPr>
-          <p:cNvPr id="3" name="Content Placeholder 2">
-            <a:extLst>
-              <a:ext uri="{FF2B5EF4-FFF2-40B4-BE49-F238E27FC236}">
-                <a16:creationId xmlns:a16="http://schemas.microsoft.com/office/drawing/2014/main" id="{5BB7817E-AFA6-F812-8D52-22CEB208094A}"/>
-              </a:ext>
-            </a:extLst>
-          </p:cNvPr>
-          <p:cNvSpPr>
-            <a:spLocks noGrp="1"/>
-          </p:cNvSpPr>
-          <p:nvPr>
-            <p:ph idx="1"/>
-          </p:nvPr>
-        </p:nvSpPr>
-        <p:spPr/>
-        <p:txBody>
-          <a:bodyPr/>
-          <a:lstStyle/>
-          <a:p>
-            <a:endParaRPr lang="en-US"/>
-          </a:p>
-        </p:txBody>
-      </p:sp>
-      <p:sp>
-        <p:nvSpPr>
-          <p:cNvPr id="4" name="Slide Number Placeholder 3">
-            <a:extLst>
-              <a:ext uri="{FF2B5EF4-FFF2-40B4-BE49-F238E27FC236}">
-                <a16:creationId xmlns:a16="http://schemas.microsoft.com/office/drawing/2014/main" id="{FB54D6F5-5FFA-6A1F-E5C6-1BC0848B3628}"/>
-              </a:ext>
-            </a:extLst>
-          </p:cNvPr>
-          <p:cNvSpPr>
-            <a:spLocks noGrp="1"/>
-          </p:cNvSpPr>
-          <p:nvPr>
-            <p:ph type="sldNum" sz="quarter" idx="12"/>
-          </p:nvPr>
-        </p:nvSpPr>
-        <p:spPr/>
-        <p:txBody>
-          <a:bodyPr/>
-          <a:lstStyle/>
-          <a:p>
-            <a:fld id="{5414CF54-80D7-41F3-B633-0CBA28EB51D2}" type="slidenum">
-              <a:rPr lang="en-US" smtClean="0"/>
-              <a:t>15</a:t>
             </a:fld>
             <a:endParaRPr lang="en-US"/>
           </a:p>
@@ -5041,6 +4822,127 @@
 </p:sld>
 </file>
 
+<file path=ppt/slides/slide15.xml><?xml version="1.0" encoding="utf-8"?>
+<p:sld xmlns:a="http://schemas.openxmlformats.org/drawingml/2006/main" xmlns:r="http://schemas.openxmlformats.org/officeDocument/2006/relationships" xmlns:p="http://schemas.openxmlformats.org/presentationml/2006/main">
+  <p:cSld>
+    <p:spTree>
+      <p:nvGrpSpPr>
+        <p:cNvPr id="1" name=""/>
+        <p:cNvGrpSpPr/>
+        <p:nvPr/>
+      </p:nvGrpSpPr>
+      <p:grpSpPr>
+        <a:xfrm>
+          <a:off x="0" y="0"/>
+          <a:ext cx="0" cy="0"/>
+          <a:chOff x="0" y="0"/>
+          <a:chExt cx="0" cy="0"/>
+        </a:xfrm>
+      </p:grpSpPr>
+      <p:sp>
+        <p:nvSpPr>
+          <p:cNvPr id="2" name="Title 1">
+            <a:extLst>
+              <a:ext uri="{FF2B5EF4-FFF2-40B4-BE49-F238E27FC236}">
+                <a16:creationId xmlns:a16="http://schemas.microsoft.com/office/drawing/2014/main" id="{477DB011-6339-90A9-C3C3-725D0F8E2FC5}"/>
+              </a:ext>
+            </a:extLst>
+          </p:cNvPr>
+          <p:cNvSpPr>
+            <a:spLocks noGrp="1"/>
+          </p:cNvSpPr>
+          <p:nvPr>
+            <p:ph type="title"/>
+          </p:nvPr>
+        </p:nvSpPr>
+        <p:spPr/>
+        <p:txBody>
+          <a:bodyPr/>
+          <a:lstStyle/>
+          <a:p>
+            <a:r>
+              <a:rPr lang="en-US" dirty="0"/>
+              <a:t>✅ </a:t>
+            </a:r>
+            <a:r>
+              <a:rPr lang="th-TH" b="1" dirty="0"/>
+              <a:t>สรุปแนวคิดของโค้ด</a:t>
+            </a:r>
+            <a:endParaRPr lang="en-US" dirty="0"/>
+          </a:p>
+        </p:txBody>
+      </p:sp>
+      <p:pic>
+        <p:nvPicPr>
+          <p:cNvPr id="6" name="Content Placeholder 5">
+            <a:extLst>
+              <a:ext uri="{FF2B5EF4-FFF2-40B4-BE49-F238E27FC236}">
+                <a16:creationId xmlns:a16="http://schemas.microsoft.com/office/drawing/2014/main" id="{917FEB79-85B2-92C0-B88B-A3A159C188E6}"/>
+              </a:ext>
+            </a:extLst>
+          </p:cNvPr>
+          <p:cNvPicPr>
+            <a:picLocks noGrp="1" noChangeAspect="1"/>
+          </p:cNvPicPr>
+          <p:nvPr>
+            <p:ph idx="1"/>
+          </p:nvPr>
+        </p:nvPicPr>
+        <p:blipFill>
+          <a:blip r:embed="rId2"/>
+          <a:stretch>
+            <a:fillRect/>
+          </a:stretch>
+        </p:blipFill>
+        <p:spPr>
+          <a:xfrm>
+            <a:off x="838200" y="2682775"/>
+            <a:ext cx="10515600" cy="2637038"/>
+          </a:xfrm>
+        </p:spPr>
+      </p:pic>
+      <p:sp>
+        <p:nvSpPr>
+          <p:cNvPr id="4" name="Slide Number Placeholder 3">
+            <a:extLst>
+              <a:ext uri="{FF2B5EF4-FFF2-40B4-BE49-F238E27FC236}">
+                <a16:creationId xmlns:a16="http://schemas.microsoft.com/office/drawing/2014/main" id="{D7D1B706-2D9B-AFEE-4DD4-EAB47CA372FA}"/>
+              </a:ext>
+            </a:extLst>
+          </p:cNvPr>
+          <p:cNvSpPr>
+            <a:spLocks noGrp="1"/>
+          </p:cNvSpPr>
+          <p:nvPr>
+            <p:ph type="sldNum" sz="quarter" idx="12"/>
+          </p:nvPr>
+        </p:nvSpPr>
+        <p:spPr/>
+        <p:txBody>
+          <a:bodyPr/>
+          <a:lstStyle/>
+          <a:p>
+            <a:fld id="{5414CF54-80D7-41F3-B633-0CBA28EB51D2}" type="slidenum">
+              <a:rPr lang="en-US" smtClean="0"/>
+              <a:t>15</a:t>
+            </a:fld>
+            <a:endParaRPr lang="en-US"/>
+          </a:p>
+        </p:txBody>
+      </p:sp>
+    </p:spTree>
+    <p:extLst>
+      <p:ext uri="{BB962C8B-B14F-4D97-AF65-F5344CB8AC3E}">
+        <p14:creationId xmlns:p14="http://schemas.microsoft.com/office/powerpoint/2010/main" val="110558959"/>
+      </p:ext>
+    </p:extLst>
+  </p:cSld>
+  <p:clrMapOvr>
+    <a:masterClrMapping/>
+  </p:clrMapOvr>
+</p:sld>
+</file>
+
 <file path=ppt/slides/slide16.xml><?xml version="1.0" encoding="utf-8"?>
 <p:sld xmlns:a="http://schemas.openxmlformats.org/drawingml/2006/main" xmlns:r="http://schemas.openxmlformats.org/officeDocument/2006/relationships" xmlns:p="http://schemas.openxmlformats.org/presentationml/2006/main">
   <p:cSld>
@@ -5063,7 +4965,7 @@
           <p:cNvPr id="2" name="Title 1">
             <a:extLst>
               <a:ext uri="{FF2B5EF4-FFF2-40B4-BE49-F238E27FC236}">
-                <a16:creationId xmlns:a16="http://schemas.microsoft.com/office/drawing/2014/main" id="{477DB011-6339-90A9-C3C3-725D0F8E2FC5}"/>
+                <a16:creationId xmlns:a16="http://schemas.microsoft.com/office/drawing/2014/main" id="{0B1ADF7B-3169-2289-50A8-879293F85823}"/>
               </a:ext>
             </a:extLst>
           </p:cNvPr>
@@ -5081,51 +4983,108 @@
           <a:p>
             <a:r>
               <a:rPr lang="en-US" dirty="0"/>
-              <a:t>✅ </a:t>
-            </a:r>
-            <a:r>
-              <a:rPr lang="th-TH" b="1" dirty="0"/>
-              <a:t>สรุปแนวคิดของโค้ด</a:t>
+              <a:t>🔄 </a:t>
+            </a:r>
+            <a:r>
+              <a:rPr lang="th-TH" dirty="0"/>
+              <a:t>ลูปการฝึก (</a:t>
+            </a:r>
+            <a:r>
+              <a:rPr lang="en-US" dirty="0"/>
+              <a:t>Training Loop)</a:t>
+            </a:r>
+          </a:p>
+        </p:txBody>
+      </p:sp>
+      <p:sp>
+        <p:nvSpPr>
+          <p:cNvPr id="3" name="Content Placeholder 2">
+            <a:extLst>
+              <a:ext uri="{FF2B5EF4-FFF2-40B4-BE49-F238E27FC236}">
+                <a16:creationId xmlns:a16="http://schemas.microsoft.com/office/drawing/2014/main" id="{12F89B2A-2FA8-D6E4-9E6E-F84F166046AD}"/>
+              </a:ext>
+            </a:extLst>
+          </p:cNvPr>
+          <p:cNvSpPr>
+            <a:spLocks noGrp="1"/>
+          </p:cNvSpPr>
+          <p:nvPr>
+            <p:ph idx="1"/>
+          </p:nvPr>
+        </p:nvSpPr>
+        <p:spPr/>
+        <p:txBody>
+          <a:bodyPr/>
+          <a:lstStyle/>
+          <a:p>
+            <a:r>
+              <a:rPr lang="th-TH" dirty="0"/>
+              <a:t>สุ่ม </a:t>
+            </a:r>
+            <a:r>
+              <a:rPr lang="en-US" dirty="0"/>
+              <a:t>SoC </a:t>
+            </a:r>
+            <a:r>
+              <a:rPr lang="th-TH" dirty="0"/>
+              <a:t>เริ่มต้น</a:t>
+            </a:r>
+          </a:p>
+          <a:p>
+            <a:r>
+              <a:rPr lang="th-TH" dirty="0"/>
+              <a:t>ฝึกให้ </a:t>
+            </a:r>
+            <a:r>
+              <a:rPr lang="en-US" dirty="0"/>
+              <a:t>Q-table </a:t>
+            </a:r>
+            <a:r>
+              <a:rPr lang="th-TH" dirty="0"/>
+              <a:t>ค่อยๆ ดีขึ้น</a:t>
+            </a:r>
+          </a:p>
+          <a:p>
+            <a:r>
+              <a:rPr lang="th-TH" dirty="0"/>
+              <a:t>ลดค่า </a:t>
+            </a:r>
+            <a:r>
+              <a:rPr lang="en-US" dirty="0"/>
+              <a:t>epsilon </a:t>
+            </a:r>
+            <a:r>
+              <a:rPr lang="th-TH" dirty="0"/>
+              <a:t>ทีละน้อยเพื่อเปลี่ยนจาก </a:t>
+            </a:r>
+            <a:r>
+              <a:rPr lang="en-US" dirty="0"/>
+              <a:t>exploration → exploitation</a:t>
+            </a:r>
+          </a:p>
+          <a:p>
+            <a:r>
+              <a:rPr lang="th-TH" dirty="0"/>
+              <a:t>วนซ้ำฝึกรอบละ 1 วัน (</a:t>
+            </a:r>
+            <a:r>
+              <a:rPr lang="en-US" dirty="0"/>
+              <a:t>episode = 1 </a:t>
+            </a:r>
+            <a:r>
+              <a:rPr lang="th-TH" dirty="0"/>
+              <a:t>วันมีหลายชั่วโมง)</a:t>
             </a:r>
             <a:endParaRPr lang="en-US" dirty="0"/>
           </a:p>
         </p:txBody>
       </p:sp>
-      <p:pic>
-        <p:nvPicPr>
-          <p:cNvPr id="6" name="Content Placeholder 5">
-            <a:extLst>
-              <a:ext uri="{FF2B5EF4-FFF2-40B4-BE49-F238E27FC236}">
-                <a16:creationId xmlns:a16="http://schemas.microsoft.com/office/drawing/2014/main" id="{917FEB79-85B2-92C0-B88B-A3A159C188E6}"/>
-              </a:ext>
-            </a:extLst>
-          </p:cNvPr>
-          <p:cNvPicPr>
-            <a:picLocks noGrp="1" noChangeAspect="1"/>
-          </p:cNvPicPr>
-          <p:nvPr>
-            <p:ph idx="1"/>
-          </p:nvPr>
-        </p:nvPicPr>
-        <p:blipFill>
-          <a:blip r:embed="rId2"/>
-          <a:stretch>
-            <a:fillRect/>
-          </a:stretch>
-        </p:blipFill>
-        <p:spPr>
-          <a:xfrm>
-            <a:off x="838200" y="2682775"/>
-            <a:ext cx="10515600" cy="2637038"/>
-          </a:xfrm>
-        </p:spPr>
-      </p:pic>
       <p:sp>
         <p:nvSpPr>
           <p:cNvPr id="4" name="Slide Number Placeholder 3">
             <a:extLst>
               <a:ext uri="{FF2B5EF4-FFF2-40B4-BE49-F238E27FC236}">
-                <a16:creationId xmlns:a16="http://schemas.microsoft.com/office/drawing/2014/main" id="{D7D1B706-2D9B-AFEE-4DD4-EAB47CA372FA}"/>
+                <a16:creationId xmlns:a16="http://schemas.microsoft.com/office/drawing/2014/main" id="{B02FCD08-08A5-600D-29F5-FF7A8814A6F1}"/>
               </a:ext>
             </a:extLst>
           </p:cNvPr>
@@ -5152,7 +5111,7 @@
     </p:spTree>
     <p:extLst>
       <p:ext uri="{BB962C8B-B14F-4D97-AF65-F5344CB8AC3E}">
-        <p14:creationId xmlns:p14="http://schemas.microsoft.com/office/powerpoint/2010/main" val="110558959"/>
+        <p14:creationId xmlns:p14="http://schemas.microsoft.com/office/powerpoint/2010/main" val="2544943410"/>
       </p:ext>
     </p:extLst>
   </p:cSld>
@@ -5184,7 +5143,7 @@
           <p:cNvPr id="2" name="Title 1">
             <a:extLst>
               <a:ext uri="{FF2B5EF4-FFF2-40B4-BE49-F238E27FC236}">
-                <a16:creationId xmlns:a16="http://schemas.microsoft.com/office/drawing/2014/main" id="{0B1ADF7B-3169-2289-50A8-879293F85823}"/>
+                <a16:creationId xmlns:a16="http://schemas.microsoft.com/office/drawing/2014/main" id="{E60C8EFF-BCE8-691A-151B-ACC3DCA3E755}"/>
               </a:ext>
             </a:extLst>
           </p:cNvPr>
@@ -5202,15 +5161,15 @@
           <a:p>
             <a:r>
               <a:rPr lang="en-US" dirty="0"/>
-              <a:t>🔄 </a:t>
-            </a:r>
-            <a:r>
-              <a:rPr lang="th-TH" dirty="0"/>
-              <a:t>ลูปการฝึก (</a:t>
-            </a:r>
-            <a:r>
-              <a:rPr lang="en-US" dirty="0"/>
-              <a:t>Training Loop)</a:t>
+              <a:t>🔁 </a:t>
+            </a:r>
+            <a:r>
+              <a:rPr lang="th-TH" dirty="0"/>
+              <a:t>เริ่มต้นแต่ละ </a:t>
+            </a:r>
+            <a:r>
+              <a:rPr lang="en-US" dirty="0"/>
+              <a:t>episode</a:t>
             </a:r>
           </a:p>
         </p:txBody>
@@ -5220,7 +5179,7 @@
           <p:cNvPr id="3" name="Content Placeholder 2">
             <a:extLst>
               <a:ext uri="{FF2B5EF4-FFF2-40B4-BE49-F238E27FC236}">
-                <a16:creationId xmlns:a16="http://schemas.microsoft.com/office/drawing/2014/main" id="{12F89B2A-2FA8-D6E4-9E6E-F84F166046AD}"/>
+                <a16:creationId xmlns:a16="http://schemas.microsoft.com/office/drawing/2014/main" id="{E79898FE-5212-D756-E261-9B71A462F38A}"/>
               </a:ext>
             </a:extLst>
           </p:cNvPr>
@@ -5238,63 +5197,42 @@
           <a:p>
             <a:r>
               <a:rPr lang="th-TH" dirty="0"/>
-              <a:t>สุ่ม </a:t>
-            </a:r>
-            <a:r>
-              <a:rPr lang="en-US" dirty="0"/>
-              <a:t>SoC </a:t>
-            </a:r>
-            <a:r>
-              <a:rPr lang="th-TH" dirty="0"/>
-              <a:t>เริ่มต้น</a:t>
-            </a:r>
-          </a:p>
-          <a:p>
-            <a:r>
-              <a:rPr lang="th-TH" dirty="0"/>
-              <a:t>ฝึกให้ </a:t>
-            </a:r>
-            <a:r>
-              <a:rPr lang="en-US" dirty="0"/>
-              <a:t>Q-table </a:t>
-            </a:r>
-            <a:r>
-              <a:rPr lang="th-TH" dirty="0"/>
-              <a:t>ค่อยๆ ดีขึ้น</a:t>
-            </a:r>
-          </a:p>
-          <a:p>
-            <a:r>
-              <a:rPr lang="th-TH" dirty="0"/>
-              <a:t>ลดค่า </a:t>
-            </a:r>
-            <a:r>
-              <a:rPr lang="en-US" dirty="0"/>
-              <a:t>epsilon </a:t>
-            </a:r>
-            <a:r>
-              <a:rPr lang="th-TH" dirty="0"/>
-              <a:t>ทีละน้อยเพื่อเปลี่ยนจาก </a:t>
-            </a:r>
-            <a:r>
-              <a:rPr lang="en-US" dirty="0"/>
-              <a:t>exploration → exploitation</a:t>
-            </a:r>
-          </a:p>
-          <a:p>
-            <a:r>
-              <a:rPr lang="th-TH" dirty="0"/>
-              <a:t>วนซ้ำฝึกรอบละ 1 วัน (</a:t>
-            </a:r>
-            <a:r>
-              <a:rPr lang="en-US" dirty="0"/>
-              <a:t>episode = 1 </a:t>
-            </a:r>
-            <a:r>
-              <a:rPr lang="th-TH" dirty="0"/>
-              <a:t>วันมีหลายชั่วโมง)</a:t>
-            </a:r>
-            <a:endParaRPr lang="en-US" dirty="0"/>
+              <a:t>ปรับ </a:t>
+            </a:r>
+            <a:r>
+              <a:rPr lang="el-GR" dirty="0"/>
+              <a:t>ε (</a:t>
+            </a:r>
+            <a:r>
+              <a:rPr lang="en-US" dirty="0"/>
+              <a:t>epsilon) </a:t>
+            </a:r>
+            <a:r>
+              <a:rPr lang="th-TH" dirty="0"/>
+              <a:t>สำหรับการ </a:t>
+            </a:r>
+            <a:r>
+              <a:rPr lang="en-US" dirty="0"/>
+              <a:t>explore/exploit</a:t>
+            </a:r>
+          </a:p>
+          <a:p>
+            <a:r>
+              <a:rPr lang="th-TH" dirty="0"/>
+              <a:t>เริ่มต้น </a:t>
+            </a:r>
+            <a:r>
+              <a:rPr lang="el-GR" dirty="0"/>
+              <a:t>ε </a:t>
+            </a:r>
+            <a:r>
+              <a:rPr lang="th-TH" dirty="0"/>
+              <a:t>สูง (สุ่มเยอะ) แล้วค่อยๆ ลดลง (มั่นใจมากขึ้นใน </a:t>
+            </a:r>
+            <a:r>
+              <a:rPr lang="en-US" dirty="0"/>
+              <a:t>Q-table)</a:t>
+            </a:r>
           </a:p>
         </p:txBody>
       </p:sp>
@@ -5303,7 +5241,7 @@
           <p:cNvPr id="4" name="Slide Number Placeholder 3">
             <a:extLst>
               <a:ext uri="{FF2B5EF4-FFF2-40B4-BE49-F238E27FC236}">
-                <a16:creationId xmlns:a16="http://schemas.microsoft.com/office/drawing/2014/main" id="{B02FCD08-08A5-600D-29F5-FF7A8814A6F1}"/>
+                <a16:creationId xmlns:a16="http://schemas.microsoft.com/office/drawing/2014/main" id="{503D8FCE-6359-BA9C-AE28-AB4905705163}"/>
               </a:ext>
             </a:extLst>
           </p:cNvPr>
@@ -5322,163 +5260,6 @@
             <a:fld id="{5414CF54-80D7-41F3-B633-0CBA28EB51D2}" type="slidenum">
               <a:rPr lang="en-US" smtClean="0"/>
               <a:t>17</a:t>
-            </a:fld>
-            <a:endParaRPr lang="en-US"/>
-          </a:p>
-        </p:txBody>
-      </p:sp>
-    </p:spTree>
-    <p:extLst>
-      <p:ext uri="{BB962C8B-B14F-4D97-AF65-F5344CB8AC3E}">
-        <p14:creationId xmlns:p14="http://schemas.microsoft.com/office/powerpoint/2010/main" val="2544943410"/>
-      </p:ext>
-    </p:extLst>
-  </p:cSld>
-  <p:clrMapOvr>
-    <a:masterClrMapping/>
-  </p:clrMapOvr>
-</p:sld>
-</file>
-
-<file path=ppt/slides/slide18.xml><?xml version="1.0" encoding="utf-8"?>
-<p:sld xmlns:a="http://schemas.openxmlformats.org/drawingml/2006/main" xmlns:r="http://schemas.openxmlformats.org/officeDocument/2006/relationships" xmlns:p="http://schemas.openxmlformats.org/presentationml/2006/main">
-  <p:cSld>
-    <p:spTree>
-      <p:nvGrpSpPr>
-        <p:cNvPr id="1" name=""/>
-        <p:cNvGrpSpPr/>
-        <p:nvPr/>
-      </p:nvGrpSpPr>
-      <p:grpSpPr>
-        <a:xfrm>
-          <a:off x="0" y="0"/>
-          <a:ext cx="0" cy="0"/>
-          <a:chOff x="0" y="0"/>
-          <a:chExt cx="0" cy="0"/>
-        </a:xfrm>
-      </p:grpSpPr>
-      <p:sp>
-        <p:nvSpPr>
-          <p:cNvPr id="2" name="Title 1">
-            <a:extLst>
-              <a:ext uri="{FF2B5EF4-FFF2-40B4-BE49-F238E27FC236}">
-                <a16:creationId xmlns:a16="http://schemas.microsoft.com/office/drawing/2014/main" id="{E60C8EFF-BCE8-691A-151B-ACC3DCA3E755}"/>
-              </a:ext>
-            </a:extLst>
-          </p:cNvPr>
-          <p:cNvSpPr>
-            <a:spLocks noGrp="1"/>
-          </p:cNvSpPr>
-          <p:nvPr>
-            <p:ph type="title"/>
-          </p:nvPr>
-        </p:nvSpPr>
-        <p:spPr/>
-        <p:txBody>
-          <a:bodyPr/>
-          <a:lstStyle/>
-          <a:p>
-            <a:r>
-              <a:rPr lang="en-US" dirty="0"/>
-              <a:t>🔁 </a:t>
-            </a:r>
-            <a:r>
-              <a:rPr lang="th-TH" dirty="0"/>
-              <a:t>เริ่มต้นแต่ละ </a:t>
-            </a:r>
-            <a:r>
-              <a:rPr lang="en-US" dirty="0"/>
-              <a:t>episode</a:t>
-            </a:r>
-          </a:p>
-        </p:txBody>
-      </p:sp>
-      <p:sp>
-        <p:nvSpPr>
-          <p:cNvPr id="3" name="Content Placeholder 2">
-            <a:extLst>
-              <a:ext uri="{FF2B5EF4-FFF2-40B4-BE49-F238E27FC236}">
-                <a16:creationId xmlns:a16="http://schemas.microsoft.com/office/drawing/2014/main" id="{E79898FE-5212-D756-E261-9B71A462F38A}"/>
-              </a:ext>
-            </a:extLst>
-          </p:cNvPr>
-          <p:cNvSpPr>
-            <a:spLocks noGrp="1"/>
-          </p:cNvSpPr>
-          <p:nvPr>
-            <p:ph idx="1"/>
-          </p:nvPr>
-        </p:nvSpPr>
-        <p:spPr/>
-        <p:txBody>
-          <a:bodyPr/>
-          <a:lstStyle/>
-          <a:p>
-            <a:r>
-              <a:rPr lang="th-TH" dirty="0"/>
-              <a:t>ปรับ </a:t>
-            </a:r>
-            <a:r>
-              <a:rPr lang="el-GR" dirty="0"/>
-              <a:t>ε (</a:t>
-            </a:r>
-            <a:r>
-              <a:rPr lang="en-US" dirty="0"/>
-              <a:t>epsilon) </a:t>
-            </a:r>
-            <a:r>
-              <a:rPr lang="th-TH" dirty="0"/>
-              <a:t>สำหรับการ </a:t>
-            </a:r>
-            <a:r>
-              <a:rPr lang="en-US" dirty="0"/>
-              <a:t>explore/exploit</a:t>
-            </a:r>
-          </a:p>
-          <a:p>
-            <a:r>
-              <a:rPr lang="th-TH" dirty="0"/>
-              <a:t>เริ่มต้น </a:t>
-            </a:r>
-            <a:r>
-              <a:rPr lang="el-GR" dirty="0"/>
-              <a:t>ε </a:t>
-            </a:r>
-            <a:r>
-              <a:rPr lang="th-TH" dirty="0"/>
-              <a:t>สูง (สุ่มเยอะ) แล้วค่อยๆ ลดลง (มั่นใจมากขึ้นใน </a:t>
-            </a:r>
-            <a:r>
-              <a:rPr lang="en-US" dirty="0"/>
-              <a:t>Q-table)</a:t>
-            </a:r>
-          </a:p>
-        </p:txBody>
-      </p:sp>
-      <p:sp>
-        <p:nvSpPr>
-          <p:cNvPr id="4" name="Slide Number Placeholder 3">
-            <a:extLst>
-              <a:ext uri="{FF2B5EF4-FFF2-40B4-BE49-F238E27FC236}">
-                <a16:creationId xmlns:a16="http://schemas.microsoft.com/office/drawing/2014/main" id="{503D8FCE-6359-BA9C-AE28-AB4905705163}"/>
-              </a:ext>
-            </a:extLst>
-          </p:cNvPr>
-          <p:cNvSpPr>
-            <a:spLocks noGrp="1"/>
-          </p:cNvSpPr>
-          <p:nvPr>
-            <p:ph type="sldNum" sz="quarter" idx="12"/>
-          </p:nvPr>
-        </p:nvSpPr>
-        <p:spPr/>
-        <p:txBody>
-          <a:bodyPr/>
-          <a:lstStyle/>
-          <a:p>
-            <a:fld id="{5414CF54-80D7-41F3-B633-0CBA28EB51D2}" type="slidenum">
-              <a:rPr lang="en-US" smtClean="0"/>
-              <a:t>18</a:t>
             </a:fld>
             <a:endParaRPr lang="en-US"/>
           </a:p>
@@ -5527,7 +5308,7 @@
 </p:sld>
 </file>
 
-<file path=ppt/slides/slide19.xml><?xml version="1.0" encoding="utf-8"?>
+<file path=ppt/slides/slide18.xml><?xml version="1.0" encoding="utf-8"?>
 <p:sld xmlns:a="http://schemas.openxmlformats.org/drawingml/2006/main" xmlns:r="http://schemas.openxmlformats.org/officeDocument/2006/relationships" xmlns:p="http://schemas.openxmlformats.org/presentationml/2006/main">
   <p:cSld>
     <p:spTree>
@@ -5644,7 +5425,7 @@
           <a:p>
             <a:fld id="{5414CF54-80D7-41F3-B633-0CBA28EB51D2}" type="slidenum">
               <a:rPr lang="en-US" smtClean="0"/>
-              <a:t>19</a:t>
+              <a:t>18</a:t>
             </a:fld>
             <a:endParaRPr lang="en-US"/>
           </a:p>
@@ -5693,7 +5474,7 @@
 </p:sld>
 </file>
 
-<file path=ppt/slides/slide2.xml><?xml version="1.0" encoding="utf-8"?>
+<file path=ppt/slides/slide19.xml><?xml version="1.0" encoding="utf-8"?>
 <p:sld xmlns:a="http://schemas.openxmlformats.org/drawingml/2006/main" xmlns:r="http://schemas.openxmlformats.org/officeDocument/2006/relationships" xmlns:p="http://schemas.openxmlformats.org/presentationml/2006/main">
   <p:cSld>
     <p:spTree>
@@ -5715,7 +5496,7 @@
           <p:cNvPr id="2" name="Title 1">
             <a:extLst>
               <a:ext uri="{FF2B5EF4-FFF2-40B4-BE49-F238E27FC236}">
-                <a16:creationId xmlns:a16="http://schemas.microsoft.com/office/drawing/2014/main" id="{FBB0FF00-FEFD-ADEE-1A4B-860AA520E583}"/>
+                <a16:creationId xmlns:a16="http://schemas.microsoft.com/office/drawing/2014/main" id="{548F3712-F3FA-E944-C3A5-1FC9C14FC43B}"/>
               </a:ext>
             </a:extLst>
           </p:cNvPr>
@@ -5731,41 +5512,49 @@
           <a:bodyPr/>
           <a:lstStyle/>
           <a:p>
+            <a:r>
+              <a:rPr lang="en-US" dirty="0"/>
+              <a:t>🔄 </a:t>
+            </a:r>
+            <a:r>
+              <a:rPr lang="th-TH" dirty="0"/>
+              <a:t>วนลูปแต่ละชั่วโมงในวันนั้น</a:t>
+            </a:r>
+            <a:endParaRPr lang="en-US" dirty="0"/>
+          </a:p>
+        </p:txBody>
+      </p:sp>
+      <p:sp>
+        <p:nvSpPr>
+          <p:cNvPr id="3" name="Content Placeholder 2">
+            <a:extLst>
+              <a:ext uri="{FF2B5EF4-FFF2-40B4-BE49-F238E27FC236}">
+                <a16:creationId xmlns:a16="http://schemas.microsoft.com/office/drawing/2014/main" id="{D6268473-7EC8-5C47-B8B6-F07254B16F91}"/>
+              </a:ext>
+            </a:extLst>
+          </p:cNvPr>
+          <p:cNvSpPr>
+            <a:spLocks noGrp="1"/>
+          </p:cNvSpPr>
+          <p:nvPr>
+            <p:ph idx="1"/>
+          </p:nvPr>
+        </p:nvSpPr>
+        <p:spPr/>
+        <p:txBody>
+          <a:bodyPr/>
+          <a:lstStyle/>
+          <a:p>
             <a:endParaRPr lang="en-US"/>
           </a:p>
         </p:txBody>
       </p:sp>
       <p:sp>
         <p:nvSpPr>
-          <p:cNvPr id="3" name="Content Placeholder 2">
-            <a:extLst>
-              <a:ext uri="{FF2B5EF4-FFF2-40B4-BE49-F238E27FC236}">
-                <a16:creationId xmlns:a16="http://schemas.microsoft.com/office/drawing/2014/main" id="{FE6E44FD-3554-F370-9377-8891302FECB1}"/>
-              </a:ext>
-            </a:extLst>
-          </p:cNvPr>
-          <p:cNvSpPr>
-            <a:spLocks noGrp="1"/>
-          </p:cNvSpPr>
-          <p:nvPr>
-            <p:ph idx="1"/>
-          </p:nvPr>
-        </p:nvSpPr>
-        <p:spPr/>
-        <p:txBody>
-          <a:bodyPr/>
-          <a:lstStyle/>
-          <a:p>
-            <a:endParaRPr lang="en-US"/>
-          </a:p>
-        </p:txBody>
-      </p:sp>
-      <p:sp>
-        <p:nvSpPr>
           <p:cNvPr id="4" name="Slide Number Placeholder 3">
             <a:extLst>
               <a:ext uri="{FF2B5EF4-FFF2-40B4-BE49-F238E27FC236}">
-                <a16:creationId xmlns:a16="http://schemas.microsoft.com/office/drawing/2014/main" id="{DBB427A4-51B0-3907-B355-AABC6BF5AAC3}"/>
+                <a16:creationId xmlns:a16="http://schemas.microsoft.com/office/drawing/2014/main" id="{9D99698A-0786-C8B4-BD97-4828F46CC54E}"/>
               </a:ext>
             </a:extLst>
           </p:cNvPr>
@@ -5783,124 +5572,7 @@
           <a:p>
             <a:fld id="{5414CF54-80D7-41F3-B633-0CBA28EB51D2}" type="slidenum">
               <a:rPr lang="en-US" smtClean="0"/>
-              <a:t>2</a:t>
-            </a:fld>
-            <a:endParaRPr lang="en-US"/>
-          </a:p>
-        </p:txBody>
-      </p:sp>
-    </p:spTree>
-    <p:extLst>
-      <p:ext uri="{BB962C8B-B14F-4D97-AF65-F5344CB8AC3E}">
-        <p14:creationId xmlns:p14="http://schemas.microsoft.com/office/powerpoint/2010/main" val="234194000"/>
-      </p:ext>
-    </p:extLst>
-  </p:cSld>
-  <p:clrMapOvr>
-    <a:masterClrMapping/>
-  </p:clrMapOvr>
-</p:sld>
-</file>
-
-<file path=ppt/slides/slide20.xml><?xml version="1.0" encoding="utf-8"?>
-<p:sld xmlns:a="http://schemas.openxmlformats.org/drawingml/2006/main" xmlns:r="http://schemas.openxmlformats.org/officeDocument/2006/relationships" xmlns:p="http://schemas.openxmlformats.org/presentationml/2006/main">
-  <p:cSld>
-    <p:spTree>
-      <p:nvGrpSpPr>
-        <p:cNvPr id="1" name=""/>
-        <p:cNvGrpSpPr/>
-        <p:nvPr/>
-      </p:nvGrpSpPr>
-      <p:grpSpPr>
-        <a:xfrm>
-          <a:off x="0" y="0"/>
-          <a:ext cx="0" cy="0"/>
-          <a:chOff x="0" y="0"/>
-          <a:chExt cx="0" cy="0"/>
-        </a:xfrm>
-      </p:grpSpPr>
-      <p:sp>
-        <p:nvSpPr>
-          <p:cNvPr id="2" name="Title 1">
-            <a:extLst>
-              <a:ext uri="{FF2B5EF4-FFF2-40B4-BE49-F238E27FC236}">
-                <a16:creationId xmlns:a16="http://schemas.microsoft.com/office/drawing/2014/main" id="{548F3712-F3FA-E944-C3A5-1FC9C14FC43B}"/>
-              </a:ext>
-            </a:extLst>
-          </p:cNvPr>
-          <p:cNvSpPr>
-            <a:spLocks noGrp="1"/>
-          </p:cNvSpPr>
-          <p:nvPr>
-            <p:ph type="title"/>
-          </p:nvPr>
-        </p:nvSpPr>
-        <p:spPr/>
-        <p:txBody>
-          <a:bodyPr/>
-          <a:lstStyle/>
-          <a:p>
-            <a:r>
-              <a:rPr lang="en-US" dirty="0"/>
-              <a:t>🔄 </a:t>
-            </a:r>
-            <a:r>
-              <a:rPr lang="th-TH" dirty="0"/>
-              <a:t>วนลูปแต่ละชั่วโมงในวันนั้น</a:t>
-            </a:r>
-            <a:endParaRPr lang="en-US" dirty="0"/>
-          </a:p>
-        </p:txBody>
-      </p:sp>
-      <p:sp>
-        <p:nvSpPr>
-          <p:cNvPr id="3" name="Content Placeholder 2">
-            <a:extLst>
-              <a:ext uri="{FF2B5EF4-FFF2-40B4-BE49-F238E27FC236}">
-                <a16:creationId xmlns:a16="http://schemas.microsoft.com/office/drawing/2014/main" id="{D6268473-7EC8-5C47-B8B6-F07254B16F91}"/>
-              </a:ext>
-            </a:extLst>
-          </p:cNvPr>
-          <p:cNvSpPr>
-            <a:spLocks noGrp="1"/>
-          </p:cNvSpPr>
-          <p:nvPr>
-            <p:ph idx="1"/>
-          </p:nvPr>
-        </p:nvSpPr>
-        <p:spPr/>
-        <p:txBody>
-          <a:bodyPr/>
-          <a:lstStyle/>
-          <a:p>
-            <a:endParaRPr lang="en-US"/>
-          </a:p>
-        </p:txBody>
-      </p:sp>
-      <p:sp>
-        <p:nvSpPr>
-          <p:cNvPr id="4" name="Slide Number Placeholder 3">
-            <a:extLst>
-              <a:ext uri="{FF2B5EF4-FFF2-40B4-BE49-F238E27FC236}">
-                <a16:creationId xmlns:a16="http://schemas.microsoft.com/office/drawing/2014/main" id="{9D99698A-0786-C8B4-BD97-4828F46CC54E}"/>
-              </a:ext>
-            </a:extLst>
-          </p:cNvPr>
-          <p:cNvSpPr>
-            <a:spLocks noGrp="1"/>
-          </p:cNvSpPr>
-          <p:nvPr>
-            <p:ph type="sldNum" sz="quarter" idx="12"/>
-          </p:nvPr>
-        </p:nvSpPr>
-        <p:spPr/>
-        <p:txBody>
-          <a:bodyPr/>
-          <a:lstStyle/>
-          <a:p>
-            <a:fld id="{5414CF54-80D7-41F3-B633-0CBA28EB51D2}" type="slidenum">
-              <a:rPr lang="en-US" smtClean="0"/>
-              <a:t>20</a:t>
+              <a:t>19</a:t>
             </a:fld>
             <a:endParaRPr lang="en-US"/>
           </a:p>
@@ -5949,7 +5621,7 @@
 </p:sld>
 </file>
 
-<file path=ppt/slides/slide21.xml><?xml version="1.0" encoding="utf-8"?>
+<file path=ppt/slides/slide2.xml><?xml version="1.0" encoding="utf-8"?>
 <p:sld xmlns:a="http://schemas.openxmlformats.org/drawingml/2006/main" xmlns:r="http://schemas.openxmlformats.org/officeDocument/2006/relationships" xmlns:p="http://schemas.openxmlformats.org/presentationml/2006/main">
   <p:cSld>
     <p:spTree>
@@ -5971,7 +5643,7 @@
           <p:cNvPr id="2" name="Title 1">
             <a:extLst>
               <a:ext uri="{FF2B5EF4-FFF2-40B4-BE49-F238E27FC236}">
-                <a16:creationId xmlns:a16="http://schemas.microsoft.com/office/drawing/2014/main" id="{5FC30A5A-D1FB-E9C2-509A-BBE40584EA0C}"/>
+                <a16:creationId xmlns:a16="http://schemas.microsoft.com/office/drawing/2014/main" id="{B1C0D456-1D0D-3968-F51B-42986957D06F}"/>
               </a:ext>
             </a:extLst>
           </p:cNvPr>
@@ -5988,25 +5660,10 @@
           <a:lstStyle/>
           <a:p>
             <a:r>
-              <a:rPr lang="en-US" dirty="0"/>
-              <a:t>✅ </a:t>
-            </a:r>
-            <a:r>
-              <a:rPr lang="th-TH" dirty="0"/>
-              <a:t>เลือก </a:t>
-            </a:r>
-            <a:r>
-              <a:rPr lang="en-US" dirty="0"/>
-              <a:t>action </a:t>
-            </a:r>
-            <a:r>
-              <a:rPr lang="th-TH" dirty="0"/>
-              <a:t>จากนโยบาย </a:t>
-            </a:r>
-            <a:r>
-              <a:rPr lang="en-US" dirty="0"/>
-              <a:t>Q-table + exploration</a:t>
-            </a:r>
+              <a:rPr lang="th-TH" dirty="0"/>
+              <a:t>วัตถุประสงค์</a:t>
+            </a:r>
+            <a:endParaRPr lang="en-US" dirty="0"/>
           </a:p>
         </p:txBody>
       </p:sp>
@@ -6015,7 +5672,7 @@
           <p:cNvPr id="3" name="Content Placeholder 2">
             <a:extLst>
               <a:ext uri="{FF2B5EF4-FFF2-40B4-BE49-F238E27FC236}">
-                <a16:creationId xmlns:a16="http://schemas.microsoft.com/office/drawing/2014/main" id="{E0B5585C-141D-66AE-9AD1-CE0A23A61B91}"/>
+                <a16:creationId xmlns:a16="http://schemas.microsoft.com/office/drawing/2014/main" id="{29D56F5C-4DB4-6370-3138-312739BE9AD7}"/>
               </a:ext>
             </a:extLst>
           </p:cNvPr>
@@ -6031,7 +5688,79 @@
           <a:bodyPr/>
           <a:lstStyle/>
           <a:p>
-            <a:endParaRPr lang="en-US"/>
+            <a:r>
+              <a:rPr lang="th-TH" dirty="0"/>
+              <a:t>โค้ดนี้เป็นการสร้างโมเดล </a:t>
+            </a:r>
+            <a:r>
+              <a:rPr lang="en-US" dirty="0"/>
+              <a:t>Q-learning </a:t>
+            </a:r>
+            <a:r>
+              <a:rPr lang="th-TH" dirty="0"/>
+              <a:t>สำหรับควบคุมแบตเตอรี่ (</a:t>
+            </a:r>
+            <a:r>
+              <a:rPr lang="en-US" dirty="0"/>
+              <a:t>Battery Energy Storage System - BESS) </a:t>
+            </a:r>
+            <a:r>
+              <a:rPr lang="th-TH" dirty="0"/>
+              <a:t>โดยมีวัตถุประสงค์เพื่อ:</a:t>
+            </a:r>
+            <a:endParaRPr lang="en-US" dirty="0"/>
+          </a:p>
+          <a:p>
+            <a:endParaRPr lang="en-US" dirty="0"/>
+          </a:p>
+          <a:p>
+            <a:r>
+              <a:rPr lang="en-US" dirty="0"/>
+              <a:t>1 </a:t>
+            </a:r>
+            <a:r>
+              <a:rPr lang="th-TH" dirty="0"/>
+              <a:t>ลดภาระโหลดจากกร</a:t>
+            </a:r>
+            <a:r>
+              <a:rPr lang="th-TH" dirty="0" err="1"/>
+              <a:t>ิด</a:t>
+            </a:r>
+            <a:r>
+              <a:rPr lang="th-TH" dirty="0"/>
+              <a:t> (</a:t>
+            </a:r>
+            <a:r>
+              <a:rPr lang="en-US" dirty="0"/>
+              <a:t>Peak Shaving)</a:t>
+            </a:r>
+          </a:p>
+          <a:p>
+            <a:r>
+              <a:rPr lang="en-US" dirty="0"/>
+              <a:t>2 </a:t>
+            </a:r>
+            <a:r>
+              <a:rPr lang="th-TH" dirty="0"/>
+              <a:t>ลดค่าไฟฟ้า โดยเลือกเวลาในการชาร์จและปล่อยพลังงานจากแบตเตอรี่อย่างเหมาะสม</a:t>
+            </a:r>
+            <a:r>
+              <a:rPr lang="en-US" dirty="0"/>
+              <a:t> </a:t>
+            </a:r>
+            <a:r>
+              <a:rPr lang="th-TH" dirty="0"/>
+              <a:t>แบ่งเป็น ชาร์จ</a:t>
+            </a:r>
+            <a:r>
+              <a:rPr lang="en-US" dirty="0"/>
+              <a:t>,</a:t>
+            </a:r>
+            <a:r>
+              <a:rPr lang="th-TH" dirty="0"/>
+              <a:t> ดีสชาร์จ และ ไม่ทำอะไร</a:t>
+            </a:r>
+            <a:endParaRPr lang="en-US" dirty="0"/>
           </a:p>
         </p:txBody>
       </p:sp>
@@ -6040,7 +5769,7 @@
           <p:cNvPr id="4" name="Slide Number Placeholder 3">
             <a:extLst>
               <a:ext uri="{FF2B5EF4-FFF2-40B4-BE49-F238E27FC236}">
-                <a16:creationId xmlns:a16="http://schemas.microsoft.com/office/drawing/2014/main" id="{BFA2C4FC-20F9-48F7-742C-D0ADF9363AB9}"/>
+                <a16:creationId xmlns:a16="http://schemas.microsoft.com/office/drawing/2014/main" id="{A8826570-71B5-F695-50F0-B16D19A93E1B}"/>
               </a:ext>
             </a:extLst>
           </p:cNvPr>
@@ -6058,7 +5787,135 @@
           <a:p>
             <a:fld id="{5414CF54-80D7-41F3-B633-0CBA28EB51D2}" type="slidenum">
               <a:rPr lang="en-US" smtClean="0"/>
-              <a:t>21</a:t>
+              <a:t>2</a:t>
+            </a:fld>
+            <a:endParaRPr lang="en-US"/>
+          </a:p>
+        </p:txBody>
+      </p:sp>
+    </p:spTree>
+    <p:extLst>
+      <p:ext uri="{BB962C8B-B14F-4D97-AF65-F5344CB8AC3E}">
+        <p14:creationId xmlns:p14="http://schemas.microsoft.com/office/powerpoint/2010/main" val="2725380440"/>
+      </p:ext>
+    </p:extLst>
+  </p:cSld>
+  <p:clrMapOvr>
+    <a:masterClrMapping/>
+  </p:clrMapOvr>
+</p:sld>
+</file>
+
+<file path=ppt/slides/slide20.xml><?xml version="1.0" encoding="utf-8"?>
+<p:sld xmlns:a="http://schemas.openxmlformats.org/drawingml/2006/main" xmlns:r="http://schemas.openxmlformats.org/officeDocument/2006/relationships" xmlns:p="http://schemas.openxmlformats.org/presentationml/2006/main">
+  <p:cSld>
+    <p:spTree>
+      <p:nvGrpSpPr>
+        <p:cNvPr id="1" name=""/>
+        <p:cNvGrpSpPr/>
+        <p:nvPr/>
+      </p:nvGrpSpPr>
+      <p:grpSpPr>
+        <a:xfrm>
+          <a:off x="0" y="0"/>
+          <a:ext cx="0" cy="0"/>
+          <a:chOff x="0" y="0"/>
+          <a:chExt cx="0" cy="0"/>
+        </a:xfrm>
+      </p:grpSpPr>
+      <p:sp>
+        <p:nvSpPr>
+          <p:cNvPr id="2" name="Title 1">
+            <a:extLst>
+              <a:ext uri="{FF2B5EF4-FFF2-40B4-BE49-F238E27FC236}">
+                <a16:creationId xmlns:a16="http://schemas.microsoft.com/office/drawing/2014/main" id="{5FC30A5A-D1FB-E9C2-509A-BBE40584EA0C}"/>
+              </a:ext>
+            </a:extLst>
+          </p:cNvPr>
+          <p:cNvSpPr>
+            <a:spLocks noGrp="1"/>
+          </p:cNvSpPr>
+          <p:nvPr>
+            <p:ph type="title"/>
+          </p:nvPr>
+        </p:nvSpPr>
+        <p:spPr/>
+        <p:txBody>
+          <a:bodyPr/>
+          <a:lstStyle/>
+          <a:p>
+            <a:r>
+              <a:rPr lang="en-US" dirty="0"/>
+              <a:t>✅ </a:t>
+            </a:r>
+            <a:r>
+              <a:rPr lang="th-TH" dirty="0"/>
+              <a:t>เลือก </a:t>
+            </a:r>
+            <a:r>
+              <a:rPr lang="en-US" dirty="0"/>
+              <a:t>action </a:t>
+            </a:r>
+            <a:r>
+              <a:rPr lang="th-TH" dirty="0"/>
+              <a:t>จากนโยบาย </a:t>
+            </a:r>
+            <a:r>
+              <a:rPr lang="en-US" dirty="0"/>
+              <a:t>Q-table + exploration</a:t>
+            </a:r>
+          </a:p>
+        </p:txBody>
+      </p:sp>
+      <p:sp>
+        <p:nvSpPr>
+          <p:cNvPr id="3" name="Content Placeholder 2">
+            <a:extLst>
+              <a:ext uri="{FF2B5EF4-FFF2-40B4-BE49-F238E27FC236}">
+                <a16:creationId xmlns:a16="http://schemas.microsoft.com/office/drawing/2014/main" id="{E0B5585C-141D-66AE-9AD1-CE0A23A61B91}"/>
+              </a:ext>
+            </a:extLst>
+          </p:cNvPr>
+          <p:cNvSpPr>
+            <a:spLocks noGrp="1"/>
+          </p:cNvSpPr>
+          <p:nvPr>
+            <p:ph idx="1"/>
+          </p:nvPr>
+        </p:nvSpPr>
+        <p:spPr/>
+        <p:txBody>
+          <a:bodyPr/>
+          <a:lstStyle/>
+          <a:p>
+            <a:endParaRPr lang="en-US"/>
+          </a:p>
+        </p:txBody>
+      </p:sp>
+      <p:sp>
+        <p:nvSpPr>
+          <p:cNvPr id="4" name="Slide Number Placeholder 3">
+            <a:extLst>
+              <a:ext uri="{FF2B5EF4-FFF2-40B4-BE49-F238E27FC236}">
+                <a16:creationId xmlns:a16="http://schemas.microsoft.com/office/drawing/2014/main" id="{BFA2C4FC-20F9-48F7-742C-D0ADF9363AB9}"/>
+              </a:ext>
+            </a:extLst>
+          </p:cNvPr>
+          <p:cNvSpPr>
+            <a:spLocks noGrp="1"/>
+          </p:cNvSpPr>
+          <p:nvPr>
+            <p:ph type="sldNum" sz="quarter" idx="12"/>
+          </p:nvPr>
+        </p:nvSpPr>
+        <p:spPr/>
+        <p:txBody>
+          <a:bodyPr/>
+          <a:lstStyle/>
+          <a:p>
+            <a:fld id="{5414CF54-80D7-41F3-B633-0CBA28EB51D2}" type="slidenum">
+              <a:rPr lang="en-US" smtClean="0"/>
+              <a:t>20</a:t>
             </a:fld>
             <a:endParaRPr lang="en-US"/>
           </a:p>
@@ -6107,7 +5964,7 @@
 </p:sld>
 </file>
 
-<file path=ppt/slides/slide22.xml><?xml version="1.0" encoding="utf-8"?>
+<file path=ppt/slides/slide21.xml><?xml version="1.0" encoding="utf-8"?>
 <p:sld xmlns:a="http://schemas.openxmlformats.org/drawingml/2006/main" xmlns:r="http://schemas.openxmlformats.org/officeDocument/2006/relationships" xmlns:p="http://schemas.openxmlformats.org/presentationml/2006/main">
   <p:cSld>
     <p:spTree>
@@ -6229,7 +6086,7 @@
           <a:p>
             <a:fld id="{5414CF54-80D7-41F3-B633-0CBA28EB51D2}" type="slidenum">
               <a:rPr lang="en-US" smtClean="0"/>
-              <a:t>22</a:t>
+              <a:t>21</a:t>
             </a:fld>
             <a:endParaRPr lang="en-US"/>
           </a:p>
@@ -6278,7 +6135,7 @@
 </p:sld>
 </file>
 
-<file path=ppt/slides/slide23.xml><?xml version="1.0" encoding="utf-8"?>
+<file path=ppt/slides/slide22.xml><?xml version="1.0" encoding="utf-8"?>
 <p:sld xmlns:a="http://schemas.openxmlformats.org/drawingml/2006/main" xmlns:r="http://schemas.openxmlformats.org/officeDocument/2006/relationships" xmlns:p="http://schemas.openxmlformats.org/presentationml/2006/main">
   <p:cSld>
     <p:spTree>
@@ -6426,7 +6283,7 @@
           <a:p>
             <a:fld id="{5414CF54-80D7-41F3-B633-0CBA28EB51D2}" type="slidenum">
               <a:rPr lang="en-US" smtClean="0"/>
-              <a:t>23</a:t>
+              <a:t>22</a:t>
             </a:fld>
             <a:endParaRPr lang="en-US"/>
           </a:p>
@@ -6475,7 +6332,7 @@
 </p:sld>
 </file>
 
-<file path=ppt/slides/slide24.xml><?xml version="1.0" encoding="utf-8"?>
+<file path=ppt/slides/slide23.xml><?xml version="1.0" encoding="utf-8"?>
 <p:sld xmlns:a="http://schemas.openxmlformats.org/drawingml/2006/main" xmlns:r="http://schemas.openxmlformats.org/officeDocument/2006/relationships" xmlns:p="http://schemas.openxmlformats.org/presentationml/2006/main">
   <p:cSld>
     <p:spTree>
@@ -6624,7 +6481,7 @@
           <a:p>
             <a:fld id="{5414CF54-80D7-41F3-B633-0CBA28EB51D2}" type="slidenum">
               <a:rPr lang="en-US" smtClean="0"/>
-              <a:t>24</a:t>
+              <a:t>23</a:t>
             </a:fld>
             <a:endParaRPr lang="en-US"/>
           </a:p>
@@ -6673,7 +6530,7 @@
 </p:sld>
 </file>
 
-<file path=ppt/slides/slide25.xml><?xml version="1.0" encoding="utf-8"?>
+<file path=ppt/slides/slide24.xml><?xml version="1.0" encoding="utf-8"?>
 <p:sld xmlns:a="http://schemas.openxmlformats.org/drawingml/2006/main" xmlns:r="http://schemas.openxmlformats.org/officeDocument/2006/relationships" xmlns:p="http://schemas.openxmlformats.org/presentationml/2006/main">
   <p:cSld>
     <p:spTree>
@@ -6767,7 +6624,7 @@
           <a:p>
             <a:fld id="{5414CF54-80D7-41F3-B633-0CBA28EB51D2}" type="slidenum">
               <a:rPr lang="en-US" smtClean="0"/>
-              <a:t>25</a:t>
+              <a:t>24</a:t>
             </a:fld>
             <a:endParaRPr lang="en-US"/>
           </a:p>
@@ -6846,7 +6703,7 @@
 </p:sld>
 </file>
 
-<file path=ppt/slides/slide26.xml><?xml version="1.0" encoding="utf-8"?>
+<file path=ppt/slides/slide25.xml><?xml version="1.0" encoding="utf-8"?>
 <p:sld xmlns:a="http://schemas.openxmlformats.org/drawingml/2006/main" xmlns:r="http://schemas.openxmlformats.org/officeDocument/2006/relationships" xmlns:p="http://schemas.openxmlformats.org/presentationml/2006/main">
   <p:cSld>
     <p:spTree>
@@ -6999,7 +6856,7 @@
           <a:p>
             <a:fld id="{5414CF54-80D7-41F3-B633-0CBA28EB51D2}" type="slidenum">
               <a:rPr lang="en-US" smtClean="0"/>
-              <a:t>26</a:t>
+              <a:t>25</a:t>
             </a:fld>
             <a:endParaRPr lang="en-US"/>
           </a:p>
@@ -7048,7 +6905,7 @@
 </p:sld>
 </file>
 
-<file path=ppt/slides/slide27.xml><?xml version="1.0" encoding="utf-8"?>
+<file path=ppt/slides/slide26.xml><?xml version="1.0" encoding="utf-8"?>
 <p:sld xmlns:a="http://schemas.openxmlformats.org/drawingml/2006/main" xmlns:r="http://schemas.openxmlformats.org/officeDocument/2006/relationships" xmlns:p="http://schemas.openxmlformats.org/presentationml/2006/main">
   <p:cSld>
     <p:spTree>
@@ -7177,7 +7034,7 @@
           <a:p>
             <a:fld id="{5414CF54-80D7-41F3-B633-0CBA28EB51D2}" type="slidenum">
               <a:rPr lang="en-US" smtClean="0"/>
-              <a:t>27</a:t>
+              <a:t>26</a:t>
             </a:fld>
             <a:endParaRPr lang="en-US"/>
           </a:p>
@@ -7226,7 +7083,7 @@
 </p:sld>
 </file>
 
-<file path=ppt/slides/slide28.xml><?xml version="1.0" encoding="utf-8"?>
+<file path=ppt/slides/slide27.xml><?xml version="1.0" encoding="utf-8"?>
 <p:sld xmlns:a="http://schemas.openxmlformats.org/drawingml/2006/main" xmlns:r="http://schemas.openxmlformats.org/officeDocument/2006/relationships" xmlns:p="http://schemas.openxmlformats.org/presentationml/2006/main">
   <p:cSld>
     <p:spTree>
@@ -7345,7 +7202,7 @@
           <a:p>
             <a:fld id="{5414CF54-80D7-41F3-B633-0CBA28EB51D2}" type="slidenum">
               <a:rPr lang="en-US" smtClean="0"/>
-              <a:t>28</a:t>
+              <a:t>27</a:t>
             </a:fld>
             <a:endParaRPr lang="en-US"/>
           </a:p>
@@ -7394,7 +7251,7 @@
 </p:sld>
 </file>
 
-<file path=ppt/slides/slide29.xml><?xml version="1.0" encoding="utf-8"?>
+<file path=ppt/slides/slide28.xml><?xml version="1.0" encoding="utf-8"?>
 <p:sld xmlns:a="http://schemas.openxmlformats.org/drawingml/2006/main" xmlns:r="http://schemas.openxmlformats.org/officeDocument/2006/relationships" xmlns:p="http://schemas.openxmlformats.org/presentationml/2006/main">
   <p:cSld>
     <p:spTree>
@@ -7492,7 +7349,7 @@
           <a:p>
             <a:fld id="{5414CF54-80D7-41F3-B633-0CBA28EB51D2}" type="slidenum">
               <a:rPr lang="en-US" smtClean="0"/>
-              <a:t>29</a:t>
+              <a:t>28</a:t>
             </a:fld>
             <a:endParaRPr lang="en-US"/>
           </a:p>
@@ -7541,7 +7398,7 @@
 </p:sld>
 </file>
 
-<file path=ppt/slides/slide3.xml><?xml version="1.0" encoding="utf-8"?>
+<file path=ppt/slides/slide29.xml><?xml version="1.0" encoding="utf-8"?>
 <p:sld xmlns:a="http://schemas.openxmlformats.org/drawingml/2006/main" xmlns:r="http://schemas.openxmlformats.org/officeDocument/2006/relationships" xmlns:p="http://schemas.openxmlformats.org/presentationml/2006/main">
   <p:cSld>
     <p:spTree>
@@ -7563,7 +7420,7 @@
           <p:cNvPr id="2" name="Title 1">
             <a:extLst>
               <a:ext uri="{FF2B5EF4-FFF2-40B4-BE49-F238E27FC236}">
-                <a16:creationId xmlns:a16="http://schemas.microsoft.com/office/drawing/2014/main" id="{B1C0D456-1D0D-3968-F51B-42986957D06F}"/>
+                <a16:creationId xmlns:a16="http://schemas.microsoft.com/office/drawing/2014/main" id="{853AE96A-A06C-C4A6-27A2-83C59E25B98B}"/>
               </a:ext>
             </a:extLst>
           </p:cNvPr>
@@ -7580,8 +7437,12 @@
           <a:lstStyle/>
           <a:p>
             <a:r>
-              <a:rPr lang="th-TH" dirty="0"/>
-              <a:t>วัตถุประสงค์</a:t>
+              <a:rPr lang="en-US" dirty="0"/>
+              <a:t>📊 </a:t>
+            </a:r>
+            <a:r>
+              <a:rPr lang="th-TH" dirty="0"/>
+              <a:t>สรุปรางวัลแต่ละรอบ</a:t>
             </a:r>
             <a:endParaRPr lang="en-US" dirty="0"/>
           </a:p>
@@ -7592,7 +7453,7 @@
           <p:cNvPr id="3" name="Content Placeholder 2">
             <a:extLst>
               <a:ext uri="{FF2B5EF4-FFF2-40B4-BE49-F238E27FC236}">
-                <a16:creationId xmlns:a16="http://schemas.microsoft.com/office/drawing/2014/main" id="{29D56F5C-4DB4-6370-3138-312739BE9AD7}"/>
+                <a16:creationId xmlns:a16="http://schemas.microsoft.com/office/drawing/2014/main" id="{852C0B02-7FE9-4744-03BF-A612C5F584CC}"/>
               </a:ext>
             </a:extLst>
           </p:cNvPr>
@@ -7608,79 +7469,7 @@
           <a:bodyPr/>
           <a:lstStyle/>
           <a:p>
-            <a:r>
-              <a:rPr lang="th-TH" dirty="0"/>
-              <a:t>โค้ดนี้เป็นการสร้างโมเดล </a:t>
-            </a:r>
-            <a:r>
-              <a:rPr lang="en-US" dirty="0"/>
-              <a:t>Q-learning </a:t>
-            </a:r>
-            <a:r>
-              <a:rPr lang="th-TH" dirty="0"/>
-              <a:t>สำหรับควบคุมแบตเตอรี่ (</a:t>
-            </a:r>
-            <a:r>
-              <a:rPr lang="en-US" dirty="0"/>
-              <a:t>Battery Energy Storage System - BESS) </a:t>
-            </a:r>
-            <a:r>
-              <a:rPr lang="th-TH" dirty="0"/>
-              <a:t>โดยมีวัตถุประสงค์เพื่อ:</a:t>
-            </a:r>
-            <a:endParaRPr lang="en-US" dirty="0"/>
-          </a:p>
-          <a:p>
-            <a:endParaRPr lang="en-US" dirty="0"/>
-          </a:p>
-          <a:p>
-            <a:r>
-              <a:rPr lang="en-US" dirty="0"/>
-              <a:t>1 </a:t>
-            </a:r>
-            <a:r>
-              <a:rPr lang="th-TH" dirty="0"/>
-              <a:t>ลดภาระโหลดจากกร</a:t>
-            </a:r>
-            <a:r>
-              <a:rPr lang="th-TH" dirty="0" err="1"/>
-              <a:t>ิด</a:t>
-            </a:r>
-            <a:r>
-              <a:rPr lang="th-TH" dirty="0"/>
-              <a:t> (</a:t>
-            </a:r>
-            <a:r>
-              <a:rPr lang="en-US" dirty="0"/>
-              <a:t>Peak Shaving)</a:t>
-            </a:r>
-          </a:p>
-          <a:p>
-            <a:r>
-              <a:rPr lang="en-US" dirty="0"/>
-              <a:t>2 </a:t>
-            </a:r>
-            <a:r>
-              <a:rPr lang="th-TH" dirty="0"/>
-              <a:t>ลดค่าไฟฟ้า โดยเลือกเวลาในการชาร์จและปล่อยพลังงานจากแบตเตอรี่อย่างเหมาะสม</a:t>
-            </a:r>
-            <a:r>
-              <a:rPr lang="en-US" dirty="0"/>
-              <a:t> </a:t>
-            </a:r>
-            <a:r>
-              <a:rPr lang="th-TH" dirty="0"/>
-              <a:t>แบ่งเป็น ชาร์จ</a:t>
-            </a:r>
-            <a:r>
-              <a:rPr lang="en-US" dirty="0"/>
-              <a:t>,</a:t>
-            </a:r>
-            <a:r>
-              <a:rPr lang="th-TH" dirty="0"/>
-              <a:t> ดีสชาร์จ และ ไม่ทำอะไร</a:t>
-            </a:r>
-            <a:endParaRPr lang="en-US" dirty="0"/>
+            <a:endParaRPr lang="en-US"/>
           </a:p>
         </p:txBody>
       </p:sp>
@@ -7689,7 +7478,7 @@
           <p:cNvPr id="4" name="Slide Number Placeholder 3">
             <a:extLst>
               <a:ext uri="{FF2B5EF4-FFF2-40B4-BE49-F238E27FC236}">
-                <a16:creationId xmlns:a16="http://schemas.microsoft.com/office/drawing/2014/main" id="{A8826570-71B5-F695-50F0-B16D19A93E1B}"/>
+                <a16:creationId xmlns:a16="http://schemas.microsoft.com/office/drawing/2014/main" id="{2437395A-5391-884E-DAAC-B64E53826C8E}"/>
               </a:ext>
             </a:extLst>
           </p:cNvPr>
@@ -7707,124 +7496,7 @@
           <a:p>
             <a:fld id="{5414CF54-80D7-41F3-B633-0CBA28EB51D2}" type="slidenum">
               <a:rPr lang="en-US" smtClean="0"/>
-              <a:t>3</a:t>
-            </a:fld>
-            <a:endParaRPr lang="en-US"/>
-          </a:p>
-        </p:txBody>
-      </p:sp>
-    </p:spTree>
-    <p:extLst>
-      <p:ext uri="{BB962C8B-B14F-4D97-AF65-F5344CB8AC3E}">
-        <p14:creationId xmlns:p14="http://schemas.microsoft.com/office/powerpoint/2010/main" val="2725380440"/>
-      </p:ext>
-    </p:extLst>
-  </p:cSld>
-  <p:clrMapOvr>
-    <a:masterClrMapping/>
-  </p:clrMapOvr>
-</p:sld>
-</file>
-
-<file path=ppt/slides/slide30.xml><?xml version="1.0" encoding="utf-8"?>
-<p:sld xmlns:a="http://schemas.openxmlformats.org/drawingml/2006/main" xmlns:r="http://schemas.openxmlformats.org/officeDocument/2006/relationships" xmlns:p="http://schemas.openxmlformats.org/presentationml/2006/main">
-  <p:cSld>
-    <p:spTree>
-      <p:nvGrpSpPr>
-        <p:cNvPr id="1" name=""/>
-        <p:cNvGrpSpPr/>
-        <p:nvPr/>
-      </p:nvGrpSpPr>
-      <p:grpSpPr>
-        <a:xfrm>
-          <a:off x="0" y="0"/>
-          <a:ext cx="0" cy="0"/>
-          <a:chOff x="0" y="0"/>
-          <a:chExt cx="0" cy="0"/>
-        </a:xfrm>
-      </p:grpSpPr>
-      <p:sp>
-        <p:nvSpPr>
-          <p:cNvPr id="2" name="Title 1">
-            <a:extLst>
-              <a:ext uri="{FF2B5EF4-FFF2-40B4-BE49-F238E27FC236}">
-                <a16:creationId xmlns:a16="http://schemas.microsoft.com/office/drawing/2014/main" id="{853AE96A-A06C-C4A6-27A2-83C59E25B98B}"/>
-              </a:ext>
-            </a:extLst>
-          </p:cNvPr>
-          <p:cNvSpPr>
-            <a:spLocks noGrp="1"/>
-          </p:cNvSpPr>
-          <p:nvPr>
-            <p:ph type="title"/>
-          </p:nvPr>
-        </p:nvSpPr>
-        <p:spPr/>
-        <p:txBody>
-          <a:bodyPr/>
-          <a:lstStyle/>
-          <a:p>
-            <a:r>
-              <a:rPr lang="en-US" dirty="0"/>
-              <a:t>📊 </a:t>
-            </a:r>
-            <a:r>
-              <a:rPr lang="th-TH" dirty="0"/>
-              <a:t>สรุปรางวัลแต่ละรอบ</a:t>
-            </a:r>
-            <a:endParaRPr lang="en-US" dirty="0"/>
-          </a:p>
-        </p:txBody>
-      </p:sp>
-      <p:sp>
-        <p:nvSpPr>
-          <p:cNvPr id="3" name="Content Placeholder 2">
-            <a:extLst>
-              <a:ext uri="{FF2B5EF4-FFF2-40B4-BE49-F238E27FC236}">
-                <a16:creationId xmlns:a16="http://schemas.microsoft.com/office/drawing/2014/main" id="{852C0B02-7FE9-4744-03BF-A612C5F584CC}"/>
-              </a:ext>
-            </a:extLst>
-          </p:cNvPr>
-          <p:cNvSpPr>
-            <a:spLocks noGrp="1"/>
-          </p:cNvSpPr>
-          <p:nvPr>
-            <p:ph idx="1"/>
-          </p:nvPr>
-        </p:nvSpPr>
-        <p:spPr/>
-        <p:txBody>
-          <a:bodyPr/>
-          <a:lstStyle/>
-          <a:p>
-            <a:endParaRPr lang="en-US"/>
-          </a:p>
-        </p:txBody>
-      </p:sp>
-      <p:sp>
-        <p:nvSpPr>
-          <p:cNvPr id="4" name="Slide Number Placeholder 3">
-            <a:extLst>
-              <a:ext uri="{FF2B5EF4-FFF2-40B4-BE49-F238E27FC236}">
-                <a16:creationId xmlns:a16="http://schemas.microsoft.com/office/drawing/2014/main" id="{2437395A-5391-884E-DAAC-B64E53826C8E}"/>
-              </a:ext>
-            </a:extLst>
-          </p:cNvPr>
-          <p:cNvSpPr>
-            <a:spLocks noGrp="1"/>
-          </p:cNvSpPr>
-          <p:nvPr>
-            <p:ph type="sldNum" sz="quarter" idx="12"/>
-          </p:nvPr>
-        </p:nvSpPr>
-        <p:spPr/>
-        <p:txBody>
-          <a:bodyPr/>
-          <a:lstStyle/>
-          <a:p>
-            <a:fld id="{5414CF54-80D7-41F3-B633-0CBA28EB51D2}" type="slidenum">
-              <a:rPr lang="en-US" smtClean="0"/>
-              <a:t>30</a:t>
+              <a:t>29</a:t>
             </a:fld>
             <a:endParaRPr lang="en-US"/>
           </a:p>
@@ -7873,7 +7545,7 @@
 </p:sld>
 </file>
 
-<file path=ppt/slides/slide31.xml><?xml version="1.0" encoding="utf-8"?>
+<file path=ppt/slides/slide3.xml><?xml version="1.0" encoding="utf-8"?>
 <p:sld xmlns:a="http://schemas.openxmlformats.org/drawingml/2006/main" xmlns:r="http://schemas.openxmlformats.org/officeDocument/2006/relationships" xmlns:p="http://schemas.openxmlformats.org/presentationml/2006/main">
   <p:cSld>
     <p:spTree>
@@ -7895,7 +7567,7 @@
           <p:cNvPr id="2" name="Title 1">
             <a:extLst>
               <a:ext uri="{FF2B5EF4-FFF2-40B4-BE49-F238E27FC236}">
-                <a16:creationId xmlns:a16="http://schemas.microsoft.com/office/drawing/2014/main" id="{70765FDF-FC6B-8160-F81A-E9C27E50A8A0}"/>
+                <a16:creationId xmlns:a16="http://schemas.microsoft.com/office/drawing/2014/main" id="{F009DF57-9D2A-EDD8-2465-0E63F19B1CCE}"/>
               </a:ext>
             </a:extLst>
           </p:cNvPr>
@@ -7913,38 +7585,71 @@
           <a:p>
             <a:r>
               <a:rPr lang="en-US" dirty="0"/>
-              <a:t>🖨 </a:t>
-            </a:r>
-            <a:r>
-              <a:rPr lang="th-TH" dirty="0"/>
-              <a:t>แสดงผลทุก 10,000 รอบ</a:t>
+              <a:t>⚙️ </a:t>
+            </a:r>
+            <a:r>
+              <a:rPr lang="th-TH" dirty="0"/>
+              <a:t>ส่วนที่ 1: การตั้งค่าระบบ (</a:t>
+            </a:r>
+            <a:r>
+              <a:rPr lang="en-US" dirty="0"/>
+              <a:t>Settings)</a:t>
+            </a:r>
+          </a:p>
+        </p:txBody>
+      </p:sp>
+      <p:sp>
+        <p:nvSpPr>
+          <p:cNvPr id="3" name="Content Placeholder 2">
+            <a:extLst>
+              <a:ext uri="{FF2B5EF4-FFF2-40B4-BE49-F238E27FC236}">
+                <a16:creationId xmlns:a16="http://schemas.microsoft.com/office/drawing/2014/main" id="{131B4A2F-3D58-A627-E909-F3D0B1B8CC7F}"/>
+              </a:ext>
+            </a:extLst>
+          </p:cNvPr>
+          <p:cNvSpPr>
+            <a:spLocks noGrp="1"/>
+          </p:cNvSpPr>
+          <p:nvPr>
+            <p:ph idx="1"/>
+          </p:nvPr>
+        </p:nvSpPr>
+        <p:spPr/>
+        <p:txBody>
+          <a:bodyPr/>
+          <a:lstStyle/>
+          <a:p>
+            <a:r>
+              <a:rPr lang="en-US" dirty="0"/>
+              <a:t>HOURS = 24: </a:t>
+            </a:r>
+            <a:r>
+              <a:rPr lang="th-TH" dirty="0"/>
+              <a:t>จำลอง 24 ชั่วโมง</a:t>
             </a:r>
             <a:endParaRPr lang="en-US" dirty="0"/>
           </a:p>
-        </p:txBody>
-      </p:sp>
-      <p:sp>
-        <p:nvSpPr>
-          <p:cNvPr id="3" name="Content Placeholder 2">
-            <a:extLst>
-              <a:ext uri="{FF2B5EF4-FFF2-40B4-BE49-F238E27FC236}">
-                <a16:creationId xmlns:a16="http://schemas.microsoft.com/office/drawing/2014/main" id="{04E84167-00D2-B4BB-D24E-661406E8F853}"/>
-              </a:ext>
-            </a:extLst>
-          </p:cNvPr>
-          <p:cNvSpPr>
-            <a:spLocks noGrp="1"/>
-          </p:cNvSpPr>
-          <p:nvPr>
-            <p:ph idx="1"/>
-          </p:nvPr>
-        </p:nvSpPr>
-        <p:spPr/>
-        <p:txBody>
-          <a:bodyPr/>
-          <a:lstStyle/>
-          <a:p>
-            <a:endParaRPr lang="en-US"/>
+          <a:p>
+            <a:r>
+              <a:rPr lang="en-US" dirty="0"/>
+              <a:t>SOC_LEVELS = 6: </a:t>
+            </a:r>
+            <a:r>
+              <a:rPr lang="th-TH" dirty="0"/>
+              <a:t>แบ่งสถานะแบตเตอรี่เป็น 6 ระดับ</a:t>
+            </a:r>
+            <a:endParaRPr lang="en-US" dirty="0"/>
+          </a:p>
+          <a:p>
+            <a:r>
+              <a:rPr lang="en-US" dirty="0"/>
+              <a:t>ACTIONS: </a:t>
+            </a:r>
+            <a:r>
+              <a:rPr lang="th-TH" dirty="0"/>
+              <a:t>กำหนด 3 การกระทำที่เป็นไปได้ในแต่ละชั่วโมง</a:t>
+            </a:r>
+            <a:endParaRPr lang="en-US" dirty="0"/>
           </a:p>
         </p:txBody>
       </p:sp>
@@ -7953,7 +7658,7 @@
           <p:cNvPr id="4" name="Slide Number Placeholder 3">
             <a:extLst>
               <a:ext uri="{FF2B5EF4-FFF2-40B4-BE49-F238E27FC236}">
-                <a16:creationId xmlns:a16="http://schemas.microsoft.com/office/drawing/2014/main" id="{FFF5E559-4545-B03D-B84D-8B1B78693926}"/>
+                <a16:creationId xmlns:a16="http://schemas.microsoft.com/office/drawing/2014/main" id="{7F4FAF44-8D50-5828-71B7-D5C2F7DC6ED3}"/>
               </a:ext>
             </a:extLst>
           </p:cNvPr>
@@ -7971,7 +7676,154 @@
           <a:p>
             <a:fld id="{5414CF54-80D7-41F3-B633-0CBA28EB51D2}" type="slidenum">
               <a:rPr lang="en-US" smtClean="0"/>
-              <a:t>31</a:t>
+              <a:t>3</a:t>
+            </a:fld>
+            <a:endParaRPr lang="en-US"/>
+          </a:p>
+        </p:txBody>
+      </p:sp>
+      <p:pic>
+        <p:nvPicPr>
+          <p:cNvPr id="9" name="Picture 8">
+            <a:extLst>
+              <a:ext uri="{FF2B5EF4-FFF2-40B4-BE49-F238E27FC236}">
+                <a16:creationId xmlns:a16="http://schemas.microsoft.com/office/drawing/2014/main" id="{1ABD2183-2AEF-6BD1-D4B8-917C07A818BB}"/>
+              </a:ext>
+            </a:extLst>
+          </p:cNvPr>
+          <p:cNvPicPr>
+            <a:picLocks noChangeAspect="1"/>
+          </p:cNvPicPr>
+          <p:nvPr/>
+        </p:nvPicPr>
+        <p:blipFill>
+          <a:blip r:embed="rId2"/>
+          <a:stretch>
+            <a:fillRect/>
+          </a:stretch>
+        </p:blipFill>
+        <p:spPr>
+          <a:xfrm>
+            <a:off x="1899652" y="4106954"/>
+            <a:ext cx="8392696" cy="1600423"/>
+          </a:xfrm>
+          <a:prstGeom prst="rect">
+            <a:avLst/>
+          </a:prstGeom>
+        </p:spPr>
+      </p:pic>
+    </p:spTree>
+    <p:extLst>
+      <p:ext uri="{BB962C8B-B14F-4D97-AF65-F5344CB8AC3E}">
+        <p14:creationId xmlns:p14="http://schemas.microsoft.com/office/powerpoint/2010/main" val="1622217000"/>
+      </p:ext>
+    </p:extLst>
+  </p:cSld>
+  <p:clrMapOvr>
+    <a:masterClrMapping/>
+  </p:clrMapOvr>
+</p:sld>
+</file>
+
+<file path=ppt/slides/slide30.xml><?xml version="1.0" encoding="utf-8"?>
+<p:sld xmlns:a="http://schemas.openxmlformats.org/drawingml/2006/main" xmlns:r="http://schemas.openxmlformats.org/officeDocument/2006/relationships" xmlns:p="http://schemas.openxmlformats.org/presentationml/2006/main">
+  <p:cSld>
+    <p:spTree>
+      <p:nvGrpSpPr>
+        <p:cNvPr id="1" name=""/>
+        <p:cNvGrpSpPr/>
+        <p:nvPr/>
+      </p:nvGrpSpPr>
+      <p:grpSpPr>
+        <a:xfrm>
+          <a:off x="0" y="0"/>
+          <a:ext cx="0" cy="0"/>
+          <a:chOff x="0" y="0"/>
+          <a:chExt cx="0" cy="0"/>
+        </a:xfrm>
+      </p:grpSpPr>
+      <p:sp>
+        <p:nvSpPr>
+          <p:cNvPr id="2" name="Title 1">
+            <a:extLst>
+              <a:ext uri="{FF2B5EF4-FFF2-40B4-BE49-F238E27FC236}">
+                <a16:creationId xmlns:a16="http://schemas.microsoft.com/office/drawing/2014/main" id="{70765FDF-FC6B-8160-F81A-E9C27E50A8A0}"/>
+              </a:ext>
+            </a:extLst>
+          </p:cNvPr>
+          <p:cNvSpPr>
+            <a:spLocks noGrp="1"/>
+          </p:cNvSpPr>
+          <p:nvPr>
+            <p:ph type="title"/>
+          </p:nvPr>
+        </p:nvSpPr>
+        <p:spPr/>
+        <p:txBody>
+          <a:bodyPr/>
+          <a:lstStyle/>
+          <a:p>
+            <a:r>
+              <a:rPr lang="en-US" dirty="0"/>
+              <a:t>🖨 </a:t>
+            </a:r>
+            <a:r>
+              <a:rPr lang="th-TH" dirty="0"/>
+              <a:t>แสดงผลทุก 10,000 รอบ</a:t>
+            </a:r>
+            <a:endParaRPr lang="en-US" dirty="0"/>
+          </a:p>
+        </p:txBody>
+      </p:sp>
+      <p:sp>
+        <p:nvSpPr>
+          <p:cNvPr id="3" name="Content Placeholder 2">
+            <a:extLst>
+              <a:ext uri="{FF2B5EF4-FFF2-40B4-BE49-F238E27FC236}">
+                <a16:creationId xmlns:a16="http://schemas.microsoft.com/office/drawing/2014/main" id="{04E84167-00D2-B4BB-D24E-661406E8F853}"/>
+              </a:ext>
+            </a:extLst>
+          </p:cNvPr>
+          <p:cNvSpPr>
+            <a:spLocks noGrp="1"/>
+          </p:cNvSpPr>
+          <p:nvPr>
+            <p:ph idx="1"/>
+          </p:nvPr>
+        </p:nvSpPr>
+        <p:spPr/>
+        <p:txBody>
+          <a:bodyPr/>
+          <a:lstStyle/>
+          <a:p>
+            <a:endParaRPr lang="en-US"/>
+          </a:p>
+        </p:txBody>
+      </p:sp>
+      <p:sp>
+        <p:nvSpPr>
+          <p:cNvPr id="4" name="Slide Number Placeholder 3">
+            <a:extLst>
+              <a:ext uri="{FF2B5EF4-FFF2-40B4-BE49-F238E27FC236}">
+                <a16:creationId xmlns:a16="http://schemas.microsoft.com/office/drawing/2014/main" id="{FFF5E559-4545-B03D-B84D-8B1B78693926}"/>
+              </a:ext>
+            </a:extLst>
+          </p:cNvPr>
+          <p:cNvSpPr>
+            <a:spLocks noGrp="1"/>
+          </p:cNvSpPr>
+          <p:nvPr>
+            <p:ph type="sldNum" sz="quarter" idx="12"/>
+          </p:nvPr>
+        </p:nvSpPr>
+        <p:spPr/>
+        <p:txBody>
+          <a:bodyPr/>
+          <a:lstStyle/>
+          <a:p>
+            <a:fld id="{5414CF54-80D7-41F3-B633-0CBA28EB51D2}" type="slidenum">
+              <a:rPr lang="en-US" smtClean="0"/>
+              <a:t>30</a:t>
             </a:fld>
             <a:endParaRPr lang="en-US"/>
           </a:p>
@@ -8020,6 +7872,127 @@
 </p:sld>
 </file>
 
+<file path=ppt/slides/slide31.xml><?xml version="1.0" encoding="utf-8"?>
+<p:sld xmlns:a="http://schemas.openxmlformats.org/drawingml/2006/main" xmlns:r="http://schemas.openxmlformats.org/officeDocument/2006/relationships" xmlns:p="http://schemas.openxmlformats.org/presentationml/2006/main">
+  <p:cSld>
+    <p:spTree>
+      <p:nvGrpSpPr>
+        <p:cNvPr id="1" name=""/>
+        <p:cNvGrpSpPr/>
+        <p:nvPr/>
+      </p:nvGrpSpPr>
+      <p:grpSpPr>
+        <a:xfrm>
+          <a:off x="0" y="0"/>
+          <a:ext cx="0" cy="0"/>
+          <a:chOff x="0" y="0"/>
+          <a:chExt cx="0" cy="0"/>
+        </a:xfrm>
+      </p:grpSpPr>
+      <p:sp>
+        <p:nvSpPr>
+          <p:cNvPr id="2" name="Title 1">
+            <a:extLst>
+              <a:ext uri="{FF2B5EF4-FFF2-40B4-BE49-F238E27FC236}">
+                <a16:creationId xmlns:a16="http://schemas.microsoft.com/office/drawing/2014/main" id="{6F2B7301-CE62-E612-F262-F7248A8EEB51}"/>
+              </a:ext>
+            </a:extLst>
+          </p:cNvPr>
+          <p:cNvSpPr>
+            <a:spLocks noGrp="1"/>
+          </p:cNvSpPr>
+          <p:nvPr>
+            <p:ph type="title"/>
+          </p:nvPr>
+        </p:nvSpPr>
+        <p:spPr/>
+        <p:txBody>
+          <a:bodyPr/>
+          <a:lstStyle/>
+          <a:p>
+            <a:r>
+              <a:rPr lang="en-US" dirty="0"/>
+              <a:t>🧠 </a:t>
+            </a:r>
+            <a:r>
+              <a:rPr lang="th-TH" dirty="0"/>
+              <a:t>สรุปใจความสำคัญ</a:t>
+            </a:r>
+            <a:endParaRPr lang="en-US" dirty="0"/>
+          </a:p>
+        </p:txBody>
+      </p:sp>
+      <p:pic>
+        <p:nvPicPr>
+          <p:cNvPr id="6" name="Content Placeholder 5">
+            <a:extLst>
+              <a:ext uri="{FF2B5EF4-FFF2-40B4-BE49-F238E27FC236}">
+                <a16:creationId xmlns:a16="http://schemas.microsoft.com/office/drawing/2014/main" id="{D548F842-F931-4529-12A4-A9F7F242B2A2}"/>
+              </a:ext>
+            </a:extLst>
+          </p:cNvPr>
+          <p:cNvPicPr>
+            <a:picLocks noGrp="1" noChangeAspect="1"/>
+          </p:cNvPicPr>
+          <p:nvPr>
+            <p:ph idx="1"/>
+          </p:nvPr>
+        </p:nvPicPr>
+        <p:blipFill>
+          <a:blip r:embed="rId2"/>
+          <a:stretch>
+            <a:fillRect/>
+          </a:stretch>
+        </p:blipFill>
+        <p:spPr>
+          <a:xfrm>
+            <a:off x="838200" y="2101681"/>
+            <a:ext cx="10515600" cy="3799225"/>
+          </a:xfrm>
+        </p:spPr>
+      </p:pic>
+      <p:sp>
+        <p:nvSpPr>
+          <p:cNvPr id="4" name="Slide Number Placeholder 3">
+            <a:extLst>
+              <a:ext uri="{FF2B5EF4-FFF2-40B4-BE49-F238E27FC236}">
+                <a16:creationId xmlns:a16="http://schemas.microsoft.com/office/drawing/2014/main" id="{760CFB22-0B5A-681E-10CA-A77E3861BCF8}"/>
+              </a:ext>
+            </a:extLst>
+          </p:cNvPr>
+          <p:cNvSpPr>
+            <a:spLocks noGrp="1"/>
+          </p:cNvSpPr>
+          <p:nvPr>
+            <p:ph type="sldNum" sz="quarter" idx="12"/>
+          </p:nvPr>
+        </p:nvSpPr>
+        <p:spPr/>
+        <p:txBody>
+          <a:bodyPr/>
+          <a:lstStyle/>
+          <a:p>
+            <a:fld id="{5414CF54-80D7-41F3-B633-0CBA28EB51D2}" type="slidenum">
+              <a:rPr lang="en-US" smtClean="0"/>
+              <a:t>31</a:t>
+            </a:fld>
+            <a:endParaRPr lang="en-US"/>
+          </a:p>
+        </p:txBody>
+      </p:sp>
+    </p:spTree>
+    <p:extLst>
+      <p:ext uri="{BB962C8B-B14F-4D97-AF65-F5344CB8AC3E}">
+        <p14:creationId xmlns:p14="http://schemas.microsoft.com/office/powerpoint/2010/main" val="2972066876"/>
+      </p:ext>
+    </p:extLst>
+  </p:cSld>
+  <p:clrMapOvr>
+    <a:masterClrMapping/>
+  </p:clrMapOvr>
+</p:sld>
+</file>
+
 <file path=ppt/slides/slide32.xml><?xml version="1.0" encoding="utf-8"?>
 <p:sld xmlns:a="http://schemas.openxmlformats.org/drawingml/2006/main" xmlns:r="http://schemas.openxmlformats.org/officeDocument/2006/relationships" xmlns:p="http://schemas.openxmlformats.org/presentationml/2006/main">
   <p:cSld>
@@ -8042,7 +8015,7 @@
           <p:cNvPr id="2" name="Title 1">
             <a:extLst>
               <a:ext uri="{FF2B5EF4-FFF2-40B4-BE49-F238E27FC236}">
-                <a16:creationId xmlns:a16="http://schemas.microsoft.com/office/drawing/2014/main" id="{6F2B7301-CE62-E612-F262-F7248A8EEB51}"/>
+                <a16:creationId xmlns:a16="http://schemas.microsoft.com/office/drawing/2014/main" id="{59BA4B43-8DBE-AA9E-E09E-C84506C595E6}"/>
               </a:ext>
             </a:extLst>
           </p:cNvPr>
@@ -8060,51 +8033,111 @@
           <a:p>
             <a:r>
               <a:rPr lang="en-US" dirty="0"/>
-              <a:t>🧠 </a:t>
-            </a:r>
-            <a:r>
-              <a:rPr lang="th-TH" dirty="0"/>
-              <a:t>สรุปใจความสำคัญ</a:t>
+              <a:t>📚 </a:t>
+            </a:r>
+            <a:r>
+              <a:rPr lang="th-TH" dirty="0"/>
+              <a:t>ส่วนที่ 4: สร้าง </a:t>
+            </a:r>
+            <a:r>
+              <a:rPr lang="en-US" dirty="0"/>
+              <a:t>Policy </a:t>
+            </a:r>
+            <a:r>
+              <a:rPr lang="th-TH" dirty="0"/>
+              <a:t>และจำลองวันจริง</a:t>
             </a:r>
             <a:endParaRPr lang="en-US" dirty="0"/>
           </a:p>
         </p:txBody>
       </p:sp>
-      <p:pic>
-        <p:nvPicPr>
-          <p:cNvPr id="6" name="Content Placeholder 5">
-            <a:extLst>
-              <a:ext uri="{FF2B5EF4-FFF2-40B4-BE49-F238E27FC236}">
-                <a16:creationId xmlns:a16="http://schemas.microsoft.com/office/drawing/2014/main" id="{D548F842-F931-4529-12A4-A9F7F242B2A2}"/>
-              </a:ext>
-            </a:extLst>
-          </p:cNvPr>
-          <p:cNvPicPr>
-            <a:picLocks noGrp="1" noChangeAspect="1"/>
-          </p:cNvPicPr>
+      <p:sp>
+        <p:nvSpPr>
+          <p:cNvPr id="3" name="Content Placeholder 2">
+            <a:extLst>
+              <a:ext uri="{FF2B5EF4-FFF2-40B4-BE49-F238E27FC236}">
+                <a16:creationId xmlns:a16="http://schemas.microsoft.com/office/drawing/2014/main" id="{B664C9E1-E673-9501-CAF3-23B3103BA26F}"/>
+              </a:ext>
+            </a:extLst>
+          </p:cNvPr>
+          <p:cNvSpPr>
+            <a:spLocks noGrp="1"/>
+          </p:cNvSpPr>
           <p:nvPr>
             <p:ph idx="1"/>
           </p:nvPr>
-        </p:nvPicPr>
-        <p:blipFill>
-          <a:blip r:embed="rId2"/>
-          <a:stretch>
-            <a:fillRect/>
-          </a:stretch>
-        </p:blipFill>
-        <p:spPr>
-          <a:xfrm>
-            <a:off x="838200" y="2101681"/>
-            <a:ext cx="10515600" cy="3799225"/>
-          </a:xfrm>
-        </p:spPr>
-      </p:pic>
+        </p:nvSpPr>
+        <p:spPr/>
+        <p:txBody>
+          <a:bodyPr>
+            <a:normAutofit/>
+          </a:bodyPr>
+          <a:lstStyle/>
+          <a:p>
+            <a:r>
+              <a:rPr lang="th-TH" dirty="0"/>
+              <a:t>โค้ดส่วนนี้ทำหน้าที่ สรุปนโยบายการตัดสินใจ จากผลลัพธ์ของการเรียนรู้ด้วย </a:t>
+            </a:r>
+            <a:r>
+              <a:rPr lang="en-US" dirty="0"/>
+              <a:t>Q-learning </a:t>
+            </a:r>
+            <a:r>
+              <a:rPr lang="th-TH" dirty="0"/>
+              <a:t>ซึ่งก็คือการ “ดึงคำแนะนำที่ดีที่สุด” ออกมาจาก </a:t>
+            </a:r>
+            <a:r>
+              <a:rPr lang="en-US" dirty="0"/>
+              <a:t>Q-table</a:t>
+            </a:r>
+            <a:r>
+              <a:rPr lang="th-TH" dirty="0"/>
+              <a:t> </a:t>
+            </a:r>
+          </a:p>
+          <a:p>
+            <a:pPr lvl="1"/>
+            <a:endParaRPr lang="th-TH" dirty="0"/>
+          </a:p>
+          <a:p>
+            <a:pPr lvl="1"/>
+            <a:endParaRPr lang="th-TH" dirty="0"/>
+          </a:p>
+          <a:p>
+            <a:pPr lvl="1"/>
+            <a:r>
+              <a:rPr lang="en-US" dirty="0"/>
+              <a:t>Q-table </a:t>
+            </a:r>
+            <a:r>
+              <a:rPr lang="th-TH" dirty="0"/>
+              <a:t>คือ ตารางที่บันทึกว่า "ในสถานการณ์นี้ ควรทำอะไรดี" จากประสบการณ์ที่เรียนรู้มา เช่น ชั่วโมงที่ 16 </a:t>
+            </a:r>
+            <a:r>
+              <a:rPr lang="th-TH" u="sng" dirty="0"/>
+              <a:t>และ</a:t>
+            </a:r>
+            <a:r>
+              <a:rPr lang="th-TH" dirty="0"/>
+              <a:t> </a:t>
+            </a:r>
+            <a:r>
+              <a:rPr lang="th-TH" dirty="0" err="1"/>
+              <a:t>แบต</a:t>
+            </a:r>
+            <a:r>
+              <a:rPr lang="th-TH" dirty="0"/>
+              <a:t>มีอยู่ครึ่งหนึ่ง จะชาร์จดีไหม ปล่อยดีไหม หรือไม่ทำอะไรเลย?</a:t>
+            </a:r>
+          </a:p>
+        </p:txBody>
+      </p:sp>
       <p:sp>
         <p:nvSpPr>
           <p:cNvPr id="4" name="Slide Number Placeholder 3">
             <a:extLst>
               <a:ext uri="{FF2B5EF4-FFF2-40B4-BE49-F238E27FC236}">
-                <a16:creationId xmlns:a16="http://schemas.microsoft.com/office/drawing/2014/main" id="{760CFB22-0B5A-681E-10CA-A77E3861BCF8}"/>
+                <a16:creationId xmlns:a16="http://schemas.microsoft.com/office/drawing/2014/main" id="{57C7AC7C-0F69-D36A-5E03-0691B61304DA}"/>
               </a:ext>
             </a:extLst>
           </p:cNvPr>
@@ -8131,7 +8164,7 @@
     </p:spTree>
     <p:extLst>
       <p:ext uri="{BB962C8B-B14F-4D97-AF65-F5344CB8AC3E}">
-        <p14:creationId xmlns:p14="http://schemas.microsoft.com/office/powerpoint/2010/main" val="2972066876"/>
+        <p14:creationId xmlns:p14="http://schemas.microsoft.com/office/powerpoint/2010/main" val="670580631"/>
       </p:ext>
     </p:extLst>
   </p:cSld>
@@ -8163,7 +8196,7 @@
           <p:cNvPr id="2" name="Title 1">
             <a:extLst>
               <a:ext uri="{FF2B5EF4-FFF2-40B4-BE49-F238E27FC236}">
-                <a16:creationId xmlns:a16="http://schemas.microsoft.com/office/drawing/2014/main" id="{59BA4B43-8DBE-AA9E-E09E-C84506C595E6}"/>
+                <a16:creationId xmlns:a16="http://schemas.microsoft.com/office/drawing/2014/main" id="{90704080-343A-3D58-B9E0-27B63D0EF469}"/>
               </a:ext>
             </a:extLst>
           </p:cNvPr>
@@ -8179,104 +8212,87 @@
           <a:bodyPr/>
           <a:lstStyle/>
           <a:p>
-            <a:r>
-              <a:rPr lang="en-US" dirty="0"/>
-              <a:t>📚 </a:t>
-            </a:r>
-            <a:r>
-              <a:rPr lang="th-TH" dirty="0"/>
-              <a:t>ส่วนที่ 4: สร้าง </a:t>
-            </a:r>
-            <a:r>
-              <a:rPr lang="en-US" dirty="0"/>
-              <a:t>Policy </a:t>
-            </a:r>
-            <a:r>
-              <a:rPr lang="th-TH" dirty="0"/>
-              <a:t>และจำลองวันจริง</a:t>
+            <a:endParaRPr lang="en-US"/>
+          </a:p>
+        </p:txBody>
+      </p:sp>
+      <p:sp>
+        <p:nvSpPr>
+          <p:cNvPr id="3" name="Content Placeholder 2">
+            <a:extLst>
+              <a:ext uri="{FF2B5EF4-FFF2-40B4-BE49-F238E27FC236}">
+                <a16:creationId xmlns:a16="http://schemas.microsoft.com/office/drawing/2014/main" id="{3FB9D305-BE40-5AC7-1A70-9125282F69D4}"/>
+              </a:ext>
+            </a:extLst>
+          </p:cNvPr>
+          <p:cNvSpPr>
+            <a:spLocks noGrp="1"/>
+          </p:cNvSpPr>
+          <p:nvPr>
+            <p:ph idx="1"/>
+          </p:nvPr>
+        </p:nvSpPr>
+        <p:spPr/>
+        <p:txBody>
+          <a:bodyPr/>
+          <a:lstStyle/>
+          <a:p>
+            <a:r>
+              <a:rPr lang="th-TH" dirty="0"/>
+              <a:t>ดังนั้น การ “สร้างนโยบาย (</a:t>
+            </a:r>
+            <a:r>
+              <a:rPr lang="en-US" dirty="0"/>
+              <a:t>Policy Extraction)" </a:t>
+            </a:r>
+            <a:r>
+              <a:rPr lang="th-TH" dirty="0"/>
+              <a:t>ก็คือ:</a:t>
+            </a:r>
+          </a:p>
+          <a:p>
+            <a:endParaRPr lang="th-TH" dirty="0"/>
+          </a:p>
+          <a:p>
+            <a:pPr lvl="1"/>
+            <a:r>
+              <a:rPr lang="th-TH" dirty="0"/>
+              <a:t>การตรวจดูใน </a:t>
+            </a:r>
+            <a:r>
+              <a:rPr lang="en-US" dirty="0"/>
+              <a:t>Q-table </a:t>
+            </a:r>
+            <a:r>
+              <a:rPr lang="th-TH" dirty="0"/>
+              <a:t>ทุกจุด (แต่ละชั่วโมง </a:t>
+            </a:r>
+            <a:r>
+              <a:rPr lang="en-US" dirty="0"/>
+              <a:t>x </a:t>
+            </a:r>
+            <a:r>
+              <a:rPr lang="th-TH" dirty="0"/>
+              <a:t>ระดับแบตเตอรี่)</a:t>
+            </a:r>
+          </a:p>
+          <a:p>
+            <a:pPr lvl="1"/>
+            <a:r>
+              <a:rPr lang="th-TH" dirty="0"/>
+              <a:t>แล้วเลือกแอคชันที่มีคะแนนดีที่สุดในแต่ละจุด</a:t>
+            </a:r>
+          </a:p>
+          <a:p>
+            <a:pPr lvl="1"/>
+            <a:r>
+              <a:rPr lang="th-TH" dirty="0"/>
+              <a:t>สร้างเป็นนโยบายว่า ณ สถานะนั้น ควรทำอะไร เพื่อให้ได้ผลตอบแทนรวมดีที่สุดในระยะยาว</a:t>
             </a:r>
             <a:endParaRPr lang="en-US" dirty="0"/>
           </a:p>
-        </p:txBody>
-      </p:sp>
-      <p:sp>
-        <p:nvSpPr>
-          <p:cNvPr id="3" name="Content Placeholder 2">
-            <a:extLst>
-              <a:ext uri="{FF2B5EF4-FFF2-40B4-BE49-F238E27FC236}">
-                <a16:creationId xmlns:a16="http://schemas.microsoft.com/office/drawing/2014/main" id="{B664C9E1-E673-9501-CAF3-23B3103BA26F}"/>
-              </a:ext>
-            </a:extLst>
-          </p:cNvPr>
-          <p:cNvSpPr>
-            <a:spLocks noGrp="1"/>
-          </p:cNvSpPr>
-          <p:nvPr>
-            <p:ph idx="1"/>
-          </p:nvPr>
-        </p:nvSpPr>
-        <p:spPr/>
-        <p:txBody>
-          <a:bodyPr>
-            <a:normAutofit/>
-          </a:bodyPr>
-          <a:lstStyle/>
-          <a:p>
-            <a:r>
-              <a:rPr lang="th-TH" dirty="0"/>
-              <a:t>โค้ดส่วนนี้ทำหน้าที่ สรุปนโยบายการตัดสินใจ จากผลลัพธ์ของการเรียนรู้ด้วย </a:t>
-            </a:r>
-            <a:r>
-              <a:rPr lang="en-US" dirty="0"/>
-              <a:t>Q-learning </a:t>
-            </a:r>
-            <a:r>
-              <a:rPr lang="th-TH" dirty="0"/>
-              <a:t>ซึ่งก็คือการ “ดึงคำแนะนำที่ดีที่สุด” ออกมาจาก </a:t>
-            </a:r>
-            <a:r>
-              <a:rPr lang="en-US" dirty="0"/>
-              <a:t>Q-table</a:t>
-            </a:r>
-            <a:r>
-              <a:rPr lang="th-TH" dirty="0"/>
-              <a:t> </a:t>
-            </a:r>
-          </a:p>
-          <a:p>
-            <a:pPr lvl="1"/>
-            <a:endParaRPr lang="th-TH" dirty="0"/>
-          </a:p>
-          <a:p>
-            <a:pPr lvl="1"/>
-            <a:endParaRPr lang="th-TH" dirty="0"/>
-          </a:p>
-          <a:p>
-            <a:pPr lvl="1"/>
-            <a:r>
-              <a:rPr lang="en-US" dirty="0"/>
-              <a:t>Q-table </a:t>
-            </a:r>
-            <a:r>
-              <a:rPr lang="th-TH" dirty="0"/>
-              <a:t>คือ ตารางที่บันทึกว่า "ในสถานการณ์นี้ ควรทำอะไรดี" จากประสบการณ์ที่เรียนรู้มา เช่น ชั่วโมงที่ 16 </a:t>
-            </a:r>
-            <a:r>
-              <a:rPr lang="th-TH" u="sng" dirty="0"/>
-              <a:t>และ</a:t>
-            </a:r>
-            <a:r>
-              <a:rPr lang="th-TH" dirty="0"/>
-              <a:t> </a:t>
-            </a:r>
-            <a:r>
-              <a:rPr lang="th-TH" dirty="0" err="1"/>
-              <a:t>แบต</a:t>
-            </a:r>
-            <a:r>
-              <a:rPr lang="th-TH" dirty="0"/>
-              <a:t>มีอยู่ครึ่งหนึ่ง จะชาร์จดีไหม ปล่อยดีไหม หรือไม่ทำอะไรเลย?</a:t>
-            </a:r>
+          <a:p>
+            <a:endParaRPr lang="en-US" dirty="0"/>
           </a:p>
         </p:txBody>
       </p:sp>
@@ -8285,7 +8301,7 @@
           <p:cNvPr id="4" name="Slide Number Placeholder 3">
             <a:extLst>
               <a:ext uri="{FF2B5EF4-FFF2-40B4-BE49-F238E27FC236}">
-                <a16:creationId xmlns:a16="http://schemas.microsoft.com/office/drawing/2014/main" id="{57C7AC7C-0F69-D36A-5E03-0691B61304DA}"/>
+                <a16:creationId xmlns:a16="http://schemas.microsoft.com/office/drawing/2014/main" id="{2F39B6B9-620C-40F0-7C64-F22223E6250D}"/>
               </a:ext>
             </a:extLst>
           </p:cNvPr>
@@ -8312,7 +8328,7 @@
     </p:spTree>
     <p:extLst>
       <p:ext uri="{BB962C8B-B14F-4D97-AF65-F5344CB8AC3E}">
-        <p14:creationId xmlns:p14="http://schemas.microsoft.com/office/powerpoint/2010/main" val="670580631"/>
+        <p14:creationId xmlns:p14="http://schemas.microsoft.com/office/powerpoint/2010/main" val="3543037270"/>
       </p:ext>
     </p:extLst>
   </p:cSld>
@@ -8344,7 +8360,7 @@
           <p:cNvPr id="2" name="Title 1">
             <a:extLst>
               <a:ext uri="{FF2B5EF4-FFF2-40B4-BE49-F238E27FC236}">
-                <a16:creationId xmlns:a16="http://schemas.microsoft.com/office/drawing/2014/main" id="{90704080-343A-3D58-B9E0-27B63D0EF469}"/>
+                <a16:creationId xmlns:a16="http://schemas.microsoft.com/office/drawing/2014/main" id="{A26352C6-EB95-4AFA-C092-477592F22410}"/>
               </a:ext>
             </a:extLst>
           </p:cNvPr>
@@ -8369,7 +8385,7 @@
           <p:cNvPr id="3" name="Content Placeholder 2">
             <a:extLst>
               <a:ext uri="{FF2B5EF4-FFF2-40B4-BE49-F238E27FC236}">
-                <a16:creationId xmlns:a16="http://schemas.microsoft.com/office/drawing/2014/main" id="{3FB9D305-BE40-5AC7-1A70-9125282F69D4}"/>
+                <a16:creationId xmlns:a16="http://schemas.microsoft.com/office/drawing/2014/main" id="{E18771A3-AA54-DC9E-2A0B-7E5EA6384F6C}"/>
               </a:ext>
             </a:extLst>
           </p:cNvPr>
@@ -8382,66 +8398,62 @@
         </p:nvSpPr>
         <p:spPr/>
         <p:txBody>
-          <a:bodyPr/>
-          <a:lstStyle/>
-          <a:p>
-            <a:r>
-              <a:rPr lang="th-TH" dirty="0"/>
-              <a:t>ดังนั้น การ “สร้างนโยบาย (</a:t>
-            </a:r>
-            <a:r>
-              <a:rPr lang="en-US" dirty="0"/>
-              <a:t>Policy Extraction)" </a:t>
-            </a:r>
-            <a:r>
-              <a:rPr lang="th-TH" dirty="0"/>
-              <a:t>ก็คือ:</a:t>
+          <a:bodyPr>
+            <a:normAutofit lnSpcReduction="10000"/>
+          </a:bodyPr>
+          <a:lstStyle/>
+          <a:p>
+            <a:r>
+              <a:rPr lang="th-TH" dirty="0"/>
+              <a:t>สมมุติ </a:t>
+            </a:r>
+            <a:r>
+              <a:rPr lang="en-US" dirty="0"/>
+              <a:t>Q-table </a:t>
+            </a:r>
+            <a:r>
+              <a:rPr lang="th-TH" dirty="0"/>
+              <a:t>ในสถานะหนึ่งเป็นแบบนี้:</a:t>
             </a:r>
           </a:p>
           <a:p>
             <a:endParaRPr lang="th-TH" dirty="0"/>
           </a:p>
           <a:p>
-            <a:pPr lvl="1"/>
-            <a:r>
-              <a:rPr lang="th-TH" dirty="0"/>
-              <a:t>การตรวจดูใน </a:t>
-            </a:r>
-            <a:r>
-              <a:rPr lang="en-US" dirty="0"/>
-              <a:t>Q-table </a:t>
-            </a:r>
-            <a:r>
-              <a:rPr lang="th-TH" dirty="0"/>
-              <a:t>ทุกจุด (แต่ละชั่วโมง </a:t>
-            </a:r>
-            <a:r>
-              <a:rPr lang="en-US" dirty="0"/>
-              <a:t>x </a:t>
-            </a:r>
-            <a:r>
-              <a:rPr lang="th-TH" dirty="0"/>
-              <a:t>ระดับแบตเตอรี่)</a:t>
-            </a:r>
-          </a:p>
-          <a:p>
-            <a:pPr lvl="1"/>
-            <a:r>
-              <a:rPr lang="th-TH" dirty="0"/>
-              <a:t>แล้วเลือกแอคชันที่มีคะแนนดีที่สุดในแต่ละจุด</a:t>
-            </a:r>
-          </a:p>
-          <a:p>
-            <a:pPr lvl="1"/>
-            <a:r>
-              <a:rPr lang="th-TH" dirty="0"/>
-              <a:t>สร้างเป็นนโยบายว่า ณ สถานะนั้น ควรทำอะไร เพื่อให้ได้ผลตอบแทนรวมดีที่สุดในระยะยาว</a:t>
+            <a:endParaRPr lang="th-TH" dirty="0"/>
+          </a:p>
+          <a:p>
+            <a:endParaRPr lang="th-TH" dirty="0"/>
+          </a:p>
+          <a:p>
+            <a:endParaRPr lang="th-TH" dirty="0"/>
+          </a:p>
+          <a:p>
+            <a:endParaRPr lang="th-TH" dirty="0"/>
+          </a:p>
+          <a:p>
+            <a:r>
+              <a:rPr lang="th-TH" dirty="0"/>
+              <a:t>ระบบจะเลือก </a:t>
+            </a:r>
+            <a:r>
+              <a:rPr lang="en-US" dirty="0"/>
+              <a:t>Discharge </a:t>
+            </a:r>
+            <a:r>
+              <a:rPr lang="th-TH" dirty="0"/>
+              <a:t>เพราะมี </a:t>
+            </a:r>
+            <a:r>
+              <a:rPr lang="en-US" dirty="0"/>
+              <a:t>Q-value </a:t>
+            </a:r>
+            <a:r>
+              <a:rPr lang="th-TH" dirty="0"/>
+              <a:t>สูงสุดดังนั้น ณ จุดนั้น นโยบายคือ "ปล่อยประจุ"</a:t>
             </a:r>
             <a:endParaRPr lang="en-US" dirty="0"/>
           </a:p>
-          <a:p>
-            <a:endParaRPr lang="en-US" dirty="0"/>
-          </a:p>
         </p:txBody>
       </p:sp>
       <p:sp>
@@ -8449,7 +8461,7 @@
           <p:cNvPr id="4" name="Slide Number Placeholder 3">
             <a:extLst>
               <a:ext uri="{FF2B5EF4-FFF2-40B4-BE49-F238E27FC236}">
-                <a16:creationId xmlns:a16="http://schemas.microsoft.com/office/drawing/2014/main" id="{2F39B6B9-620C-40F0-7C64-F22223E6250D}"/>
+                <a16:creationId xmlns:a16="http://schemas.microsoft.com/office/drawing/2014/main" id="{A520BDD7-45AF-F12E-099D-FAD8C06A0E97}"/>
               </a:ext>
             </a:extLst>
           </p:cNvPr>
@@ -8468,166 +8480,6 @@
             <a:fld id="{5414CF54-80D7-41F3-B633-0CBA28EB51D2}" type="slidenum">
               <a:rPr lang="en-US" smtClean="0"/>
               <a:t>34</a:t>
-            </a:fld>
-            <a:endParaRPr lang="en-US"/>
-          </a:p>
-        </p:txBody>
-      </p:sp>
-    </p:spTree>
-    <p:extLst>
-      <p:ext uri="{BB962C8B-B14F-4D97-AF65-F5344CB8AC3E}">
-        <p14:creationId xmlns:p14="http://schemas.microsoft.com/office/powerpoint/2010/main" val="3543037270"/>
-      </p:ext>
-    </p:extLst>
-  </p:cSld>
-  <p:clrMapOvr>
-    <a:masterClrMapping/>
-  </p:clrMapOvr>
-</p:sld>
-</file>
-
-<file path=ppt/slides/slide35.xml><?xml version="1.0" encoding="utf-8"?>
-<p:sld xmlns:a="http://schemas.openxmlformats.org/drawingml/2006/main" xmlns:r="http://schemas.openxmlformats.org/officeDocument/2006/relationships" xmlns:p="http://schemas.openxmlformats.org/presentationml/2006/main">
-  <p:cSld>
-    <p:spTree>
-      <p:nvGrpSpPr>
-        <p:cNvPr id="1" name=""/>
-        <p:cNvGrpSpPr/>
-        <p:nvPr/>
-      </p:nvGrpSpPr>
-      <p:grpSpPr>
-        <a:xfrm>
-          <a:off x="0" y="0"/>
-          <a:ext cx="0" cy="0"/>
-          <a:chOff x="0" y="0"/>
-          <a:chExt cx="0" cy="0"/>
-        </a:xfrm>
-      </p:grpSpPr>
-      <p:sp>
-        <p:nvSpPr>
-          <p:cNvPr id="2" name="Title 1">
-            <a:extLst>
-              <a:ext uri="{FF2B5EF4-FFF2-40B4-BE49-F238E27FC236}">
-                <a16:creationId xmlns:a16="http://schemas.microsoft.com/office/drawing/2014/main" id="{A26352C6-EB95-4AFA-C092-477592F22410}"/>
-              </a:ext>
-            </a:extLst>
-          </p:cNvPr>
-          <p:cNvSpPr>
-            <a:spLocks noGrp="1"/>
-          </p:cNvSpPr>
-          <p:nvPr>
-            <p:ph type="title"/>
-          </p:nvPr>
-        </p:nvSpPr>
-        <p:spPr/>
-        <p:txBody>
-          <a:bodyPr/>
-          <a:lstStyle/>
-          <a:p>
-            <a:endParaRPr lang="en-US"/>
-          </a:p>
-        </p:txBody>
-      </p:sp>
-      <p:sp>
-        <p:nvSpPr>
-          <p:cNvPr id="3" name="Content Placeholder 2">
-            <a:extLst>
-              <a:ext uri="{FF2B5EF4-FFF2-40B4-BE49-F238E27FC236}">
-                <a16:creationId xmlns:a16="http://schemas.microsoft.com/office/drawing/2014/main" id="{E18771A3-AA54-DC9E-2A0B-7E5EA6384F6C}"/>
-              </a:ext>
-            </a:extLst>
-          </p:cNvPr>
-          <p:cNvSpPr>
-            <a:spLocks noGrp="1"/>
-          </p:cNvSpPr>
-          <p:nvPr>
-            <p:ph idx="1"/>
-          </p:nvPr>
-        </p:nvSpPr>
-        <p:spPr/>
-        <p:txBody>
-          <a:bodyPr>
-            <a:normAutofit lnSpcReduction="10000"/>
-          </a:bodyPr>
-          <a:lstStyle/>
-          <a:p>
-            <a:r>
-              <a:rPr lang="th-TH" dirty="0"/>
-              <a:t>สมมุติ </a:t>
-            </a:r>
-            <a:r>
-              <a:rPr lang="en-US" dirty="0"/>
-              <a:t>Q-table </a:t>
-            </a:r>
-            <a:r>
-              <a:rPr lang="th-TH" dirty="0"/>
-              <a:t>ในสถานะหนึ่งเป็นแบบนี้:</a:t>
-            </a:r>
-          </a:p>
-          <a:p>
-            <a:endParaRPr lang="th-TH" dirty="0"/>
-          </a:p>
-          <a:p>
-            <a:endParaRPr lang="th-TH" dirty="0"/>
-          </a:p>
-          <a:p>
-            <a:endParaRPr lang="th-TH" dirty="0"/>
-          </a:p>
-          <a:p>
-            <a:endParaRPr lang="th-TH" dirty="0"/>
-          </a:p>
-          <a:p>
-            <a:endParaRPr lang="th-TH" dirty="0"/>
-          </a:p>
-          <a:p>
-            <a:r>
-              <a:rPr lang="th-TH" dirty="0"/>
-              <a:t>ระบบจะเลือก </a:t>
-            </a:r>
-            <a:r>
-              <a:rPr lang="en-US" dirty="0"/>
-              <a:t>Discharge </a:t>
-            </a:r>
-            <a:r>
-              <a:rPr lang="th-TH" dirty="0"/>
-              <a:t>เพราะมี </a:t>
-            </a:r>
-            <a:r>
-              <a:rPr lang="en-US" dirty="0"/>
-              <a:t>Q-value </a:t>
-            </a:r>
-            <a:r>
-              <a:rPr lang="th-TH" dirty="0"/>
-              <a:t>สูงสุดดังนั้น ณ จุดนั้น นโยบายคือ "ปล่อยประจุ"</a:t>
-            </a:r>
-            <a:endParaRPr lang="en-US" dirty="0"/>
-          </a:p>
-        </p:txBody>
-      </p:sp>
-      <p:sp>
-        <p:nvSpPr>
-          <p:cNvPr id="4" name="Slide Number Placeholder 3">
-            <a:extLst>
-              <a:ext uri="{FF2B5EF4-FFF2-40B4-BE49-F238E27FC236}">
-                <a16:creationId xmlns:a16="http://schemas.microsoft.com/office/drawing/2014/main" id="{A520BDD7-45AF-F12E-099D-FAD8C06A0E97}"/>
-              </a:ext>
-            </a:extLst>
-          </p:cNvPr>
-          <p:cNvSpPr>
-            <a:spLocks noGrp="1"/>
-          </p:cNvSpPr>
-          <p:nvPr>
-            <p:ph type="sldNum" sz="quarter" idx="12"/>
-          </p:nvPr>
-        </p:nvSpPr>
-        <p:spPr/>
-        <p:txBody>
-          <a:bodyPr/>
-          <a:lstStyle/>
-          <a:p>
-            <a:fld id="{5414CF54-80D7-41F3-B633-0CBA28EB51D2}" type="slidenum">
-              <a:rPr lang="en-US" smtClean="0"/>
-              <a:t>35</a:t>
             </a:fld>
             <a:endParaRPr lang="en-US"/>
           </a:p>
@@ -8676,6 +8528,129 @@
 </p:sld>
 </file>
 
+<file path=ppt/slides/slide35.xml><?xml version="1.0" encoding="utf-8"?>
+<p:sld xmlns:a="http://schemas.openxmlformats.org/drawingml/2006/main" xmlns:r="http://schemas.openxmlformats.org/officeDocument/2006/relationships" xmlns:p="http://schemas.openxmlformats.org/presentationml/2006/main">
+  <p:cSld>
+    <p:spTree>
+      <p:nvGrpSpPr>
+        <p:cNvPr id="1" name=""/>
+        <p:cNvGrpSpPr/>
+        <p:nvPr/>
+      </p:nvGrpSpPr>
+      <p:grpSpPr>
+        <a:xfrm>
+          <a:off x="0" y="0"/>
+          <a:ext cx="0" cy="0"/>
+          <a:chOff x="0" y="0"/>
+          <a:chExt cx="0" cy="0"/>
+        </a:xfrm>
+      </p:grpSpPr>
+      <p:sp>
+        <p:nvSpPr>
+          <p:cNvPr id="2" name="Title 1">
+            <a:extLst>
+              <a:ext uri="{FF2B5EF4-FFF2-40B4-BE49-F238E27FC236}">
+                <a16:creationId xmlns:a16="http://schemas.microsoft.com/office/drawing/2014/main" id="{C887F6EA-F4C5-6D15-0FD2-61E2E641EC53}"/>
+              </a:ext>
+            </a:extLst>
+          </p:cNvPr>
+          <p:cNvSpPr>
+            <a:spLocks noGrp="1"/>
+          </p:cNvSpPr>
+          <p:nvPr>
+            <p:ph type="title"/>
+          </p:nvPr>
+        </p:nvSpPr>
+        <p:spPr/>
+        <p:txBody>
+          <a:bodyPr/>
+          <a:lstStyle/>
+          <a:p>
+            <a:r>
+              <a:rPr lang="th-TH" dirty="0"/>
+              <a:t>ทำไมต้องทำสิ่งนี้?</a:t>
+            </a:r>
+            <a:endParaRPr lang="en-US" dirty="0"/>
+          </a:p>
+        </p:txBody>
+      </p:sp>
+      <p:sp>
+        <p:nvSpPr>
+          <p:cNvPr id="3" name="Content Placeholder 2">
+            <a:extLst>
+              <a:ext uri="{FF2B5EF4-FFF2-40B4-BE49-F238E27FC236}">
+                <a16:creationId xmlns:a16="http://schemas.microsoft.com/office/drawing/2014/main" id="{3C3A9B01-536B-192D-C33A-3890863AF40D}"/>
+              </a:ext>
+            </a:extLst>
+          </p:cNvPr>
+          <p:cNvSpPr>
+            <a:spLocks noGrp="1"/>
+          </p:cNvSpPr>
+          <p:nvPr>
+            <p:ph idx="1"/>
+          </p:nvPr>
+        </p:nvSpPr>
+        <p:spPr/>
+        <p:txBody>
+          <a:bodyPr/>
+          <a:lstStyle/>
+          <a:p>
+            <a:r>
+              <a:rPr lang="th-TH" dirty="0"/>
+              <a:t>เพื่อจะสามารถ นำไปใช้งานจริง ได้ในขั้นตอนสุดท้าย เช่น ในระบบควบคุมแบตเตอรี่ จะได้รู้ว่าควรสั่งให้ชาร์จ ปล่อย หรืออยู่เฉยๆ</a:t>
+            </a:r>
+          </a:p>
+          <a:p>
+            <a:r>
+              <a:rPr lang="th-TH" dirty="0"/>
+              <a:t>ไม่ต้องเรียนรู้ซ้ำแล้วในช่วงใช้งานจริง — เพียงแค่ใช้ตารางนี้เลือกแอคชันตามสถานะ</a:t>
+            </a:r>
+            <a:endParaRPr lang="en-US" dirty="0"/>
+          </a:p>
+        </p:txBody>
+      </p:sp>
+      <p:sp>
+        <p:nvSpPr>
+          <p:cNvPr id="4" name="Slide Number Placeholder 3">
+            <a:extLst>
+              <a:ext uri="{FF2B5EF4-FFF2-40B4-BE49-F238E27FC236}">
+                <a16:creationId xmlns:a16="http://schemas.microsoft.com/office/drawing/2014/main" id="{3E2BD497-CE3E-1A7D-4921-15DB383184FD}"/>
+              </a:ext>
+            </a:extLst>
+          </p:cNvPr>
+          <p:cNvSpPr>
+            <a:spLocks noGrp="1"/>
+          </p:cNvSpPr>
+          <p:nvPr>
+            <p:ph type="sldNum" sz="quarter" idx="12"/>
+          </p:nvPr>
+        </p:nvSpPr>
+        <p:spPr/>
+        <p:txBody>
+          <a:bodyPr/>
+          <a:lstStyle/>
+          <a:p>
+            <a:fld id="{5414CF54-80D7-41F3-B633-0CBA28EB51D2}" type="slidenum">
+              <a:rPr lang="en-US" smtClean="0"/>
+              <a:t>35</a:t>
+            </a:fld>
+            <a:endParaRPr lang="en-US"/>
+          </a:p>
+        </p:txBody>
+      </p:sp>
+    </p:spTree>
+    <p:extLst>
+      <p:ext uri="{BB962C8B-B14F-4D97-AF65-F5344CB8AC3E}">
+        <p14:creationId xmlns:p14="http://schemas.microsoft.com/office/powerpoint/2010/main" val="1869694306"/>
+      </p:ext>
+    </p:extLst>
+  </p:cSld>
+  <p:clrMapOvr>
+    <a:masterClrMapping/>
+  </p:clrMapOvr>
+</p:sld>
+</file>
+
 <file path=ppt/slides/slide36.xml><?xml version="1.0" encoding="utf-8"?>
 <p:sld xmlns:a="http://schemas.openxmlformats.org/drawingml/2006/main" xmlns:r="http://schemas.openxmlformats.org/officeDocument/2006/relationships" xmlns:p="http://schemas.openxmlformats.org/presentationml/2006/main">
   <p:cSld>
@@ -8698,7 +8673,7 @@
           <p:cNvPr id="2" name="Title 1">
             <a:extLst>
               <a:ext uri="{FF2B5EF4-FFF2-40B4-BE49-F238E27FC236}">
-                <a16:creationId xmlns:a16="http://schemas.microsoft.com/office/drawing/2014/main" id="{C887F6EA-F4C5-6D15-0FD2-61E2E641EC53}"/>
+                <a16:creationId xmlns:a16="http://schemas.microsoft.com/office/drawing/2014/main" id="{CC288D0E-C4C2-8031-AE06-7EF423D0975C}"/>
               </a:ext>
             </a:extLst>
           </p:cNvPr>
@@ -8714,9 +8689,88 @@
           <a:bodyPr/>
           <a:lstStyle/>
           <a:p>
-            <a:r>
-              <a:rPr lang="th-TH" dirty="0"/>
-              <a:t>ทำไมต้องทำสิ่งนี้?</a:t>
+            <a:endParaRPr lang="en-US"/>
+          </a:p>
+        </p:txBody>
+      </p:sp>
+      <p:sp>
+        <p:nvSpPr>
+          <p:cNvPr id="3" name="Content Placeholder 2">
+            <a:extLst>
+              <a:ext uri="{FF2B5EF4-FFF2-40B4-BE49-F238E27FC236}">
+                <a16:creationId xmlns:a16="http://schemas.microsoft.com/office/drawing/2014/main" id="{576743EA-EC17-4D0E-8245-1C7A03286B5B}"/>
+              </a:ext>
+            </a:extLst>
+          </p:cNvPr>
+          <p:cNvSpPr>
+            <a:spLocks noGrp="1"/>
+          </p:cNvSpPr>
+          <p:nvPr>
+            <p:ph idx="1"/>
+          </p:nvPr>
+        </p:nvSpPr>
+        <p:spPr/>
+        <p:txBody>
+          <a:bodyPr/>
+          <a:lstStyle/>
+          <a:p>
+            <a:r>
+              <a:rPr lang="th-TH" dirty="0"/>
+              <a:t>สร้างแมทริก</a:t>
+            </a:r>
+            <a:r>
+              <a:rPr lang="th-TH" dirty="0" err="1"/>
+              <a:t>ซ์</a:t>
+            </a:r>
+            <a:r>
+              <a:rPr lang="th-TH" dirty="0"/>
+              <a:t> </a:t>
+            </a:r>
+            <a:r>
+              <a:rPr lang="en-US" dirty="0"/>
+              <a:t>policy </a:t>
+            </a:r>
+            <a:r>
+              <a:rPr lang="th-TH" dirty="0"/>
+              <a:t>ขนาด [ชั่วโมง </a:t>
+            </a:r>
+            <a:r>
+              <a:rPr lang="en-US" dirty="0"/>
+              <a:t>x </a:t>
+            </a:r>
+            <a:r>
+              <a:rPr lang="th-TH" dirty="0"/>
+              <a:t>ระดับ </a:t>
+            </a:r>
+            <a:r>
+              <a:rPr lang="en-US" dirty="0"/>
+              <a:t>SOC] </a:t>
+            </a:r>
+            <a:r>
+              <a:rPr lang="th-TH" dirty="0"/>
+              <a:t>เพื่อเก็บชื่อของแอคชัน (เช่น "</a:t>
+            </a:r>
+            <a:r>
+              <a:rPr lang="en-US" dirty="0"/>
+              <a:t>Charge", "Discharge") </a:t>
+            </a:r>
+            <a:r>
+              <a:rPr lang="th-TH" dirty="0"/>
+              <a:t>ที่ควร</a:t>
+            </a:r>
+            <a:r>
+              <a:rPr lang="th-TH" dirty="0" err="1"/>
+              <a:t>ทำใน</a:t>
+            </a:r>
+            <a:r>
+              <a:rPr lang="th-TH" dirty="0"/>
+              <a:t>แต่ละสถานะ</a:t>
+            </a:r>
+          </a:p>
+          <a:p>
+            <a:r>
+              <a:rPr lang="th-TH" dirty="0"/>
+              <a:t>ค่าเริ่มต้นเป็นสตริงว่าง ''</a:t>
             </a:r>
             <a:endParaRPr lang="en-US" dirty="0"/>
           </a:p>
@@ -8724,45 +8778,10 @@
       </p:sp>
       <p:sp>
         <p:nvSpPr>
-          <p:cNvPr id="3" name="Content Placeholder 2">
-            <a:extLst>
-              <a:ext uri="{FF2B5EF4-FFF2-40B4-BE49-F238E27FC236}">
-                <a16:creationId xmlns:a16="http://schemas.microsoft.com/office/drawing/2014/main" id="{3C3A9B01-536B-192D-C33A-3890863AF40D}"/>
-              </a:ext>
-            </a:extLst>
-          </p:cNvPr>
-          <p:cNvSpPr>
-            <a:spLocks noGrp="1"/>
-          </p:cNvSpPr>
-          <p:nvPr>
-            <p:ph idx="1"/>
-          </p:nvPr>
-        </p:nvSpPr>
-        <p:spPr/>
-        <p:txBody>
-          <a:bodyPr/>
-          <a:lstStyle/>
-          <a:p>
-            <a:r>
-              <a:rPr lang="th-TH" dirty="0"/>
-              <a:t>เพื่อจะสามารถ นำไปใช้งานจริง ได้ในขั้นตอนสุดท้าย เช่น ในระบบควบคุมแบตเตอรี่ จะได้รู้ว่าควรสั่งให้ชาร์จ ปล่อย หรืออยู่เฉยๆ</a:t>
-            </a:r>
-          </a:p>
-          <a:p>
-            <a:r>
-              <a:rPr lang="th-TH" dirty="0"/>
-              <a:t>ไม่ต้องเรียนรู้ซ้ำแล้วในช่วงใช้งานจริง — เพียงแค่ใช้ตารางนี้เลือกแอคชันตามสถานะ</a:t>
-            </a:r>
-            <a:endParaRPr lang="en-US" dirty="0"/>
-          </a:p>
-        </p:txBody>
-      </p:sp>
-      <p:sp>
-        <p:nvSpPr>
           <p:cNvPr id="4" name="Slide Number Placeholder 3">
             <a:extLst>
               <a:ext uri="{FF2B5EF4-FFF2-40B4-BE49-F238E27FC236}">
-                <a16:creationId xmlns:a16="http://schemas.microsoft.com/office/drawing/2014/main" id="{3E2BD497-CE3E-1A7D-4921-15DB383184FD}"/>
+                <a16:creationId xmlns:a16="http://schemas.microsoft.com/office/drawing/2014/main" id="{4A4CDE8E-C3E0-EC5F-7046-A6D6F917E159}"/>
               </a:ext>
             </a:extLst>
           </p:cNvPr>
@@ -8781,173 +8800,6 @@
             <a:fld id="{5414CF54-80D7-41F3-B633-0CBA28EB51D2}" type="slidenum">
               <a:rPr lang="en-US" smtClean="0"/>
               <a:t>36</a:t>
-            </a:fld>
-            <a:endParaRPr lang="en-US"/>
-          </a:p>
-        </p:txBody>
-      </p:sp>
-    </p:spTree>
-    <p:extLst>
-      <p:ext uri="{BB962C8B-B14F-4D97-AF65-F5344CB8AC3E}">
-        <p14:creationId xmlns:p14="http://schemas.microsoft.com/office/powerpoint/2010/main" val="1869694306"/>
-      </p:ext>
-    </p:extLst>
-  </p:cSld>
-  <p:clrMapOvr>
-    <a:masterClrMapping/>
-  </p:clrMapOvr>
-</p:sld>
-</file>
-
-<file path=ppt/slides/slide37.xml><?xml version="1.0" encoding="utf-8"?>
-<p:sld xmlns:a="http://schemas.openxmlformats.org/drawingml/2006/main" xmlns:r="http://schemas.openxmlformats.org/officeDocument/2006/relationships" xmlns:p="http://schemas.openxmlformats.org/presentationml/2006/main">
-  <p:cSld>
-    <p:spTree>
-      <p:nvGrpSpPr>
-        <p:cNvPr id="1" name=""/>
-        <p:cNvGrpSpPr/>
-        <p:nvPr/>
-      </p:nvGrpSpPr>
-      <p:grpSpPr>
-        <a:xfrm>
-          <a:off x="0" y="0"/>
-          <a:ext cx="0" cy="0"/>
-          <a:chOff x="0" y="0"/>
-          <a:chExt cx="0" cy="0"/>
-        </a:xfrm>
-      </p:grpSpPr>
-      <p:sp>
-        <p:nvSpPr>
-          <p:cNvPr id="2" name="Title 1">
-            <a:extLst>
-              <a:ext uri="{FF2B5EF4-FFF2-40B4-BE49-F238E27FC236}">
-                <a16:creationId xmlns:a16="http://schemas.microsoft.com/office/drawing/2014/main" id="{CC288D0E-C4C2-8031-AE06-7EF423D0975C}"/>
-              </a:ext>
-            </a:extLst>
-          </p:cNvPr>
-          <p:cNvSpPr>
-            <a:spLocks noGrp="1"/>
-          </p:cNvSpPr>
-          <p:nvPr>
-            <p:ph type="title"/>
-          </p:nvPr>
-        </p:nvSpPr>
-        <p:spPr/>
-        <p:txBody>
-          <a:bodyPr/>
-          <a:lstStyle/>
-          <a:p>
-            <a:endParaRPr lang="en-US"/>
-          </a:p>
-        </p:txBody>
-      </p:sp>
-      <p:sp>
-        <p:nvSpPr>
-          <p:cNvPr id="3" name="Content Placeholder 2">
-            <a:extLst>
-              <a:ext uri="{FF2B5EF4-FFF2-40B4-BE49-F238E27FC236}">
-                <a16:creationId xmlns:a16="http://schemas.microsoft.com/office/drawing/2014/main" id="{576743EA-EC17-4D0E-8245-1C7A03286B5B}"/>
-              </a:ext>
-            </a:extLst>
-          </p:cNvPr>
-          <p:cNvSpPr>
-            <a:spLocks noGrp="1"/>
-          </p:cNvSpPr>
-          <p:nvPr>
-            <p:ph idx="1"/>
-          </p:nvPr>
-        </p:nvSpPr>
-        <p:spPr/>
-        <p:txBody>
-          <a:bodyPr/>
-          <a:lstStyle/>
-          <a:p>
-            <a:r>
-              <a:rPr lang="th-TH" dirty="0"/>
-              <a:t>สร้างแมทริก</a:t>
-            </a:r>
-            <a:r>
-              <a:rPr lang="th-TH" dirty="0" err="1"/>
-              <a:t>ซ์</a:t>
-            </a:r>
-            <a:r>
-              <a:rPr lang="th-TH" dirty="0"/>
-              <a:t> </a:t>
-            </a:r>
-            <a:r>
-              <a:rPr lang="en-US" dirty="0"/>
-              <a:t>policy </a:t>
-            </a:r>
-            <a:r>
-              <a:rPr lang="th-TH" dirty="0"/>
-              <a:t>ขนาด [ชั่วโมง </a:t>
-            </a:r>
-            <a:r>
-              <a:rPr lang="en-US" dirty="0"/>
-              <a:t>x </a:t>
-            </a:r>
-            <a:r>
-              <a:rPr lang="th-TH" dirty="0"/>
-              <a:t>ระดับ </a:t>
-            </a:r>
-            <a:r>
-              <a:rPr lang="en-US" dirty="0"/>
-              <a:t>SOC] </a:t>
-            </a:r>
-            <a:r>
-              <a:rPr lang="th-TH" dirty="0"/>
-              <a:t>เพื่อเก็บชื่อของแอคชัน (เช่น "</a:t>
-            </a:r>
-            <a:r>
-              <a:rPr lang="en-US" dirty="0"/>
-              <a:t>Charge", "Discharge") </a:t>
-            </a:r>
-            <a:r>
-              <a:rPr lang="th-TH" dirty="0"/>
-              <a:t>ที่ควร</a:t>
-            </a:r>
-            <a:r>
-              <a:rPr lang="th-TH" dirty="0" err="1"/>
-              <a:t>ทำใน</a:t>
-            </a:r>
-            <a:r>
-              <a:rPr lang="th-TH" dirty="0"/>
-              <a:t>แต่ละสถานะ</a:t>
-            </a:r>
-          </a:p>
-          <a:p>
-            <a:r>
-              <a:rPr lang="th-TH" dirty="0"/>
-              <a:t>ค่าเริ่มต้นเป็นสตริงว่าง ''</a:t>
-            </a:r>
-            <a:endParaRPr lang="en-US" dirty="0"/>
-          </a:p>
-        </p:txBody>
-      </p:sp>
-      <p:sp>
-        <p:nvSpPr>
-          <p:cNvPr id="4" name="Slide Number Placeholder 3">
-            <a:extLst>
-              <a:ext uri="{FF2B5EF4-FFF2-40B4-BE49-F238E27FC236}">
-                <a16:creationId xmlns:a16="http://schemas.microsoft.com/office/drawing/2014/main" id="{4A4CDE8E-C3E0-EC5F-7046-A6D6F917E159}"/>
-              </a:ext>
-            </a:extLst>
-          </p:cNvPr>
-          <p:cNvSpPr>
-            <a:spLocks noGrp="1"/>
-          </p:cNvSpPr>
-          <p:nvPr>
-            <p:ph type="sldNum" sz="quarter" idx="12"/>
-          </p:nvPr>
-        </p:nvSpPr>
-        <p:spPr/>
-        <p:txBody>
-          <a:bodyPr/>
-          <a:lstStyle/>
-          <a:p>
-            <a:fld id="{5414CF54-80D7-41F3-B633-0CBA28EB51D2}" type="slidenum">
-              <a:rPr lang="en-US" smtClean="0"/>
-              <a:t>37</a:t>
             </a:fld>
             <a:endParaRPr lang="en-US"/>
           </a:p>
@@ -8996,7 +8848,7 @@
 </p:sld>
 </file>
 
-<file path=ppt/slides/slide38.xml><?xml version="1.0" encoding="utf-8"?>
+<file path=ppt/slides/slide37.xml><?xml version="1.0" encoding="utf-8"?>
 <p:sld xmlns:a="http://schemas.openxmlformats.org/drawingml/2006/main" xmlns:r="http://schemas.openxmlformats.org/officeDocument/2006/relationships" xmlns:p="http://schemas.openxmlformats.org/presentationml/2006/main">
   <p:cSld>
     <p:spTree>
@@ -9124,7 +8976,7 @@
           <a:p>
             <a:fld id="{5414CF54-80D7-41F3-B633-0CBA28EB51D2}" type="slidenum">
               <a:rPr lang="en-US" smtClean="0"/>
-              <a:t>38</a:t>
+              <a:t>37</a:t>
             </a:fld>
             <a:endParaRPr lang="en-US"/>
           </a:p>
@@ -9173,7 +9025,7 @@
 </p:sld>
 </file>
 
-<file path=ppt/slides/slide39.xml><?xml version="1.0" encoding="utf-8"?>
+<file path=ppt/slides/slide38.xml><?xml version="1.0" encoding="utf-8"?>
 <p:sld xmlns:a="http://schemas.openxmlformats.org/drawingml/2006/main" xmlns:r="http://schemas.openxmlformats.org/officeDocument/2006/relationships" xmlns:p="http://schemas.openxmlformats.org/presentationml/2006/main">
   <p:cSld>
     <p:spTree>
@@ -9328,7 +9180,7 @@
           <a:p>
             <a:fld id="{5414CF54-80D7-41F3-B633-0CBA28EB51D2}" type="slidenum">
               <a:rPr lang="en-US" smtClean="0"/>
-              <a:t>39</a:t>
+              <a:t>38</a:t>
             </a:fld>
             <a:endParaRPr lang="en-US"/>
           </a:p>
@@ -9377,7 +9229,7 @@
 </p:sld>
 </file>
 
-<file path=ppt/slides/slide4.xml><?xml version="1.0" encoding="utf-8"?>
+<file path=ppt/slides/slide39.xml><?xml version="1.0" encoding="utf-8"?>
 <p:sld xmlns:a="http://schemas.openxmlformats.org/drawingml/2006/main" xmlns:r="http://schemas.openxmlformats.org/officeDocument/2006/relationships" xmlns:p="http://schemas.openxmlformats.org/presentationml/2006/main">
   <p:cSld>
     <p:spTree>
@@ -9399,7 +9251,7 @@
           <p:cNvPr id="2" name="Title 1">
             <a:extLst>
               <a:ext uri="{FF2B5EF4-FFF2-40B4-BE49-F238E27FC236}">
-                <a16:creationId xmlns:a16="http://schemas.microsoft.com/office/drawing/2014/main" id="{F009DF57-9D2A-EDD8-2465-0E63F19B1CCE}"/>
+                <a16:creationId xmlns:a16="http://schemas.microsoft.com/office/drawing/2014/main" id="{6167880C-DBF0-3C80-025D-FAF065485F47}"/>
               </a:ext>
             </a:extLst>
           </p:cNvPr>
@@ -9415,18 +9267,7 @@
           <a:bodyPr/>
           <a:lstStyle/>
           <a:p>
-            <a:r>
-              <a:rPr lang="en-US" dirty="0"/>
-              <a:t>⚙️ </a:t>
-            </a:r>
-            <a:r>
-              <a:rPr lang="th-TH" dirty="0"/>
-              <a:t>ส่วนที่ 1: การตั้งค่าระบบ (</a:t>
-            </a:r>
-            <a:r>
-              <a:rPr lang="en-US" dirty="0"/>
-              <a:t>Settings)</a:t>
-            </a:r>
+            <a:endParaRPr lang="en-US"/>
           </a:p>
         </p:txBody>
       </p:sp>
@@ -9435,7 +9276,7 @@
           <p:cNvPr id="3" name="Content Placeholder 2">
             <a:extLst>
               <a:ext uri="{FF2B5EF4-FFF2-40B4-BE49-F238E27FC236}">
-                <a16:creationId xmlns:a16="http://schemas.microsoft.com/office/drawing/2014/main" id="{131B4A2F-3D58-A627-E909-F3D0B1B8CC7F}"/>
+                <a16:creationId xmlns:a16="http://schemas.microsoft.com/office/drawing/2014/main" id="{503E9A94-0A19-0DA4-6265-B186B1CD4806}"/>
               </a:ext>
             </a:extLst>
           </p:cNvPr>
@@ -9452,37 +9293,43 @@
           <a:lstStyle/>
           <a:p>
             <a:r>
-              <a:rPr lang="en-US" dirty="0"/>
-              <a:t>HOURS = 24: </a:t>
-            </a:r>
-            <a:r>
-              <a:rPr lang="th-TH" dirty="0"/>
-              <a:t>จำลอง 24 ชั่วโมง</a:t>
+              <a:rPr lang="th-TH" dirty="0"/>
+              <a:t>ดึงชื่อแอ</a:t>
+            </a:r>
+            <a:r>
+              <a:rPr lang="th-TH" dirty="0" err="1"/>
+              <a:t>คชั</a:t>
+            </a:r>
+            <a:r>
+              <a:rPr lang="th-TH" dirty="0"/>
+              <a:t>นออกมาเก็บในแมทริก</a:t>
+            </a:r>
+            <a:r>
+              <a:rPr lang="th-TH" dirty="0" err="1"/>
+              <a:t>ซ์</a:t>
+            </a:r>
+            <a:r>
+              <a:rPr lang="th-TH" dirty="0"/>
+              <a:t> </a:t>
+            </a:r>
+            <a:r>
+              <a:rPr lang="en-US" dirty="0"/>
+              <a:t>policy </a:t>
+            </a:r>
+            <a:r>
+              <a:rPr lang="th-TH" dirty="0"/>
+              <a:t>ตามตำแหน่งนั้น เช่น “</a:t>
+            </a:r>
+            <a:r>
+              <a:rPr lang="en-US" dirty="0"/>
+              <a:t>Charge”, “Discharge” </a:t>
+            </a:r>
+            <a:r>
+              <a:rPr lang="th-TH" dirty="0"/>
+              <a:t>ฯลฯ</a:t>
             </a:r>
             <a:endParaRPr lang="en-US" dirty="0"/>
           </a:p>
-          <a:p>
-            <a:r>
-              <a:rPr lang="en-US" dirty="0"/>
-              <a:t>SOC_LEVELS = 6: </a:t>
-            </a:r>
-            <a:r>
-              <a:rPr lang="th-TH" dirty="0"/>
-              <a:t>แบ่งสถานะแบตเตอรี่เป็น 6 ระดับ</a:t>
-            </a:r>
-            <a:endParaRPr lang="en-US" dirty="0"/>
-          </a:p>
-          <a:p>
-            <a:r>
-              <a:rPr lang="en-US" dirty="0"/>
-              <a:t>ACTIONS: </a:t>
-            </a:r>
-            <a:r>
-              <a:rPr lang="th-TH" dirty="0"/>
-              <a:t>กำหนด 3 การกระทำที่เป็นไปได้ในแต่ละชั่วโมง</a:t>
-            </a:r>
-            <a:endParaRPr lang="en-US" dirty="0"/>
-          </a:p>
         </p:txBody>
       </p:sp>
       <p:sp>
@@ -9490,7 +9337,7 @@
           <p:cNvPr id="4" name="Slide Number Placeholder 3">
             <a:extLst>
               <a:ext uri="{FF2B5EF4-FFF2-40B4-BE49-F238E27FC236}">
-                <a16:creationId xmlns:a16="http://schemas.microsoft.com/office/drawing/2014/main" id="{7F4FAF44-8D50-5828-71B7-D5C2F7DC6ED3}"/>
+                <a16:creationId xmlns:a16="http://schemas.microsoft.com/office/drawing/2014/main" id="{DAA930AD-55FF-E717-30B8-27C9BDAB0FEB}"/>
               </a:ext>
             </a:extLst>
           </p:cNvPr>
@@ -9508,182 +9355,7 @@
           <a:p>
             <a:fld id="{5414CF54-80D7-41F3-B633-0CBA28EB51D2}" type="slidenum">
               <a:rPr lang="en-US" smtClean="0"/>
-              <a:t>4</a:t>
-            </a:fld>
-            <a:endParaRPr lang="en-US"/>
-          </a:p>
-        </p:txBody>
-      </p:sp>
-      <p:pic>
-        <p:nvPicPr>
-          <p:cNvPr id="9" name="Picture 8">
-            <a:extLst>
-              <a:ext uri="{FF2B5EF4-FFF2-40B4-BE49-F238E27FC236}">
-                <a16:creationId xmlns:a16="http://schemas.microsoft.com/office/drawing/2014/main" id="{1ABD2183-2AEF-6BD1-D4B8-917C07A818BB}"/>
-              </a:ext>
-            </a:extLst>
-          </p:cNvPr>
-          <p:cNvPicPr>
-            <a:picLocks noChangeAspect="1"/>
-          </p:cNvPicPr>
-          <p:nvPr/>
-        </p:nvPicPr>
-        <p:blipFill>
-          <a:blip r:embed="rId2"/>
-          <a:stretch>
-            <a:fillRect/>
-          </a:stretch>
-        </p:blipFill>
-        <p:spPr>
-          <a:xfrm>
-            <a:off x="1899652" y="4106954"/>
-            <a:ext cx="8392696" cy="1600423"/>
-          </a:xfrm>
-          <a:prstGeom prst="rect">
-            <a:avLst/>
-          </a:prstGeom>
-        </p:spPr>
-      </p:pic>
-    </p:spTree>
-    <p:extLst>
-      <p:ext uri="{BB962C8B-B14F-4D97-AF65-F5344CB8AC3E}">
-        <p14:creationId xmlns:p14="http://schemas.microsoft.com/office/powerpoint/2010/main" val="1622217000"/>
-      </p:ext>
-    </p:extLst>
-  </p:cSld>
-  <p:clrMapOvr>
-    <a:masterClrMapping/>
-  </p:clrMapOvr>
-</p:sld>
-</file>
-
-<file path=ppt/slides/slide40.xml><?xml version="1.0" encoding="utf-8"?>
-<p:sld xmlns:a="http://schemas.openxmlformats.org/drawingml/2006/main" xmlns:r="http://schemas.openxmlformats.org/officeDocument/2006/relationships" xmlns:p="http://schemas.openxmlformats.org/presentationml/2006/main">
-  <p:cSld>
-    <p:spTree>
-      <p:nvGrpSpPr>
-        <p:cNvPr id="1" name=""/>
-        <p:cNvGrpSpPr/>
-        <p:nvPr/>
-      </p:nvGrpSpPr>
-      <p:grpSpPr>
-        <a:xfrm>
-          <a:off x="0" y="0"/>
-          <a:ext cx="0" cy="0"/>
-          <a:chOff x="0" y="0"/>
-          <a:chExt cx="0" cy="0"/>
-        </a:xfrm>
-      </p:grpSpPr>
-      <p:sp>
-        <p:nvSpPr>
-          <p:cNvPr id="2" name="Title 1">
-            <a:extLst>
-              <a:ext uri="{FF2B5EF4-FFF2-40B4-BE49-F238E27FC236}">
-                <a16:creationId xmlns:a16="http://schemas.microsoft.com/office/drawing/2014/main" id="{6167880C-DBF0-3C80-025D-FAF065485F47}"/>
-              </a:ext>
-            </a:extLst>
-          </p:cNvPr>
-          <p:cNvSpPr>
-            <a:spLocks noGrp="1"/>
-          </p:cNvSpPr>
-          <p:nvPr>
-            <p:ph type="title"/>
-          </p:nvPr>
-        </p:nvSpPr>
-        <p:spPr/>
-        <p:txBody>
-          <a:bodyPr/>
-          <a:lstStyle/>
-          <a:p>
-            <a:endParaRPr lang="en-US"/>
-          </a:p>
-        </p:txBody>
-      </p:sp>
-      <p:sp>
-        <p:nvSpPr>
-          <p:cNvPr id="3" name="Content Placeholder 2">
-            <a:extLst>
-              <a:ext uri="{FF2B5EF4-FFF2-40B4-BE49-F238E27FC236}">
-                <a16:creationId xmlns:a16="http://schemas.microsoft.com/office/drawing/2014/main" id="{503E9A94-0A19-0DA4-6265-B186B1CD4806}"/>
-              </a:ext>
-            </a:extLst>
-          </p:cNvPr>
-          <p:cNvSpPr>
-            <a:spLocks noGrp="1"/>
-          </p:cNvSpPr>
-          <p:nvPr>
-            <p:ph idx="1"/>
-          </p:nvPr>
-        </p:nvSpPr>
-        <p:spPr/>
-        <p:txBody>
-          <a:bodyPr/>
-          <a:lstStyle/>
-          <a:p>
-            <a:r>
-              <a:rPr lang="th-TH" dirty="0"/>
-              <a:t>ดึงชื่อแอ</a:t>
-            </a:r>
-            <a:r>
-              <a:rPr lang="th-TH" dirty="0" err="1"/>
-              <a:t>คชั</a:t>
-            </a:r>
-            <a:r>
-              <a:rPr lang="th-TH" dirty="0"/>
-              <a:t>นออกมาเก็บในแมทริก</a:t>
-            </a:r>
-            <a:r>
-              <a:rPr lang="th-TH" dirty="0" err="1"/>
-              <a:t>ซ์</a:t>
-            </a:r>
-            <a:r>
-              <a:rPr lang="th-TH" dirty="0"/>
-              <a:t> </a:t>
-            </a:r>
-            <a:r>
-              <a:rPr lang="en-US" dirty="0"/>
-              <a:t>policy </a:t>
-            </a:r>
-            <a:r>
-              <a:rPr lang="th-TH" dirty="0"/>
-              <a:t>ตามตำแหน่งนั้น เช่น “</a:t>
-            </a:r>
-            <a:r>
-              <a:rPr lang="en-US" dirty="0"/>
-              <a:t>Charge”, “Discharge” </a:t>
-            </a:r>
-            <a:r>
-              <a:rPr lang="th-TH" dirty="0"/>
-              <a:t>ฯลฯ</a:t>
-            </a:r>
-            <a:endParaRPr lang="en-US" dirty="0"/>
-          </a:p>
-        </p:txBody>
-      </p:sp>
-      <p:sp>
-        <p:nvSpPr>
-          <p:cNvPr id="4" name="Slide Number Placeholder 3">
-            <a:extLst>
-              <a:ext uri="{FF2B5EF4-FFF2-40B4-BE49-F238E27FC236}">
-                <a16:creationId xmlns:a16="http://schemas.microsoft.com/office/drawing/2014/main" id="{DAA930AD-55FF-E717-30B8-27C9BDAB0FEB}"/>
-              </a:ext>
-            </a:extLst>
-          </p:cNvPr>
-          <p:cNvSpPr>
-            <a:spLocks noGrp="1"/>
-          </p:cNvSpPr>
-          <p:nvPr>
-            <p:ph type="sldNum" sz="quarter" idx="12"/>
-          </p:nvPr>
-        </p:nvSpPr>
-        <p:spPr/>
-        <p:txBody>
-          <a:bodyPr/>
-          <a:lstStyle/>
-          <a:p>
-            <a:fld id="{5414CF54-80D7-41F3-B633-0CBA28EB51D2}" type="slidenum">
-              <a:rPr lang="en-US" smtClean="0"/>
-              <a:t>40</a:t>
+              <a:t>39</a:t>
             </a:fld>
             <a:endParaRPr lang="en-US"/>
           </a:p>
@@ -9732,7 +9404,7 @@
 </p:sld>
 </file>
 
-<file path=ppt/slides/slide41.xml><?xml version="1.0" encoding="utf-8"?>
+<file path=ppt/slides/slide4.xml><?xml version="1.0" encoding="utf-8"?>
 <p:sld xmlns:a="http://schemas.openxmlformats.org/drawingml/2006/main" xmlns:r="http://schemas.openxmlformats.org/officeDocument/2006/relationships" xmlns:p="http://schemas.openxmlformats.org/presentationml/2006/main">
   <p:cSld>
     <p:spTree>
@@ -9754,6 +9426,196 @@
           <p:cNvPr id="2" name="Title 1">
             <a:extLst>
               <a:ext uri="{FF2B5EF4-FFF2-40B4-BE49-F238E27FC236}">
+                <a16:creationId xmlns:a16="http://schemas.microsoft.com/office/drawing/2014/main" id="{881B98C5-66E5-D9FD-7744-2A524A651BED}"/>
+              </a:ext>
+            </a:extLst>
+          </p:cNvPr>
+          <p:cNvSpPr>
+            <a:spLocks noGrp="1"/>
+          </p:cNvSpPr>
+          <p:nvPr>
+            <p:ph type="title"/>
+          </p:nvPr>
+        </p:nvSpPr>
+        <p:spPr/>
+        <p:txBody>
+          <a:bodyPr/>
+          <a:lstStyle/>
+          <a:p>
+            <a:r>
+              <a:rPr lang="en-US" dirty="0"/>
+              <a:t>📋 </a:t>
+            </a:r>
+            <a:r>
+              <a:rPr lang="th-TH" dirty="0"/>
+              <a:t>ส่วนที่ 2: ข้อมูลต้นทาง</a:t>
+            </a:r>
+            <a:endParaRPr lang="en-US" dirty="0"/>
+          </a:p>
+        </p:txBody>
+      </p:sp>
+      <p:sp>
+        <p:nvSpPr>
+          <p:cNvPr id="3" name="Content Placeholder 2">
+            <a:extLst>
+              <a:ext uri="{FF2B5EF4-FFF2-40B4-BE49-F238E27FC236}">
+                <a16:creationId xmlns:a16="http://schemas.microsoft.com/office/drawing/2014/main" id="{6AF5EB65-E40A-2C72-713D-32E84CD496DF}"/>
+              </a:ext>
+            </a:extLst>
+          </p:cNvPr>
+          <p:cNvSpPr>
+            <a:spLocks noGrp="1"/>
+          </p:cNvSpPr>
+          <p:nvPr>
+            <p:ph idx="1"/>
+          </p:nvPr>
+        </p:nvSpPr>
+        <p:spPr/>
+        <p:txBody>
+          <a:bodyPr/>
+          <a:lstStyle/>
+          <a:p>
+            <a:r>
+              <a:rPr lang="en-US" dirty="0" err="1"/>
+              <a:t>electricity_prices</a:t>
+            </a:r>
+            <a:r>
+              <a:rPr lang="en-US" dirty="0"/>
+              <a:t>: </a:t>
+            </a:r>
+            <a:r>
+              <a:rPr lang="th-TH" dirty="0"/>
+              <a:t>ราคาค่าไฟต่อชั่วโมงแบบ </a:t>
+            </a:r>
+            <a:r>
+              <a:rPr lang="en-US" dirty="0"/>
+              <a:t>TOU (Time of Use)</a:t>
+            </a:r>
+          </a:p>
+          <a:p>
+            <a:r>
+              <a:rPr lang="en-US" dirty="0" err="1"/>
+              <a:t>load_profile</a:t>
+            </a:r>
+            <a:r>
+              <a:rPr lang="en-US" dirty="0"/>
+              <a:t>: </a:t>
+            </a:r>
+            <a:r>
+              <a:rPr lang="th-TH" dirty="0"/>
+              <a:t>กำลังไฟที่ใช้ของผู้ใช้ต่อชั่วโมง</a:t>
+            </a:r>
+          </a:p>
+          <a:p>
+            <a:r>
+              <a:rPr lang="en-US" dirty="0"/>
+              <a:t>HIGH_LOAD_THRESHOLD: </a:t>
+            </a:r>
+            <a:r>
+              <a:rPr lang="th-TH" dirty="0"/>
+              <a:t>ตั้งเป้าว่าไม่ควรให้โหลดเกิน 6 </a:t>
+            </a:r>
+            <a:r>
+              <a:rPr lang="en-US" dirty="0"/>
+              <a:t>kW</a:t>
+            </a:r>
+          </a:p>
+        </p:txBody>
+      </p:sp>
+      <p:sp>
+        <p:nvSpPr>
+          <p:cNvPr id="4" name="Slide Number Placeholder 3">
+            <a:extLst>
+              <a:ext uri="{FF2B5EF4-FFF2-40B4-BE49-F238E27FC236}">
+                <a16:creationId xmlns:a16="http://schemas.microsoft.com/office/drawing/2014/main" id="{00F57E70-9453-E52A-6237-4E1A35A1FD5E}"/>
+              </a:ext>
+            </a:extLst>
+          </p:cNvPr>
+          <p:cNvSpPr>
+            <a:spLocks noGrp="1"/>
+          </p:cNvSpPr>
+          <p:nvPr>
+            <p:ph type="sldNum" sz="quarter" idx="12"/>
+          </p:nvPr>
+        </p:nvSpPr>
+        <p:spPr/>
+        <p:txBody>
+          <a:bodyPr/>
+          <a:lstStyle/>
+          <a:p>
+            <a:fld id="{5414CF54-80D7-41F3-B633-0CBA28EB51D2}" type="slidenum">
+              <a:rPr lang="en-US" smtClean="0"/>
+              <a:t>4</a:t>
+            </a:fld>
+            <a:endParaRPr lang="en-US"/>
+          </a:p>
+        </p:txBody>
+      </p:sp>
+      <p:pic>
+        <p:nvPicPr>
+          <p:cNvPr id="7" name="Picture 6">
+            <a:extLst>
+              <a:ext uri="{FF2B5EF4-FFF2-40B4-BE49-F238E27FC236}">
+                <a16:creationId xmlns:a16="http://schemas.microsoft.com/office/drawing/2014/main" id="{5506314C-97DA-0853-A4E1-D5025B8B692D}"/>
+              </a:ext>
+            </a:extLst>
+          </p:cNvPr>
+          <p:cNvPicPr>
+            <a:picLocks noChangeAspect="1"/>
+          </p:cNvPicPr>
+          <p:nvPr/>
+        </p:nvPicPr>
+        <p:blipFill>
+          <a:blip r:embed="rId2"/>
+          <a:stretch>
+            <a:fillRect/>
+          </a:stretch>
+        </p:blipFill>
+        <p:spPr>
+          <a:xfrm>
+            <a:off x="2876411" y="4156069"/>
+            <a:ext cx="5572903" cy="1790950"/>
+          </a:xfrm>
+          <a:prstGeom prst="rect">
+            <a:avLst/>
+          </a:prstGeom>
+        </p:spPr>
+      </p:pic>
+    </p:spTree>
+    <p:extLst>
+      <p:ext uri="{BB962C8B-B14F-4D97-AF65-F5344CB8AC3E}">
+        <p14:creationId xmlns:p14="http://schemas.microsoft.com/office/powerpoint/2010/main" val="2646739036"/>
+      </p:ext>
+    </p:extLst>
+  </p:cSld>
+  <p:clrMapOvr>
+    <a:masterClrMapping/>
+  </p:clrMapOvr>
+</p:sld>
+</file>
+
+<file path=ppt/slides/slide40.xml><?xml version="1.0" encoding="utf-8"?>
+<p:sld xmlns:a="http://schemas.openxmlformats.org/drawingml/2006/main" xmlns:r="http://schemas.openxmlformats.org/officeDocument/2006/relationships" xmlns:p="http://schemas.openxmlformats.org/presentationml/2006/main">
+  <p:cSld>
+    <p:spTree>
+      <p:nvGrpSpPr>
+        <p:cNvPr id="1" name=""/>
+        <p:cNvGrpSpPr/>
+        <p:nvPr/>
+      </p:nvGrpSpPr>
+      <p:grpSpPr>
+        <a:xfrm>
+          <a:off x="0" y="0"/>
+          <a:ext cx="0" cy="0"/>
+          <a:chOff x="0" y="0"/>
+          <a:chExt cx="0" cy="0"/>
+        </a:xfrm>
+      </p:grpSpPr>
+      <p:sp>
+        <p:nvSpPr>
+          <p:cNvPr id="2" name="Title 1">
+            <a:extLst>
+              <a:ext uri="{FF2B5EF4-FFF2-40B4-BE49-F238E27FC236}">
                 <a16:creationId xmlns:a16="http://schemas.microsoft.com/office/drawing/2014/main" id="{F4C23A9E-DAFE-AA71-EC18-9DD4F5454DE5}"/>
               </a:ext>
             </a:extLst>
@@ -9838,7 +9700,7 @@
           <a:p>
             <a:fld id="{5414CF54-80D7-41F3-B633-0CBA28EB51D2}" type="slidenum">
               <a:rPr lang="en-US" smtClean="0"/>
-              <a:t>41</a:t>
+              <a:t>40</a:t>
             </a:fld>
             <a:endParaRPr lang="en-US"/>
           </a:p>
@@ -9887,7 +9749,7 @@
 </p:sld>
 </file>
 
-<file path=ppt/slides/slide42.xml><?xml version="1.0" encoding="utf-8"?>
+<file path=ppt/slides/slide41.xml><?xml version="1.0" encoding="utf-8"?>
 <p:sld xmlns:a="http://schemas.openxmlformats.org/drawingml/2006/main" xmlns:r="http://schemas.openxmlformats.org/officeDocument/2006/relationships" xmlns:p="http://schemas.openxmlformats.org/presentationml/2006/main">
   <p:cSld>
     <p:spTree>
@@ -9977,7 +9839,7 @@
           <a:p>
             <a:fld id="{5414CF54-80D7-41F3-B633-0CBA28EB51D2}" type="slidenum">
               <a:rPr lang="en-US" smtClean="0"/>
-              <a:t>42</a:t>
+              <a:t>41</a:t>
             </a:fld>
             <a:endParaRPr lang="en-US"/>
           </a:p>
@@ -10026,7 +9888,7 @@
 </p:sld>
 </file>
 
-<file path=ppt/slides/slide43.xml><?xml version="1.0" encoding="utf-8"?>
+<file path=ppt/slides/slide42.xml><?xml version="1.0" encoding="utf-8"?>
 <p:sld xmlns:a="http://schemas.openxmlformats.org/drawingml/2006/main" xmlns:r="http://schemas.openxmlformats.org/officeDocument/2006/relationships" xmlns:p="http://schemas.openxmlformats.org/presentationml/2006/main">
   <p:cSld>
     <p:spTree>
@@ -10116,7 +9978,7 @@
           <a:p>
             <a:fld id="{5414CF54-80D7-41F3-B633-0CBA28EB51D2}" type="slidenum">
               <a:rPr lang="en-US" smtClean="0"/>
-              <a:t>43</a:t>
+              <a:t>42</a:t>
             </a:fld>
             <a:endParaRPr lang="en-US"/>
           </a:p>
@@ -10165,7 +10027,7 @@
 </p:sld>
 </file>
 
-<file path=ppt/slides/slide44.xml><?xml version="1.0" encoding="utf-8"?>
+<file path=ppt/slides/slide43.xml><?xml version="1.0" encoding="utf-8"?>
 <p:sld xmlns:a="http://schemas.openxmlformats.org/drawingml/2006/main" xmlns:r="http://schemas.openxmlformats.org/officeDocument/2006/relationships" xmlns:p="http://schemas.openxmlformats.org/presentationml/2006/main">
   <p:cSld>
     <p:spTree>
@@ -10255,7 +10117,7 @@
           <a:p>
             <a:fld id="{5414CF54-80D7-41F3-B633-0CBA28EB51D2}" type="slidenum">
               <a:rPr lang="en-US" smtClean="0"/>
-              <a:t>44</a:t>
+              <a:t>43</a:t>
             </a:fld>
             <a:endParaRPr lang="en-US"/>
           </a:p>
@@ -10304,6 +10166,156 @@
 </p:sld>
 </file>
 
+<file path=ppt/slides/slide44.xml><?xml version="1.0" encoding="utf-8"?>
+<p:sld xmlns:a="http://schemas.openxmlformats.org/drawingml/2006/main" xmlns:r="http://schemas.openxmlformats.org/officeDocument/2006/relationships" xmlns:p="http://schemas.openxmlformats.org/presentationml/2006/main">
+  <p:cSld>
+    <p:spTree>
+      <p:nvGrpSpPr>
+        <p:cNvPr id="1" name=""/>
+        <p:cNvGrpSpPr/>
+        <p:nvPr/>
+      </p:nvGrpSpPr>
+      <p:grpSpPr>
+        <a:xfrm>
+          <a:off x="0" y="0"/>
+          <a:ext cx="0" cy="0"/>
+          <a:chOff x="0" y="0"/>
+          <a:chExt cx="0" cy="0"/>
+        </a:xfrm>
+      </p:grpSpPr>
+      <p:sp>
+        <p:nvSpPr>
+          <p:cNvPr id="2" name="Title 1">
+            <a:extLst>
+              <a:ext uri="{FF2B5EF4-FFF2-40B4-BE49-F238E27FC236}">
+                <a16:creationId xmlns:a16="http://schemas.microsoft.com/office/drawing/2014/main" id="{9F7CF78B-C89D-2F62-6191-176B1CB35A04}"/>
+              </a:ext>
+            </a:extLst>
+          </p:cNvPr>
+          <p:cNvSpPr>
+            <a:spLocks noGrp="1"/>
+          </p:cNvSpPr>
+          <p:nvPr>
+            <p:ph type="title"/>
+          </p:nvPr>
+        </p:nvSpPr>
+        <p:spPr/>
+        <p:txBody>
+          <a:bodyPr/>
+          <a:lstStyle/>
+          <a:p>
+            <a:r>
+              <a:rPr lang="en-US" dirty="0"/>
+              <a:t>📊 </a:t>
+            </a:r>
+            <a:r>
+              <a:rPr lang="th-TH" dirty="0"/>
+              <a:t>ส่วนที่ 5: การแสดงผล (</a:t>
+            </a:r>
+            <a:r>
+              <a:rPr lang="en-US" dirty="0"/>
+              <a:t>Visualization)</a:t>
+            </a:r>
+          </a:p>
+        </p:txBody>
+      </p:sp>
+      <p:sp>
+        <p:nvSpPr>
+          <p:cNvPr id="3" name="Content Placeholder 2">
+            <a:extLst>
+              <a:ext uri="{FF2B5EF4-FFF2-40B4-BE49-F238E27FC236}">
+                <a16:creationId xmlns:a16="http://schemas.microsoft.com/office/drawing/2014/main" id="{3E6E0F8B-437D-1D5E-EE71-08564B7E9AD1}"/>
+              </a:ext>
+            </a:extLst>
+          </p:cNvPr>
+          <p:cNvSpPr>
+            <a:spLocks noGrp="1"/>
+          </p:cNvSpPr>
+          <p:nvPr>
+            <p:ph idx="1"/>
+          </p:nvPr>
+        </p:nvSpPr>
+        <p:spPr/>
+        <p:txBody>
+          <a:bodyPr/>
+          <a:lstStyle/>
+          <a:p>
+            <a:r>
+              <a:rPr lang="th-TH" dirty="0"/>
+              <a:t>กราฟค่าไฟและโหลด</a:t>
+            </a:r>
+          </a:p>
+          <a:p>
+            <a:r>
+              <a:rPr lang="en-US" dirty="0"/>
+              <a:t>Heatmap </a:t>
+            </a:r>
+            <a:r>
+              <a:rPr lang="th-TH" dirty="0"/>
+              <a:t>ของนโยบายที่เรียนรู้</a:t>
+            </a:r>
+          </a:p>
+          <a:p>
+            <a:r>
+              <a:rPr lang="th-TH" dirty="0"/>
+              <a:t>กราฟรางวัลต่อรอบการเรียนรู้</a:t>
+            </a:r>
+          </a:p>
+          <a:p>
+            <a:r>
+              <a:rPr lang="th-TH" dirty="0"/>
+              <a:t>กราฟแสดงพลังงานจากแบตเตอรี่, โหลด, และโหลดจากกร</a:t>
+            </a:r>
+            <a:r>
+              <a:rPr lang="th-TH" dirty="0" err="1"/>
+              <a:t>ิด</a:t>
+            </a:r>
+            <a:endParaRPr lang="en-US" dirty="0"/>
+          </a:p>
+        </p:txBody>
+      </p:sp>
+      <p:sp>
+        <p:nvSpPr>
+          <p:cNvPr id="4" name="Slide Number Placeholder 3">
+            <a:extLst>
+              <a:ext uri="{FF2B5EF4-FFF2-40B4-BE49-F238E27FC236}">
+                <a16:creationId xmlns:a16="http://schemas.microsoft.com/office/drawing/2014/main" id="{BF3A6839-0A1E-1CD6-6764-AA28E934B76E}"/>
+              </a:ext>
+            </a:extLst>
+          </p:cNvPr>
+          <p:cNvSpPr>
+            <a:spLocks noGrp="1"/>
+          </p:cNvSpPr>
+          <p:nvPr>
+            <p:ph type="sldNum" sz="quarter" idx="12"/>
+          </p:nvPr>
+        </p:nvSpPr>
+        <p:spPr/>
+        <p:txBody>
+          <a:bodyPr/>
+          <a:lstStyle/>
+          <a:p>
+            <a:fld id="{5414CF54-80D7-41F3-B633-0CBA28EB51D2}" type="slidenum">
+              <a:rPr lang="en-US" smtClean="0"/>
+              <a:t>44</a:t>
+            </a:fld>
+            <a:endParaRPr lang="en-US"/>
+          </a:p>
+        </p:txBody>
+      </p:sp>
+    </p:spTree>
+    <p:extLst>
+      <p:ext uri="{BB962C8B-B14F-4D97-AF65-F5344CB8AC3E}">
+        <p14:creationId xmlns:p14="http://schemas.microsoft.com/office/powerpoint/2010/main" val="4032324805"/>
+      </p:ext>
+    </p:extLst>
+  </p:cSld>
+  <p:clrMapOvr>
+    <a:masterClrMapping/>
+  </p:clrMapOvr>
+</p:sld>
+</file>
+
 <file path=ppt/slides/slide45.xml><?xml version="1.0" encoding="utf-8"?>
 <p:sld xmlns:a="http://schemas.openxmlformats.org/drawingml/2006/main" xmlns:r="http://schemas.openxmlformats.org/officeDocument/2006/relationships" xmlns:p="http://schemas.openxmlformats.org/presentationml/2006/main">
   <p:cSld>
@@ -10326,7 +10338,7 @@
           <p:cNvPr id="2" name="Title 1">
             <a:extLst>
               <a:ext uri="{FF2B5EF4-FFF2-40B4-BE49-F238E27FC236}">
-                <a16:creationId xmlns:a16="http://schemas.microsoft.com/office/drawing/2014/main" id="{9F7CF78B-C89D-2F62-6191-176B1CB35A04}"/>
+                <a16:creationId xmlns:a16="http://schemas.microsoft.com/office/drawing/2014/main" id="{8B165C71-5603-44DB-9B84-FDF118428AA3}"/>
               </a:ext>
             </a:extLst>
           </p:cNvPr>
@@ -10342,18 +10354,7 @@
           <a:bodyPr/>
           <a:lstStyle/>
           <a:p>
-            <a:r>
-              <a:rPr lang="en-US" dirty="0"/>
-              <a:t>📊 </a:t>
-            </a:r>
-            <a:r>
-              <a:rPr lang="th-TH" dirty="0"/>
-              <a:t>ส่วนที่ 5: การแสดงผล (</a:t>
-            </a:r>
-            <a:r>
-              <a:rPr lang="en-US" dirty="0"/>
-              <a:t>Visualization)</a:t>
-            </a:r>
+            <a:endParaRPr lang="en-US"/>
           </a:p>
         </p:txBody>
       </p:sp>
@@ -10362,7 +10363,7 @@
           <p:cNvPr id="3" name="Content Placeholder 2">
             <a:extLst>
               <a:ext uri="{FF2B5EF4-FFF2-40B4-BE49-F238E27FC236}">
-                <a16:creationId xmlns:a16="http://schemas.microsoft.com/office/drawing/2014/main" id="{3E6E0F8B-437D-1D5E-EE71-08564B7E9AD1}"/>
+                <a16:creationId xmlns:a16="http://schemas.microsoft.com/office/drawing/2014/main" id="{98282AF4-01F5-663D-A5BA-305BE420FBEF}"/>
               </a:ext>
             </a:extLst>
           </p:cNvPr>
@@ -10380,34 +10381,56 @@
           <a:p>
             <a:r>
               <a:rPr lang="th-TH" dirty="0"/>
-              <a:t>กราฟค่าไฟและโหลด</a:t>
-            </a:r>
-          </a:p>
-          <a:p>
-            <a:r>
-              <a:rPr lang="en-US" dirty="0"/>
-              <a:t>Heatmap </a:t>
-            </a:r>
-            <a:r>
-              <a:rPr lang="th-TH" dirty="0"/>
-              <a:t>ของนโยบายที่เรียนรู้</a:t>
-            </a:r>
-          </a:p>
-          <a:p>
-            <a:r>
-              <a:rPr lang="th-TH" dirty="0"/>
-              <a:t>กราฟรางวัลต่อรอบการเรียนรู้</a:t>
-            </a:r>
-          </a:p>
-          <a:p>
-            <a:r>
-              <a:rPr lang="th-TH" dirty="0"/>
-              <a:t>กราฟแสดงพลังงานจากแบตเตอรี่, โหลด, และโหลดจากกร</a:t>
+              <a:t>โค้ดส่วนนี้คือ </a:t>
+            </a:r>
+            <a:r>
+              <a:rPr lang="th-TH" b="1" dirty="0"/>
+              <a:t>การจำลองการทำงานของระบบแบตเตอรี่ตลอด 1 วัน</a:t>
+            </a:r>
+            <a:r>
+              <a:rPr lang="th-TH" dirty="0"/>
+              <a:t> โดยใช้ </a:t>
+            </a:r>
+            <a:r>
+              <a:rPr lang="th-TH" b="1" dirty="0"/>
+              <a:t>นโยบายที่เรียนรู้มาแล้วจาก </a:t>
+            </a:r>
+            <a:r>
+              <a:rPr lang="en-US" b="1" dirty="0"/>
+              <a:t>Q-learning</a:t>
+            </a:r>
+            <a:r>
+              <a:rPr lang="en-US" dirty="0"/>
+              <a:t> </a:t>
+            </a:r>
+            <a:r>
+              <a:rPr lang="th-TH" dirty="0"/>
+              <a:t>เพื่อดูว่าระบบจะตัดสินใจอะไรในแต่ละชั่วโมง และผลที่ได้เป็นอย่างไรบ้าง เช่น ระดับ</a:t>
+            </a:r>
+            <a:r>
+              <a:rPr lang="th-TH" dirty="0" err="1"/>
+              <a:t>แบต</a:t>
+            </a:r>
+            <a:r>
+              <a:rPr lang="th-TH" dirty="0"/>
+              <a:t>เปลี่ยนยังไง พลังงานที่จ่ายหรือรับจาก</a:t>
+            </a:r>
+            <a:r>
+              <a:rPr lang="th-TH" dirty="0" err="1"/>
+              <a:t>แบต</a:t>
+            </a:r>
+            <a:r>
+              <a:rPr lang="th-TH" dirty="0"/>
+              <a:t>มีเท่าไร และภาระที่เหลือต้องรับจากกร</a:t>
             </a:r>
             <a:r>
               <a:rPr lang="th-TH" dirty="0" err="1"/>
               <a:t>ิด</a:t>
             </a:r>
+            <a:r>
+              <a:rPr lang="th-TH" dirty="0"/>
+              <a:t>มีมากน้อยแค่ไหน</a:t>
+            </a:r>
             <a:endParaRPr lang="en-US" dirty="0"/>
           </a:p>
         </p:txBody>
@@ -10417,7 +10440,7 @@
           <p:cNvPr id="4" name="Slide Number Placeholder 3">
             <a:extLst>
               <a:ext uri="{FF2B5EF4-FFF2-40B4-BE49-F238E27FC236}">
-                <a16:creationId xmlns:a16="http://schemas.microsoft.com/office/drawing/2014/main" id="{BF3A6839-0A1E-1CD6-6764-AA28E934B76E}"/>
+                <a16:creationId xmlns:a16="http://schemas.microsoft.com/office/drawing/2014/main" id="{4DCE8D6C-8DDD-ED45-DB62-71DCDCBA93B1}"/>
               </a:ext>
             </a:extLst>
           </p:cNvPr>
@@ -10444,7 +10467,7 @@
     </p:spTree>
     <p:extLst>
       <p:ext uri="{BB962C8B-B14F-4D97-AF65-F5344CB8AC3E}">
-        <p14:creationId xmlns:p14="http://schemas.microsoft.com/office/powerpoint/2010/main" val="4032324805"/>
+        <p14:creationId xmlns:p14="http://schemas.microsoft.com/office/powerpoint/2010/main" val="3476120022"/>
       </p:ext>
     </p:extLst>
   </p:cSld>
@@ -10476,7 +10499,7 @@
           <p:cNvPr id="2" name="Title 1">
             <a:extLst>
               <a:ext uri="{FF2B5EF4-FFF2-40B4-BE49-F238E27FC236}">
-                <a16:creationId xmlns:a16="http://schemas.microsoft.com/office/drawing/2014/main" id="{8B165C71-5603-44DB-9B84-FDF118428AA3}"/>
+                <a16:creationId xmlns:a16="http://schemas.microsoft.com/office/drawing/2014/main" id="{FB3FF5F4-91AA-3236-610C-7C5501D9112A}"/>
               </a:ext>
             </a:extLst>
           </p:cNvPr>
@@ -10501,7 +10524,7 @@
           <p:cNvPr id="3" name="Content Placeholder 2">
             <a:extLst>
               <a:ext uri="{FF2B5EF4-FFF2-40B4-BE49-F238E27FC236}">
-                <a16:creationId xmlns:a16="http://schemas.microsoft.com/office/drawing/2014/main" id="{98282AF4-01F5-663D-A5BA-305BE420FBEF}"/>
+                <a16:creationId xmlns:a16="http://schemas.microsoft.com/office/drawing/2014/main" id="{58024D11-05BC-4086-F8D3-AE1DDE12E1C2}"/>
               </a:ext>
             </a:extLst>
           </p:cNvPr>
@@ -10518,56 +10541,8 @@
           <a:lstStyle/>
           <a:p>
             <a:r>
-              <a:rPr lang="th-TH" dirty="0"/>
-              <a:t>โค้ดส่วนนี้คือ </a:t>
-            </a:r>
-            <a:r>
               <a:rPr lang="th-TH" b="1" dirty="0"/>
-              <a:t>การจำลองการทำงานของระบบแบตเตอรี่ตลอด 1 วัน</a:t>
-            </a:r>
-            <a:r>
-              <a:rPr lang="th-TH" dirty="0"/>
-              <a:t> โดยใช้ </a:t>
-            </a:r>
-            <a:r>
-              <a:rPr lang="th-TH" b="1" dirty="0"/>
-              <a:t>นโยบายที่เรียนรู้มาแล้วจาก </a:t>
-            </a:r>
-            <a:r>
-              <a:rPr lang="en-US" b="1" dirty="0"/>
-              <a:t>Q-learning</a:t>
-            </a:r>
-            <a:r>
-              <a:rPr lang="en-US" dirty="0"/>
-              <a:t> </a:t>
-            </a:r>
-            <a:r>
-              <a:rPr lang="th-TH" dirty="0"/>
-              <a:t>เพื่อดูว่าระบบจะตัดสินใจอะไรในแต่ละชั่วโมง และผลที่ได้เป็นอย่างไรบ้าง เช่น ระดับ</a:t>
-            </a:r>
-            <a:r>
-              <a:rPr lang="th-TH" dirty="0" err="1"/>
-              <a:t>แบต</a:t>
-            </a:r>
-            <a:r>
-              <a:rPr lang="th-TH" dirty="0"/>
-              <a:t>เปลี่ยนยังไง พลังงานที่จ่ายหรือรับจาก</a:t>
-            </a:r>
-            <a:r>
-              <a:rPr lang="th-TH" dirty="0" err="1"/>
-              <a:t>แบต</a:t>
-            </a:r>
-            <a:r>
-              <a:rPr lang="th-TH" dirty="0"/>
-              <a:t>มีเท่าไร และภาระที่เหลือต้องรับจากกร</a:t>
-            </a:r>
-            <a:r>
-              <a:rPr lang="th-TH" dirty="0" err="1"/>
-              <a:t>ิด</a:t>
-            </a:r>
-            <a:r>
-              <a:rPr lang="th-TH" dirty="0"/>
-              <a:t>มีมากน้อยแค่ไหน</a:t>
+              <a:t>เตรียมตัวแปรสำหรับบันทึกผลการจำลอง</a:t>
             </a:r>
             <a:endParaRPr lang="en-US" dirty="0"/>
           </a:p>
@@ -10578,7 +10553,7 @@
           <p:cNvPr id="4" name="Slide Number Placeholder 3">
             <a:extLst>
               <a:ext uri="{FF2B5EF4-FFF2-40B4-BE49-F238E27FC236}">
-                <a16:creationId xmlns:a16="http://schemas.microsoft.com/office/drawing/2014/main" id="{4DCE8D6C-8DDD-ED45-DB62-71DCDCBA93B1}"/>
+                <a16:creationId xmlns:a16="http://schemas.microsoft.com/office/drawing/2014/main" id="{B23C74DE-B7E1-DCCC-1C01-C45157BD70B3}"/>
               </a:ext>
             </a:extLst>
           </p:cNvPr>
@@ -10597,119 +10572,6 @@
             <a:fld id="{5414CF54-80D7-41F3-B633-0CBA28EB51D2}" type="slidenum">
               <a:rPr lang="en-US" smtClean="0"/>
               <a:t>46</a:t>
-            </a:fld>
-            <a:endParaRPr lang="en-US"/>
-          </a:p>
-        </p:txBody>
-      </p:sp>
-    </p:spTree>
-    <p:extLst>
-      <p:ext uri="{BB962C8B-B14F-4D97-AF65-F5344CB8AC3E}">
-        <p14:creationId xmlns:p14="http://schemas.microsoft.com/office/powerpoint/2010/main" val="3476120022"/>
-      </p:ext>
-    </p:extLst>
-  </p:cSld>
-  <p:clrMapOvr>
-    <a:masterClrMapping/>
-  </p:clrMapOvr>
-</p:sld>
-</file>
-
-<file path=ppt/slides/slide47.xml><?xml version="1.0" encoding="utf-8"?>
-<p:sld xmlns:a="http://schemas.openxmlformats.org/drawingml/2006/main" xmlns:r="http://schemas.openxmlformats.org/officeDocument/2006/relationships" xmlns:p="http://schemas.openxmlformats.org/presentationml/2006/main">
-  <p:cSld>
-    <p:spTree>
-      <p:nvGrpSpPr>
-        <p:cNvPr id="1" name=""/>
-        <p:cNvGrpSpPr/>
-        <p:nvPr/>
-      </p:nvGrpSpPr>
-      <p:grpSpPr>
-        <a:xfrm>
-          <a:off x="0" y="0"/>
-          <a:ext cx="0" cy="0"/>
-          <a:chOff x="0" y="0"/>
-          <a:chExt cx="0" cy="0"/>
-        </a:xfrm>
-      </p:grpSpPr>
-      <p:sp>
-        <p:nvSpPr>
-          <p:cNvPr id="2" name="Title 1">
-            <a:extLst>
-              <a:ext uri="{FF2B5EF4-FFF2-40B4-BE49-F238E27FC236}">
-                <a16:creationId xmlns:a16="http://schemas.microsoft.com/office/drawing/2014/main" id="{FB3FF5F4-91AA-3236-610C-7C5501D9112A}"/>
-              </a:ext>
-            </a:extLst>
-          </p:cNvPr>
-          <p:cNvSpPr>
-            <a:spLocks noGrp="1"/>
-          </p:cNvSpPr>
-          <p:nvPr>
-            <p:ph type="title"/>
-          </p:nvPr>
-        </p:nvSpPr>
-        <p:spPr/>
-        <p:txBody>
-          <a:bodyPr/>
-          <a:lstStyle/>
-          <a:p>
-            <a:endParaRPr lang="en-US"/>
-          </a:p>
-        </p:txBody>
-      </p:sp>
-      <p:sp>
-        <p:nvSpPr>
-          <p:cNvPr id="3" name="Content Placeholder 2">
-            <a:extLst>
-              <a:ext uri="{FF2B5EF4-FFF2-40B4-BE49-F238E27FC236}">
-                <a16:creationId xmlns:a16="http://schemas.microsoft.com/office/drawing/2014/main" id="{58024D11-05BC-4086-F8D3-AE1DDE12E1C2}"/>
-              </a:ext>
-            </a:extLst>
-          </p:cNvPr>
-          <p:cNvSpPr>
-            <a:spLocks noGrp="1"/>
-          </p:cNvSpPr>
-          <p:nvPr>
-            <p:ph idx="1"/>
-          </p:nvPr>
-        </p:nvSpPr>
-        <p:spPr/>
-        <p:txBody>
-          <a:bodyPr/>
-          <a:lstStyle/>
-          <a:p>
-            <a:r>
-              <a:rPr lang="th-TH" b="1" dirty="0"/>
-              <a:t>เตรียมตัวแปรสำหรับบันทึกผลการจำลอง</a:t>
-            </a:r>
-            <a:endParaRPr lang="en-US" dirty="0"/>
-          </a:p>
-        </p:txBody>
-      </p:sp>
-      <p:sp>
-        <p:nvSpPr>
-          <p:cNvPr id="4" name="Slide Number Placeholder 3">
-            <a:extLst>
-              <a:ext uri="{FF2B5EF4-FFF2-40B4-BE49-F238E27FC236}">
-                <a16:creationId xmlns:a16="http://schemas.microsoft.com/office/drawing/2014/main" id="{B23C74DE-B7E1-DCCC-1C01-C45157BD70B3}"/>
-              </a:ext>
-            </a:extLst>
-          </p:cNvPr>
-          <p:cNvSpPr>
-            <a:spLocks noGrp="1"/>
-          </p:cNvSpPr>
-          <p:nvPr>
-            <p:ph type="sldNum" sz="quarter" idx="12"/>
-          </p:nvPr>
-        </p:nvSpPr>
-        <p:spPr/>
-        <p:txBody>
-          <a:bodyPr/>
-          <a:lstStyle/>
-          <a:p>
-            <a:fld id="{5414CF54-80D7-41F3-B633-0CBA28EB51D2}" type="slidenum">
-              <a:rPr lang="en-US" smtClean="0"/>
-              <a:t>47</a:t>
             </a:fld>
             <a:endParaRPr lang="en-US"/>
           </a:p>
@@ -10758,7 +10620,7 @@
 </p:sld>
 </file>
 
-<file path=ppt/slides/slide48.xml><?xml version="1.0" encoding="utf-8"?>
+<file path=ppt/slides/slide47.xml><?xml version="1.0" encoding="utf-8"?>
 <p:sld xmlns:a="http://schemas.openxmlformats.org/drawingml/2006/main" xmlns:r="http://schemas.openxmlformats.org/officeDocument/2006/relationships" xmlns:p="http://schemas.openxmlformats.org/presentationml/2006/main">
   <p:cSld>
     <p:spTree>
@@ -10859,7 +10721,7 @@
           <a:p>
             <a:fld id="{5414CF54-80D7-41F3-B633-0CBA28EB51D2}" type="slidenum">
               <a:rPr lang="en-US" smtClean="0"/>
-              <a:t>48</a:t>
+              <a:t>47</a:t>
             </a:fld>
             <a:endParaRPr lang="en-US"/>
           </a:p>
@@ -10908,7 +10770,7 @@
 </p:sld>
 </file>
 
-<file path=ppt/slides/slide49.xml><?xml version="1.0" encoding="utf-8"?>
+<file path=ppt/slides/slide48.xml><?xml version="1.0" encoding="utf-8"?>
 <p:sld xmlns:a="http://schemas.openxmlformats.org/drawingml/2006/main" xmlns:r="http://schemas.openxmlformats.org/officeDocument/2006/relationships" xmlns:p="http://schemas.openxmlformats.org/presentationml/2006/main">
   <p:cSld>
     <p:spTree>
@@ -11017,7 +10879,7 @@
           <a:p>
             <a:fld id="{5414CF54-80D7-41F3-B633-0CBA28EB51D2}" type="slidenum">
               <a:rPr lang="en-US" smtClean="0"/>
-              <a:t>49</a:t>
+              <a:t>48</a:t>
             </a:fld>
             <a:endParaRPr lang="en-US"/>
           </a:p>
@@ -11066,7 +10928,7 @@
 </p:sld>
 </file>
 
-<file path=ppt/slides/slide5.xml><?xml version="1.0" encoding="utf-8"?>
+<file path=ppt/slides/slide49.xml><?xml version="1.0" encoding="utf-8"?>
 <p:sld xmlns:a="http://schemas.openxmlformats.org/drawingml/2006/main" xmlns:r="http://schemas.openxmlformats.org/officeDocument/2006/relationships" xmlns:p="http://schemas.openxmlformats.org/presentationml/2006/main">
   <p:cSld>
     <p:spTree>
@@ -11088,7 +10950,7 @@
           <p:cNvPr id="2" name="Title 1">
             <a:extLst>
               <a:ext uri="{FF2B5EF4-FFF2-40B4-BE49-F238E27FC236}">
-                <a16:creationId xmlns:a16="http://schemas.microsoft.com/office/drawing/2014/main" id="{881B98C5-66E5-D9FD-7744-2A524A651BED}"/>
+                <a16:creationId xmlns:a16="http://schemas.microsoft.com/office/drawing/2014/main" id="{74E0C33E-73E7-C9D4-53AE-FF2B02163743}"/>
               </a:ext>
             </a:extLst>
           </p:cNvPr>
@@ -11104,13 +10966,92 @@
           <a:bodyPr/>
           <a:lstStyle/>
           <a:p>
-            <a:r>
-              <a:rPr lang="en-US" dirty="0"/>
-              <a:t>📋 </a:t>
-            </a:r>
-            <a:r>
-              <a:rPr lang="th-TH" dirty="0"/>
-              <a:t>ส่วนที่ 2: ข้อมูลต้นทาง</a:t>
+            <a:endParaRPr lang="en-US"/>
+          </a:p>
+        </p:txBody>
+      </p:sp>
+      <p:sp>
+        <p:nvSpPr>
+          <p:cNvPr id="3" name="Content Placeholder 2">
+            <a:extLst>
+              <a:ext uri="{FF2B5EF4-FFF2-40B4-BE49-F238E27FC236}">
+                <a16:creationId xmlns:a16="http://schemas.microsoft.com/office/drawing/2014/main" id="{8AD0CA34-26B5-7E81-1C94-83629CF8A92D}"/>
+              </a:ext>
+            </a:extLst>
+          </p:cNvPr>
+          <p:cNvSpPr>
+            <a:spLocks noGrp="1"/>
+          </p:cNvSpPr>
+          <p:nvPr>
+            <p:ph idx="1"/>
+          </p:nvPr>
+        </p:nvSpPr>
+        <p:spPr/>
+        <p:txBody>
+          <a:bodyPr/>
+          <a:lstStyle/>
+          <a:p>
+            <a:r>
+              <a:rPr lang="th-TH" dirty="0"/>
+              <a:t>เลือกแอคชันจาก </a:t>
+            </a:r>
+            <a:r>
+              <a:rPr lang="en-US" dirty="0"/>
+              <a:t>Q-table </a:t>
+            </a:r>
+            <a:r>
+              <a:rPr lang="th-TH" dirty="0"/>
+              <a:t>ที่เรียนรู้มา</a:t>
+            </a:r>
+          </a:p>
+          <a:p>
+            <a:pPr lvl="1"/>
+            <a:r>
+              <a:rPr lang="th-TH" dirty="0"/>
+              <a:t>ดู </a:t>
+            </a:r>
+            <a:r>
+              <a:rPr lang="en-US" dirty="0"/>
+              <a:t>Q-table </a:t>
+            </a:r>
+            <a:r>
+              <a:rPr lang="th-TH" dirty="0"/>
+              <a:t>ว่า ณ ชั่วโมง </a:t>
+            </a:r>
+            <a:r>
+              <a:rPr lang="en-US" dirty="0"/>
+              <a:t>h </a:t>
+            </a:r>
+            <a:r>
+              <a:rPr lang="th-TH" dirty="0"/>
+              <a:t>และระดับ</a:t>
+            </a:r>
+            <a:r>
+              <a:rPr lang="th-TH" dirty="0" err="1"/>
+              <a:t>แบต</a:t>
+            </a:r>
+            <a:r>
+              <a:rPr lang="th-TH" dirty="0"/>
+              <a:t> </a:t>
+            </a:r>
+            <a:r>
+              <a:rPr lang="en-US" dirty="0" err="1"/>
+              <a:t>current_soc</a:t>
+            </a:r>
+            <a:r>
+              <a:rPr lang="en-US" dirty="0"/>
+              <a:t> </a:t>
+            </a:r>
+            <a:r>
+              <a:rPr lang="th-TH" dirty="0"/>
+              <a:t>แอคชันใดดีที่สุด</a:t>
+            </a:r>
+          </a:p>
+          <a:p>
+            <a:pPr lvl="1"/>
+            <a:r>
+              <a:rPr lang="th-TH" dirty="0"/>
+              <a:t>เช่น อาจได้ว่า "ควรปล่อยประจุ"</a:t>
             </a:r>
             <a:endParaRPr lang="en-US" dirty="0"/>
           </a:p>
@@ -11118,78 +11059,10 @@
       </p:sp>
       <p:sp>
         <p:nvSpPr>
-          <p:cNvPr id="3" name="Content Placeholder 2">
-            <a:extLst>
-              <a:ext uri="{FF2B5EF4-FFF2-40B4-BE49-F238E27FC236}">
-                <a16:creationId xmlns:a16="http://schemas.microsoft.com/office/drawing/2014/main" id="{6AF5EB65-E40A-2C72-713D-32E84CD496DF}"/>
-              </a:ext>
-            </a:extLst>
-          </p:cNvPr>
-          <p:cNvSpPr>
-            <a:spLocks noGrp="1"/>
-          </p:cNvSpPr>
-          <p:nvPr>
-            <p:ph idx="1"/>
-          </p:nvPr>
-        </p:nvSpPr>
-        <p:spPr/>
-        <p:txBody>
-          <a:bodyPr/>
-          <a:lstStyle/>
-          <a:p>
-            <a:r>
-              <a:rPr lang="en-US" dirty="0" err="1"/>
-              <a:t>electricity_prices</a:t>
-            </a:r>
-            <a:r>
-              <a:rPr lang="en-US" dirty="0"/>
-              <a:t>: </a:t>
-            </a:r>
-            <a:r>
-              <a:rPr lang="th-TH" dirty="0"/>
-              <a:t>ราคาค่าไฟต่อชั่วโมงแบบ </a:t>
-            </a:r>
-            <a:r>
-              <a:rPr lang="en-US" dirty="0"/>
-              <a:t>TOU (Time of Use)</a:t>
-            </a:r>
-          </a:p>
-          <a:p>
-            <a:r>
-              <a:rPr lang="en-US" dirty="0" err="1"/>
-              <a:t>load_profile</a:t>
-            </a:r>
-            <a:r>
-              <a:rPr lang="en-US" dirty="0"/>
-              <a:t>: </a:t>
-            </a:r>
-            <a:r>
-              <a:rPr lang="th-TH" dirty="0"/>
-              <a:t>กำลังไฟที่ใช้ของผู้ใช้ต่อชั่วโมง</a:t>
-            </a:r>
-          </a:p>
-          <a:p>
-            <a:r>
-              <a:rPr lang="en-US" dirty="0"/>
-              <a:t>HIGH_LOAD_THRESHOLD: </a:t>
-            </a:r>
-            <a:r>
-              <a:rPr lang="th-TH" dirty="0"/>
-              <a:t>ตั้งเป้าว่าไม่ควรให้โหลดเกิน 6 </a:t>
-            </a:r>
-            <a:r>
-              <a:rPr lang="en-US" dirty="0"/>
-              <a:t>kW</a:t>
-            </a:r>
-          </a:p>
-        </p:txBody>
-      </p:sp>
-      <p:sp>
-        <p:nvSpPr>
           <p:cNvPr id="4" name="Slide Number Placeholder 3">
             <a:extLst>
               <a:ext uri="{FF2B5EF4-FFF2-40B4-BE49-F238E27FC236}">
-                <a16:creationId xmlns:a16="http://schemas.microsoft.com/office/drawing/2014/main" id="{00F57E70-9453-E52A-6237-4E1A35A1FD5E}"/>
+                <a16:creationId xmlns:a16="http://schemas.microsoft.com/office/drawing/2014/main" id="{EFA351E7-2024-E5C7-AE3A-493BACCA5D49}"/>
               </a:ext>
             </a:extLst>
           </p:cNvPr>
@@ -11207,208 +11080,7 @@
           <a:p>
             <a:fld id="{5414CF54-80D7-41F3-B633-0CBA28EB51D2}" type="slidenum">
               <a:rPr lang="en-US" smtClean="0"/>
-              <a:t>5</a:t>
-            </a:fld>
-            <a:endParaRPr lang="en-US"/>
-          </a:p>
-        </p:txBody>
-      </p:sp>
-      <p:pic>
-        <p:nvPicPr>
-          <p:cNvPr id="7" name="Picture 6">
-            <a:extLst>
-              <a:ext uri="{FF2B5EF4-FFF2-40B4-BE49-F238E27FC236}">
-                <a16:creationId xmlns:a16="http://schemas.microsoft.com/office/drawing/2014/main" id="{5506314C-97DA-0853-A4E1-D5025B8B692D}"/>
-              </a:ext>
-            </a:extLst>
-          </p:cNvPr>
-          <p:cNvPicPr>
-            <a:picLocks noChangeAspect="1"/>
-          </p:cNvPicPr>
-          <p:nvPr/>
-        </p:nvPicPr>
-        <p:blipFill>
-          <a:blip r:embed="rId2"/>
-          <a:stretch>
-            <a:fillRect/>
-          </a:stretch>
-        </p:blipFill>
-        <p:spPr>
-          <a:xfrm>
-            <a:off x="2876411" y="4156069"/>
-            <a:ext cx="5572903" cy="1790950"/>
-          </a:xfrm>
-          <a:prstGeom prst="rect">
-            <a:avLst/>
-          </a:prstGeom>
-        </p:spPr>
-      </p:pic>
-    </p:spTree>
-    <p:extLst>
-      <p:ext uri="{BB962C8B-B14F-4D97-AF65-F5344CB8AC3E}">
-        <p14:creationId xmlns:p14="http://schemas.microsoft.com/office/powerpoint/2010/main" val="2646739036"/>
-      </p:ext>
-    </p:extLst>
-  </p:cSld>
-  <p:clrMapOvr>
-    <a:masterClrMapping/>
-  </p:clrMapOvr>
-</p:sld>
-</file>
-
-<file path=ppt/slides/slide50.xml><?xml version="1.0" encoding="utf-8"?>
-<p:sld xmlns:a="http://schemas.openxmlformats.org/drawingml/2006/main" xmlns:r="http://schemas.openxmlformats.org/officeDocument/2006/relationships" xmlns:p="http://schemas.openxmlformats.org/presentationml/2006/main">
-  <p:cSld>
-    <p:spTree>
-      <p:nvGrpSpPr>
-        <p:cNvPr id="1" name=""/>
-        <p:cNvGrpSpPr/>
-        <p:nvPr/>
-      </p:nvGrpSpPr>
-      <p:grpSpPr>
-        <a:xfrm>
-          <a:off x="0" y="0"/>
-          <a:ext cx="0" cy="0"/>
-          <a:chOff x="0" y="0"/>
-          <a:chExt cx="0" cy="0"/>
-        </a:xfrm>
-      </p:grpSpPr>
-      <p:sp>
-        <p:nvSpPr>
-          <p:cNvPr id="2" name="Title 1">
-            <a:extLst>
-              <a:ext uri="{FF2B5EF4-FFF2-40B4-BE49-F238E27FC236}">
-                <a16:creationId xmlns:a16="http://schemas.microsoft.com/office/drawing/2014/main" id="{74E0C33E-73E7-C9D4-53AE-FF2B02163743}"/>
-              </a:ext>
-            </a:extLst>
-          </p:cNvPr>
-          <p:cNvSpPr>
-            <a:spLocks noGrp="1"/>
-          </p:cNvSpPr>
-          <p:nvPr>
-            <p:ph type="title"/>
-          </p:nvPr>
-        </p:nvSpPr>
-        <p:spPr/>
-        <p:txBody>
-          <a:bodyPr/>
-          <a:lstStyle/>
-          <a:p>
-            <a:endParaRPr lang="en-US"/>
-          </a:p>
-        </p:txBody>
-      </p:sp>
-      <p:sp>
-        <p:nvSpPr>
-          <p:cNvPr id="3" name="Content Placeholder 2">
-            <a:extLst>
-              <a:ext uri="{FF2B5EF4-FFF2-40B4-BE49-F238E27FC236}">
-                <a16:creationId xmlns:a16="http://schemas.microsoft.com/office/drawing/2014/main" id="{8AD0CA34-26B5-7E81-1C94-83629CF8A92D}"/>
-              </a:ext>
-            </a:extLst>
-          </p:cNvPr>
-          <p:cNvSpPr>
-            <a:spLocks noGrp="1"/>
-          </p:cNvSpPr>
-          <p:nvPr>
-            <p:ph idx="1"/>
-          </p:nvPr>
-        </p:nvSpPr>
-        <p:spPr/>
-        <p:txBody>
-          <a:bodyPr/>
-          <a:lstStyle/>
-          <a:p>
-            <a:r>
-              <a:rPr lang="th-TH" dirty="0"/>
-              <a:t>เลือกแอคชันจาก </a:t>
-            </a:r>
-            <a:r>
-              <a:rPr lang="en-US" dirty="0"/>
-              <a:t>Q-table </a:t>
-            </a:r>
-            <a:r>
-              <a:rPr lang="th-TH" dirty="0"/>
-              <a:t>ที่เรียนรู้มา</a:t>
-            </a:r>
-          </a:p>
-          <a:p>
-            <a:pPr lvl="1"/>
-            <a:r>
-              <a:rPr lang="th-TH" dirty="0"/>
-              <a:t>ดู </a:t>
-            </a:r>
-            <a:r>
-              <a:rPr lang="en-US" dirty="0"/>
-              <a:t>Q-table </a:t>
-            </a:r>
-            <a:r>
-              <a:rPr lang="th-TH" dirty="0"/>
-              <a:t>ว่า ณ ชั่วโมง </a:t>
-            </a:r>
-            <a:r>
-              <a:rPr lang="en-US" dirty="0"/>
-              <a:t>h </a:t>
-            </a:r>
-            <a:r>
-              <a:rPr lang="th-TH" dirty="0"/>
-              <a:t>และระดับ</a:t>
-            </a:r>
-            <a:r>
-              <a:rPr lang="th-TH" dirty="0" err="1"/>
-              <a:t>แบต</a:t>
-            </a:r>
-            <a:r>
-              <a:rPr lang="th-TH" dirty="0"/>
-              <a:t> </a:t>
-            </a:r>
-            <a:r>
-              <a:rPr lang="en-US" dirty="0" err="1"/>
-              <a:t>current_soc</a:t>
-            </a:r>
-            <a:r>
-              <a:rPr lang="en-US" dirty="0"/>
-              <a:t> </a:t>
-            </a:r>
-            <a:r>
-              <a:rPr lang="th-TH" dirty="0"/>
-              <a:t>แอคชันใดดีที่สุด</a:t>
-            </a:r>
-          </a:p>
-          <a:p>
-            <a:pPr lvl="1"/>
-            <a:r>
-              <a:rPr lang="th-TH" dirty="0"/>
-              <a:t>เช่น อาจได้ว่า "ควรปล่อยประจุ"</a:t>
-            </a:r>
-            <a:endParaRPr lang="en-US" dirty="0"/>
-          </a:p>
-        </p:txBody>
-      </p:sp>
-      <p:sp>
-        <p:nvSpPr>
-          <p:cNvPr id="4" name="Slide Number Placeholder 3">
-            <a:extLst>
-              <a:ext uri="{FF2B5EF4-FFF2-40B4-BE49-F238E27FC236}">
-                <a16:creationId xmlns:a16="http://schemas.microsoft.com/office/drawing/2014/main" id="{EFA351E7-2024-E5C7-AE3A-493BACCA5D49}"/>
-              </a:ext>
-            </a:extLst>
-          </p:cNvPr>
-          <p:cNvSpPr>
-            <a:spLocks noGrp="1"/>
-          </p:cNvSpPr>
-          <p:nvPr>
-            <p:ph type="sldNum" sz="quarter" idx="12"/>
-          </p:nvPr>
-        </p:nvSpPr>
-        <p:spPr/>
-        <p:txBody>
-          <a:bodyPr/>
-          <a:lstStyle/>
-          <a:p>
-            <a:fld id="{5414CF54-80D7-41F3-B633-0CBA28EB51D2}" type="slidenum">
-              <a:rPr lang="en-US" smtClean="0"/>
-              <a:t>50</a:t>
+              <a:t>49</a:t>
             </a:fld>
             <a:endParaRPr lang="en-US"/>
           </a:p>
@@ -11457,7 +11129,7 @@
 </p:sld>
 </file>
 
-<file path=ppt/slides/slide51.xml><?xml version="1.0" encoding="utf-8"?>
+<file path=ppt/slides/slide5.xml><?xml version="1.0" encoding="utf-8"?>
 <p:sld xmlns:a="http://schemas.openxmlformats.org/drawingml/2006/main" xmlns:r="http://schemas.openxmlformats.org/officeDocument/2006/relationships" xmlns:p="http://schemas.openxmlformats.org/presentationml/2006/main">
   <p:cSld>
     <p:spTree>
@@ -11479,7 +11151,7 @@
           <p:cNvPr id="2" name="Title 1">
             <a:extLst>
               <a:ext uri="{FF2B5EF4-FFF2-40B4-BE49-F238E27FC236}">
-                <a16:creationId xmlns:a16="http://schemas.microsoft.com/office/drawing/2014/main" id="{7380D109-37DF-6762-5798-351AF4D1E75C}"/>
+                <a16:creationId xmlns:a16="http://schemas.microsoft.com/office/drawing/2014/main" id="{C030ED94-3D93-67CE-32E2-2FB6882286AE}"/>
               </a:ext>
             </a:extLst>
           </p:cNvPr>
@@ -11495,7 +11167,18 @@
           <a:bodyPr/>
           <a:lstStyle/>
           <a:p>
-            <a:endParaRPr lang="en-US"/>
+            <a:r>
+              <a:rPr lang="en-US" dirty="0"/>
+              <a:t>🧠</a:t>
+            </a:r>
+            <a:r>
+              <a:rPr lang="th-TH" dirty="0"/>
+              <a:t>ส่วนที่ 3: </a:t>
+            </a:r>
+            <a:r>
+              <a:rPr lang="en-US" dirty="0"/>
+              <a:t>Q-learning</a:t>
+            </a:r>
           </a:p>
         </p:txBody>
       </p:sp>
@@ -11504,7 +11187,7 @@
           <p:cNvPr id="3" name="Content Placeholder 2">
             <a:extLst>
               <a:ext uri="{FF2B5EF4-FFF2-40B4-BE49-F238E27FC236}">
-                <a16:creationId xmlns:a16="http://schemas.microsoft.com/office/drawing/2014/main" id="{2F68A37E-B691-3F20-A070-10354A2488B8}"/>
+                <a16:creationId xmlns:a16="http://schemas.microsoft.com/office/drawing/2014/main" id="{19A6EC95-EEC4-9447-26EC-AE466E5F7104}"/>
               </a:ext>
             </a:extLst>
           </p:cNvPr>
@@ -11521,9 +11204,55 @@
           <a:lstStyle/>
           <a:p>
             <a:r>
-              <a:rPr lang="th-TH" dirty="0"/>
-              <a:t>โหลดและคำนวณพลังงาน</a:t>
-            </a:r>
+              <a:rPr lang="en-US" b="1" dirty="0"/>
+              <a:t>🎯 </a:t>
+            </a:r>
+            <a:r>
+              <a:rPr lang="th-TH" b="1" dirty="0"/>
+              <a:t>เป้าหมาย:</a:t>
+            </a:r>
+          </a:p>
+          <a:p>
+            <a:r>
+              <a:rPr lang="th-TH" dirty="0"/>
+              <a:t>เพื่อให้แบตเตอรี่เรียนรู้ว่า:</a:t>
+            </a:r>
+          </a:p>
+          <a:p>
+            <a:r>
+              <a:rPr lang="th-TH" dirty="0"/>
+              <a:t>ชาร์จตอนไหนคุ้ม</a:t>
+            </a:r>
+          </a:p>
+          <a:p>
+            <a:r>
+              <a:rPr lang="th-TH" dirty="0"/>
+              <a:t>ปล่อยพลังงานตอนไหนช่วยลดพีค</a:t>
+            </a:r>
+          </a:p>
+          <a:p>
+            <a:r>
+              <a:rPr lang="th-TH" dirty="0"/>
+              <a:t>หลีกเลี่ยงพฤติกรรมสิ้นเปลืองหรืออันตราย (เช่น </a:t>
+            </a:r>
+            <a:r>
+              <a:rPr lang="en-US" dirty="0"/>
+              <a:t>discharge </a:t>
+            </a:r>
+            <a:r>
+              <a:rPr lang="th-TH" dirty="0"/>
+              <a:t>ตอน</a:t>
+            </a:r>
+            <a:r>
+              <a:rPr lang="th-TH" dirty="0" err="1"/>
+              <a:t>แบต</a:t>
+            </a:r>
+            <a:r>
+              <a:rPr lang="th-TH" dirty="0"/>
+              <a:t>หมด)</a:t>
+            </a:r>
+          </a:p>
+          <a:p>
             <a:endParaRPr lang="en-US" dirty="0"/>
           </a:p>
         </p:txBody>
@@ -11533,7 +11262,7 @@
           <p:cNvPr id="4" name="Slide Number Placeholder 3">
             <a:extLst>
               <a:ext uri="{FF2B5EF4-FFF2-40B4-BE49-F238E27FC236}">
-                <a16:creationId xmlns:a16="http://schemas.microsoft.com/office/drawing/2014/main" id="{3F9CA006-5A94-E677-AC80-A060027DDC88}"/>
+                <a16:creationId xmlns:a16="http://schemas.microsoft.com/office/drawing/2014/main" id="{0D87310B-7F9B-D856-5B32-D5080EC8AAD9}"/>
               </a:ext>
             </a:extLst>
           </p:cNvPr>
@@ -11551,7 +11280,120 @@
           <a:p>
             <a:fld id="{5414CF54-80D7-41F3-B633-0CBA28EB51D2}" type="slidenum">
               <a:rPr lang="en-US" smtClean="0"/>
-              <a:t>51</a:t>
+              <a:t>5</a:t>
+            </a:fld>
+            <a:endParaRPr lang="en-US"/>
+          </a:p>
+        </p:txBody>
+      </p:sp>
+    </p:spTree>
+    <p:extLst>
+      <p:ext uri="{BB962C8B-B14F-4D97-AF65-F5344CB8AC3E}">
+        <p14:creationId xmlns:p14="http://schemas.microsoft.com/office/powerpoint/2010/main" val="850940554"/>
+      </p:ext>
+    </p:extLst>
+  </p:cSld>
+  <p:clrMapOvr>
+    <a:masterClrMapping/>
+  </p:clrMapOvr>
+</p:sld>
+</file>
+
+<file path=ppt/slides/slide50.xml><?xml version="1.0" encoding="utf-8"?>
+<p:sld xmlns:a="http://schemas.openxmlformats.org/drawingml/2006/main" xmlns:r="http://schemas.openxmlformats.org/officeDocument/2006/relationships" xmlns:p="http://schemas.openxmlformats.org/presentationml/2006/main">
+  <p:cSld>
+    <p:spTree>
+      <p:nvGrpSpPr>
+        <p:cNvPr id="1" name=""/>
+        <p:cNvGrpSpPr/>
+        <p:nvPr/>
+      </p:nvGrpSpPr>
+      <p:grpSpPr>
+        <a:xfrm>
+          <a:off x="0" y="0"/>
+          <a:ext cx="0" cy="0"/>
+          <a:chOff x="0" y="0"/>
+          <a:chExt cx="0" cy="0"/>
+        </a:xfrm>
+      </p:grpSpPr>
+      <p:sp>
+        <p:nvSpPr>
+          <p:cNvPr id="2" name="Title 1">
+            <a:extLst>
+              <a:ext uri="{FF2B5EF4-FFF2-40B4-BE49-F238E27FC236}">
+                <a16:creationId xmlns:a16="http://schemas.microsoft.com/office/drawing/2014/main" id="{7380D109-37DF-6762-5798-351AF4D1E75C}"/>
+              </a:ext>
+            </a:extLst>
+          </p:cNvPr>
+          <p:cNvSpPr>
+            <a:spLocks noGrp="1"/>
+          </p:cNvSpPr>
+          <p:nvPr>
+            <p:ph type="title"/>
+          </p:nvPr>
+        </p:nvSpPr>
+        <p:spPr/>
+        <p:txBody>
+          <a:bodyPr/>
+          <a:lstStyle/>
+          <a:p>
+            <a:endParaRPr lang="en-US"/>
+          </a:p>
+        </p:txBody>
+      </p:sp>
+      <p:sp>
+        <p:nvSpPr>
+          <p:cNvPr id="3" name="Content Placeholder 2">
+            <a:extLst>
+              <a:ext uri="{FF2B5EF4-FFF2-40B4-BE49-F238E27FC236}">
+                <a16:creationId xmlns:a16="http://schemas.microsoft.com/office/drawing/2014/main" id="{2F68A37E-B691-3F20-A070-10354A2488B8}"/>
+              </a:ext>
+            </a:extLst>
+          </p:cNvPr>
+          <p:cNvSpPr>
+            <a:spLocks noGrp="1"/>
+          </p:cNvSpPr>
+          <p:nvPr>
+            <p:ph idx="1"/>
+          </p:nvPr>
+        </p:nvSpPr>
+        <p:spPr/>
+        <p:txBody>
+          <a:bodyPr/>
+          <a:lstStyle/>
+          <a:p>
+            <a:r>
+              <a:rPr lang="th-TH" dirty="0"/>
+              <a:t>โหลดและคำนวณพลังงาน</a:t>
+            </a:r>
+            <a:endParaRPr lang="en-US" dirty="0"/>
+          </a:p>
+        </p:txBody>
+      </p:sp>
+      <p:sp>
+        <p:nvSpPr>
+          <p:cNvPr id="4" name="Slide Number Placeholder 3">
+            <a:extLst>
+              <a:ext uri="{FF2B5EF4-FFF2-40B4-BE49-F238E27FC236}">
+                <a16:creationId xmlns:a16="http://schemas.microsoft.com/office/drawing/2014/main" id="{3F9CA006-5A94-E677-AC80-A060027DDC88}"/>
+              </a:ext>
+            </a:extLst>
+          </p:cNvPr>
+          <p:cNvSpPr>
+            <a:spLocks noGrp="1"/>
+          </p:cNvSpPr>
+          <p:nvPr>
+            <p:ph type="sldNum" sz="quarter" idx="12"/>
+          </p:nvPr>
+        </p:nvSpPr>
+        <p:spPr/>
+        <p:txBody>
+          <a:bodyPr/>
+          <a:lstStyle/>
+          <a:p>
+            <a:fld id="{5414CF54-80D7-41F3-B633-0CBA28EB51D2}" type="slidenum">
+              <a:rPr lang="en-US" smtClean="0"/>
+              <a:t>50</a:t>
             </a:fld>
             <a:endParaRPr lang="en-US"/>
           </a:p>
@@ -11600,7 +11442,7 @@
 </p:sld>
 </file>
 
-<file path=ppt/slides/slide52.xml><?xml version="1.0" encoding="utf-8"?>
+<file path=ppt/slides/slide51.xml><?xml version="1.0" encoding="utf-8"?>
 <p:sld xmlns:a="http://schemas.openxmlformats.org/drawingml/2006/main" xmlns:r="http://schemas.openxmlformats.org/officeDocument/2006/relationships" xmlns:p="http://schemas.openxmlformats.org/presentationml/2006/main">
   <p:cSld>
     <p:spTree>
@@ -11742,7 +11584,7 @@
           <a:p>
             <a:fld id="{5414CF54-80D7-41F3-B633-0CBA28EB51D2}" type="slidenum">
               <a:rPr lang="en-US" smtClean="0"/>
-              <a:t>52</a:t>
+              <a:t>51</a:t>
             </a:fld>
             <a:endParaRPr lang="en-US"/>
           </a:p>
@@ -11791,7 +11633,7 @@
 </p:sld>
 </file>
 
-<file path=ppt/slides/slide53.xml><?xml version="1.0" encoding="utf-8"?>
+<file path=ppt/slides/slide52.xml><?xml version="1.0" encoding="utf-8"?>
 <p:sld xmlns:a="http://schemas.openxmlformats.org/drawingml/2006/main" xmlns:r="http://schemas.openxmlformats.org/officeDocument/2006/relationships" xmlns:p="http://schemas.openxmlformats.org/presentationml/2006/main">
   <p:cSld>
     <p:spTree>
@@ -11925,7 +11767,7 @@
           <a:p>
             <a:fld id="{5414CF54-80D7-41F3-B633-0CBA28EB51D2}" type="slidenum">
               <a:rPr lang="en-US" smtClean="0"/>
-              <a:t>53</a:t>
+              <a:t>52</a:t>
             </a:fld>
             <a:endParaRPr lang="en-US"/>
           </a:p>
@@ -11974,7 +11816,7 @@
 </p:sld>
 </file>
 
-<file path=ppt/slides/slide54.xml><?xml version="1.0" encoding="utf-8"?>
+<file path=ppt/slides/slide53.xml><?xml version="1.0" encoding="utf-8"?>
 <p:sld xmlns:a="http://schemas.openxmlformats.org/drawingml/2006/main" xmlns:r="http://schemas.openxmlformats.org/officeDocument/2006/relationships" xmlns:p="http://schemas.openxmlformats.org/presentationml/2006/main">
   <p:cSld>
     <p:spTree>
@@ -12088,7 +11930,7 @@
           <a:p>
             <a:fld id="{5414CF54-80D7-41F3-B633-0CBA28EB51D2}" type="slidenum">
               <a:rPr lang="en-US" smtClean="0"/>
-              <a:t>54</a:t>
+              <a:t>53</a:t>
             </a:fld>
             <a:endParaRPr lang="en-US"/>
           </a:p>
@@ -12137,7 +11979,7 @@
 </p:sld>
 </file>
 
-<file path=ppt/slides/slide55.xml><?xml version="1.0" encoding="utf-8"?>
+<file path=ppt/slides/slide54.xml><?xml version="1.0" encoding="utf-8"?>
 <p:sld xmlns:a="http://schemas.openxmlformats.org/drawingml/2006/main" xmlns:r="http://schemas.openxmlformats.org/officeDocument/2006/relationships" xmlns:p="http://schemas.openxmlformats.org/presentationml/2006/main">
   <p:cSld>
     <p:spTree>
@@ -12235,7 +12077,7 @@
           <a:p>
             <a:fld id="{5414CF54-80D7-41F3-B633-0CBA28EB51D2}" type="slidenum">
               <a:rPr lang="en-US" smtClean="0"/>
-              <a:t>55</a:t>
+              <a:t>54</a:t>
             </a:fld>
             <a:endParaRPr lang="en-US"/>
           </a:p>
@@ -12284,7 +12126,7 @@
 </p:sld>
 </file>
 
-<file path=ppt/slides/slide56.xml><?xml version="1.0" encoding="utf-8"?>
+<file path=ppt/slides/slide55.xml><?xml version="1.0" encoding="utf-8"?>
 <p:sld xmlns:a="http://schemas.openxmlformats.org/drawingml/2006/main" xmlns:r="http://schemas.openxmlformats.org/officeDocument/2006/relationships" xmlns:p="http://schemas.openxmlformats.org/presentationml/2006/main">
   <p:cSld>
     <p:spTree>
@@ -12398,7 +12240,7 @@
           <a:p>
             <a:fld id="{5414CF54-80D7-41F3-B633-0CBA28EB51D2}" type="slidenum">
               <a:rPr lang="en-US" smtClean="0"/>
-              <a:t>56</a:t>
+              <a:t>55</a:t>
             </a:fld>
             <a:endParaRPr lang="en-US"/>
           </a:p>
@@ -12447,6 +12289,181 @@
 </p:sld>
 </file>
 
+<file path=ppt/slides/slide56.xml><?xml version="1.0" encoding="utf-8"?>
+<p:sld xmlns:a="http://schemas.openxmlformats.org/drawingml/2006/main" xmlns:r="http://schemas.openxmlformats.org/officeDocument/2006/relationships" xmlns:p="http://schemas.openxmlformats.org/presentationml/2006/main">
+  <p:cSld>
+    <p:spTree>
+      <p:nvGrpSpPr>
+        <p:cNvPr id="1" name=""/>
+        <p:cNvGrpSpPr/>
+        <p:nvPr/>
+      </p:nvGrpSpPr>
+      <p:grpSpPr>
+        <a:xfrm>
+          <a:off x="0" y="0"/>
+          <a:ext cx="0" cy="0"/>
+          <a:chOff x="0" y="0"/>
+          <a:chExt cx="0" cy="0"/>
+        </a:xfrm>
+      </p:grpSpPr>
+      <p:sp>
+        <p:nvSpPr>
+          <p:cNvPr id="2" name="Title 1">
+            <a:extLst>
+              <a:ext uri="{FF2B5EF4-FFF2-40B4-BE49-F238E27FC236}">
+                <a16:creationId xmlns:a16="http://schemas.microsoft.com/office/drawing/2014/main" id="{52F22E69-B9C7-6DDB-D828-05072EF39979}"/>
+              </a:ext>
+            </a:extLst>
+          </p:cNvPr>
+          <p:cNvSpPr>
+            <a:spLocks noGrp="1"/>
+          </p:cNvSpPr>
+          <p:nvPr>
+            <p:ph type="title"/>
+          </p:nvPr>
+        </p:nvSpPr>
+        <p:spPr/>
+        <p:txBody>
+          <a:bodyPr/>
+          <a:lstStyle/>
+          <a:p>
+            <a:endParaRPr lang="en-US"/>
+          </a:p>
+        </p:txBody>
+      </p:sp>
+      <p:sp>
+        <p:nvSpPr>
+          <p:cNvPr id="3" name="Content Placeholder 2">
+            <a:extLst>
+              <a:ext uri="{FF2B5EF4-FFF2-40B4-BE49-F238E27FC236}">
+                <a16:creationId xmlns:a16="http://schemas.microsoft.com/office/drawing/2014/main" id="{FD69E71B-28E6-7A17-D4C9-D54DF385A6A3}"/>
+              </a:ext>
+            </a:extLst>
+          </p:cNvPr>
+          <p:cNvSpPr>
+            <a:spLocks noGrp="1"/>
+          </p:cNvSpPr>
+          <p:nvPr>
+            <p:ph idx="1"/>
+          </p:nvPr>
+        </p:nvSpPr>
+        <p:spPr/>
+        <p:txBody>
+          <a:bodyPr/>
+          <a:lstStyle/>
+          <a:p>
+            <a:r>
+              <a:rPr lang="en-US" dirty="0"/>
+              <a:t>💸 </a:t>
+            </a:r>
+            <a:r>
+              <a:rPr lang="en-US" b="1" dirty="0"/>
+              <a:t>2. Time-of-Use Tariff &amp; Load Profile</a:t>
+            </a:r>
+            <a:endParaRPr lang="th-TH" b="1" dirty="0"/>
+          </a:p>
+          <a:p>
+            <a:r>
+              <a:rPr lang="en-US" b="1" dirty="0"/>
+              <a:t>🔌 Electricity Price </a:t>
+            </a:r>
+            <a:r>
+              <a:rPr lang="th-TH" b="1" dirty="0"/>
+              <a:t>ต่อชั่วโมง (หน่วย: </a:t>
+            </a:r>
+            <a:r>
+              <a:rPr lang="en-US" b="1" dirty="0"/>
+              <a:t>THB/kWh)</a:t>
+            </a:r>
+          </a:p>
+          <a:p>
+            <a:r>
+              <a:rPr lang="th-TH" dirty="0"/>
+              <a:t>แบ่งเป็น 3 ช่วง:</a:t>
+            </a:r>
+          </a:p>
+          <a:p>
+            <a:r>
+              <a:rPr lang="en-US" b="1" dirty="0"/>
+              <a:t>Off-Peak</a:t>
+            </a:r>
+            <a:r>
+              <a:rPr lang="en-US" dirty="0"/>
+              <a:t>: 00:00–05:00 &amp; 23:00 → 2.50</a:t>
+            </a:r>
+            <a:r>
+              <a:rPr lang="th-TH" dirty="0"/>
+              <a:t> </a:t>
+            </a:r>
+            <a:endParaRPr lang="en-US" dirty="0"/>
+          </a:p>
+          <a:p>
+            <a:r>
+              <a:rPr lang="en-US" b="1" dirty="0"/>
+              <a:t>Mid-Peak</a:t>
+            </a:r>
+            <a:r>
+              <a:rPr lang="en-US" dirty="0"/>
+              <a:t>: 06:00–11:00 &amp; 18:00–22:00 → 3.00 </a:t>
+            </a:r>
+          </a:p>
+          <a:p>
+            <a:r>
+              <a:rPr lang="en-US" b="1" dirty="0"/>
+              <a:t>On-Peak</a:t>
+            </a:r>
+            <a:r>
+              <a:rPr lang="en-US" dirty="0"/>
+              <a:t>: 12:00–17:00 → 4.00</a:t>
+            </a:r>
+          </a:p>
+          <a:p>
+            <a:endParaRPr lang="en-US" dirty="0"/>
+          </a:p>
+        </p:txBody>
+      </p:sp>
+      <p:sp>
+        <p:nvSpPr>
+          <p:cNvPr id="4" name="Slide Number Placeholder 3">
+            <a:extLst>
+              <a:ext uri="{FF2B5EF4-FFF2-40B4-BE49-F238E27FC236}">
+                <a16:creationId xmlns:a16="http://schemas.microsoft.com/office/drawing/2014/main" id="{F59E4EEB-D9D2-7ED2-67F5-171363B01567}"/>
+              </a:ext>
+            </a:extLst>
+          </p:cNvPr>
+          <p:cNvSpPr>
+            <a:spLocks noGrp="1"/>
+          </p:cNvSpPr>
+          <p:nvPr>
+            <p:ph type="sldNum" sz="quarter" idx="12"/>
+          </p:nvPr>
+        </p:nvSpPr>
+        <p:spPr/>
+        <p:txBody>
+          <a:bodyPr/>
+          <a:lstStyle/>
+          <a:p>
+            <a:fld id="{5414CF54-80D7-41F3-B633-0CBA28EB51D2}" type="slidenum">
+              <a:rPr lang="en-US" smtClean="0"/>
+              <a:t>56</a:t>
+            </a:fld>
+            <a:endParaRPr lang="en-US"/>
+          </a:p>
+        </p:txBody>
+      </p:sp>
+    </p:spTree>
+    <p:extLst>
+      <p:ext uri="{BB962C8B-B14F-4D97-AF65-F5344CB8AC3E}">
+        <p14:creationId xmlns:p14="http://schemas.microsoft.com/office/powerpoint/2010/main" val="575061489"/>
+      </p:ext>
+    </p:extLst>
+  </p:cSld>
+  <p:clrMapOvr>
+    <a:masterClrMapping/>
+  </p:clrMapOvr>
+</p:sld>
+</file>
+
 <file path=ppt/slides/slide57.xml><?xml version="1.0" encoding="utf-8"?>
 <p:sld xmlns:a="http://schemas.openxmlformats.org/drawingml/2006/main" xmlns:r="http://schemas.openxmlformats.org/officeDocument/2006/relationships" xmlns:p="http://schemas.openxmlformats.org/presentationml/2006/main">
   <p:cSld>
@@ -12469,7 +12486,7 @@
           <p:cNvPr id="2" name="Title 1">
             <a:extLst>
               <a:ext uri="{FF2B5EF4-FFF2-40B4-BE49-F238E27FC236}">
-                <a16:creationId xmlns:a16="http://schemas.microsoft.com/office/drawing/2014/main" id="{52F22E69-B9C7-6DDB-D828-05072EF39979}"/>
+                <a16:creationId xmlns:a16="http://schemas.microsoft.com/office/drawing/2014/main" id="{0DAA1377-7CB1-9CDC-1C74-13E43527CD48}"/>
               </a:ext>
             </a:extLst>
           </p:cNvPr>
@@ -12494,7 +12511,7 @@
           <p:cNvPr id="3" name="Content Placeholder 2">
             <a:extLst>
               <a:ext uri="{FF2B5EF4-FFF2-40B4-BE49-F238E27FC236}">
-                <a16:creationId xmlns:a16="http://schemas.microsoft.com/office/drawing/2014/main" id="{FD69E71B-28E6-7A17-D4C9-D54DF385A6A3}"/>
+                <a16:creationId xmlns:a16="http://schemas.microsoft.com/office/drawing/2014/main" id="{08EE38C2-6133-23C8-8B4F-32B1251F422E}"/>
               </a:ext>
             </a:extLst>
           </p:cNvPr>
@@ -12511,19 +12528,16 @@
           <a:lstStyle/>
           <a:p>
             <a:r>
-              <a:rPr lang="en-US" dirty="0"/>
-              <a:t>💸 </a:t>
-            </a:r>
-            <a:r>
               <a:rPr lang="en-US" b="1" dirty="0"/>
-              <a:t>2. Time-of-Use Tariff &amp; Load Profile</a:t>
-            </a:r>
-            <a:endParaRPr lang="th-TH" b="1" dirty="0"/>
-          </a:p>
-          <a:p>
+              <a:t>🔋 </a:t>
+            </a:r>
+            <a:r>
+              <a:rPr lang="th-TH" b="1" dirty="0"/>
+              <a:t>โหลดผู้ใช้ (</a:t>
+            </a:r>
             <a:r>
               <a:rPr lang="en-US" b="1" dirty="0"/>
-              <a:t>🔌 Electricity Price </a:t>
+              <a:t>User Load) </a:t>
             </a:r>
             <a:r>
               <a:rPr lang="th-TH" b="1" dirty="0"/>
@@ -12531,53 +12545,22 @@
             </a:r>
             <a:r>
               <a:rPr lang="en-US" b="1" dirty="0"/>
-              <a:t>THB/kWh)</a:t>
-            </a:r>
-          </a:p>
-          <a:p>
-            <a:r>
-              <a:rPr lang="th-TH" dirty="0"/>
-              <a:t>แบ่งเป็น 3 ช่วง:</a:t>
-            </a:r>
-          </a:p>
-          <a:p>
-            <a:r>
-              <a:rPr lang="en-US" b="1" dirty="0"/>
-              <a:t>Off-Peak</a:t>
-            </a:r>
-            <a:r>
-              <a:rPr lang="en-US" dirty="0"/>
-              <a:t>: 00:00–05:00 &amp; 23:00 → 2.50</a:t>
-            </a:r>
-            <a:r>
-              <a:rPr lang="th-TH" dirty="0"/>
-              <a:t> </a:t>
-            </a:r>
+              <a:t>kW)</a:t>
+            </a:r>
+          </a:p>
+          <a:p>
+            <a:r>
+              <a:rPr lang="th-TH" dirty="0"/>
+              <a:t>โหลดสูงสุดที่ประมาณ 14:00–17:00 (สูงถึง 9.0 </a:t>
+            </a:r>
+            <a:r>
+              <a:rPr lang="en-US" dirty="0"/>
+              <a:t>kW)</a:t>
+            </a:r>
+          </a:p>
+          <a:p>
             <a:endParaRPr lang="en-US" dirty="0"/>
           </a:p>
-          <a:p>
-            <a:r>
-              <a:rPr lang="en-US" b="1" dirty="0"/>
-              <a:t>Mid-Peak</a:t>
-            </a:r>
-            <a:r>
-              <a:rPr lang="en-US" dirty="0"/>
-              <a:t>: 06:00–11:00 &amp; 18:00–22:00 → 3.00 </a:t>
-            </a:r>
-          </a:p>
-          <a:p>
-            <a:r>
-              <a:rPr lang="en-US" b="1" dirty="0"/>
-              <a:t>On-Peak</a:t>
-            </a:r>
-            <a:r>
-              <a:rPr lang="en-US" dirty="0"/>
-              <a:t>: 12:00–17:00 → 4.00</a:t>
-            </a:r>
-          </a:p>
-          <a:p>
-            <a:endParaRPr lang="en-US" dirty="0"/>
-          </a:p>
         </p:txBody>
       </p:sp>
       <p:sp>
@@ -12585,7 +12568,7 @@
           <p:cNvPr id="4" name="Slide Number Placeholder 3">
             <a:extLst>
               <a:ext uri="{FF2B5EF4-FFF2-40B4-BE49-F238E27FC236}">
-                <a16:creationId xmlns:a16="http://schemas.microsoft.com/office/drawing/2014/main" id="{F59E4EEB-D9D2-7ED2-67F5-171363B01567}"/>
+                <a16:creationId xmlns:a16="http://schemas.microsoft.com/office/drawing/2014/main" id="{ED9B1D8B-91A8-4964-361C-C5BD1DF9B874}"/>
               </a:ext>
             </a:extLst>
           </p:cNvPr>
@@ -12604,147 +12587,6 @@
             <a:fld id="{5414CF54-80D7-41F3-B633-0CBA28EB51D2}" type="slidenum">
               <a:rPr lang="en-US" smtClean="0"/>
               <a:t>57</a:t>
-            </a:fld>
-            <a:endParaRPr lang="en-US"/>
-          </a:p>
-        </p:txBody>
-      </p:sp>
-    </p:spTree>
-    <p:extLst>
-      <p:ext uri="{BB962C8B-B14F-4D97-AF65-F5344CB8AC3E}">
-        <p14:creationId xmlns:p14="http://schemas.microsoft.com/office/powerpoint/2010/main" val="575061489"/>
-      </p:ext>
-    </p:extLst>
-  </p:cSld>
-  <p:clrMapOvr>
-    <a:masterClrMapping/>
-  </p:clrMapOvr>
-</p:sld>
-</file>
-
-<file path=ppt/slides/slide58.xml><?xml version="1.0" encoding="utf-8"?>
-<p:sld xmlns:a="http://schemas.openxmlformats.org/drawingml/2006/main" xmlns:r="http://schemas.openxmlformats.org/officeDocument/2006/relationships" xmlns:p="http://schemas.openxmlformats.org/presentationml/2006/main">
-  <p:cSld>
-    <p:spTree>
-      <p:nvGrpSpPr>
-        <p:cNvPr id="1" name=""/>
-        <p:cNvGrpSpPr/>
-        <p:nvPr/>
-      </p:nvGrpSpPr>
-      <p:grpSpPr>
-        <a:xfrm>
-          <a:off x="0" y="0"/>
-          <a:ext cx="0" cy="0"/>
-          <a:chOff x="0" y="0"/>
-          <a:chExt cx="0" cy="0"/>
-        </a:xfrm>
-      </p:grpSpPr>
-      <p:sp>
-        <p:nvSpPr>
-          <p:cNvPr id="2" name="Title 1">
-            <a:extLst>
-              <a:ext uri="{FF2B5EF4-FFF2-40B4-BE49-F238E27FC236}">
-                <a16:creationId xmlns:a16="http://schemas.microsoft.com/office/drawing/2014/main" id="{0DAA1377-7CB1-9CDC-1C74-13E43527CD48}"/>
-              </a:ext>
-            </a:extLst>
-          </p:cNvPr>
-          <p:cNvSpPr>
-            <a:spLocks noGrp="1"/>
-          </p:cNvSpPr>
-          <p:nvPr>
-            <p:ph type="title"/>
-          </p:nvPr>
-        </p:nvSpPr>
-        <p:spPr/>
-        <p:txBody>
-          <a:bodyPr/>
-          <a:lstStyle/>
-          <a:p>
-            <a:endParaRPr lang="en-US"/>
-          </a:p>
-        </p:txBody>
-      </p:sp>
-      <p:sp>
-        <p:nvSpPr>
-          <p:cNvPr id="3" name="Content Placeholder 2">
-            <a:extLst>
-              <a:ext uri="{FF2B5EF4-FFF2-40B4-BE49-F238E27FC236}">
-                <a16:creationId xmlns:a16="http://schemas.microsoft.com/office/drawing/2014/main" id="{08EE38C2-6133-23C8-8B4F-32B1251F422E}"/>
-              </a:ext>
-            </a:extLst>
-          </p:cNvPr>
-          <p:cNvSpPr>
-            <a:spLocks noGrp="1"/>
-          </p:cNvSpPr>
-          <p:nvPr>
-            <p:ph idx="1"/>
-          </p:nvPr>
-        </p:nvSpPr>
-        <p:spPr/>
-        <p:txBody>
-          <a:bodyPr/>
-          <a:lstStyle/>
-          <a:p>
-            <a:r>
-              <a:rPr lang="en-US" b="1" dirty="0"/>
-              <a:t>🔋 </a:t>
-            </a:r>
-            <a:r>
-              <a:rPr lang="th-TH" b="1" dirty="0"/>
-              <a:t>โหลดผู้ใช้ (</a:t>
-            </a:r>
-            <a:r>
-              <a:rPr lang="en-US" b="1" dirty="0"/>
-              <a:t>User Load) </a:t>
-            </a:r>
-            <a:r>
-              <a:rPr lang="th-TH" b="1" dirty="0"/>
-              <a:t>ต่อชั่วโมง (หน่วย: </a:t>
-            </a:r>
-            <a:r>
-              <a:rPr lang="en-US" b="1" dirty="0"/>
-              <a:t>kW)</a:t>
-            </a:r>
-          </a:p>
-          <a:p>
-            <a:r>
-              <a:rPr lang="th-TH" dirty="0"/>
-              <a:t>โหลดสูงสุดที่ประมาณ 14:00–17:00 (สูงถึง 9.0 </a:t>
-            </a:r>
-            <a:r>
-              <a:rPr lang="en-US" dirty="0"/>
-              <a:t>kW)</a:t>
-            </a:r>
-          </a:p>
-          <a:p>
-            <a:endParaRPr lang="en-US" dirty="0"/>
-          </a:p>
-        </p:txBody>
-      </p:sp>
-      <p:sp>
-        <p:nvSpPr>
-          <p:cNvPr id="4" name="Slide Number Placeholder 3">
-            <a:extLst>
-              <a:ext uri="{FF2B5EF4-FFF2-40B4-BE49-F238E27FC236}">
-                <a16:creationId xmlns:a16="http://schemas.microsoft.com/office/drawing/2014/main" id="{ED9B1D8B-91A8-4964-361C-C5BD1DF9B874}"/>
-              </a:ext>
-            </a:extLst>
-          </p:cNvPr>
-          <p:cNvSpPr>
-            <a:spLocks noGrp="1"/>
-          </p:cNvSpPr>
-          <p:nvPr>
-            <p:ph type="sldNum" sz="quarter" idx="12"/>
-          </p:nvPr>
-        </p:nvSpPr>
-        <p:spPr/>
-        <p:txBody>
-          <a:bodyPr/>
-          <a:lstStyle/>
-          <a:p>
-            <a:fld id="{5414CF54-80D7-41F3-B633-0CBA28EB51D2}" type="slidenum">
-              <a:rPr lang="en-US" smtClean="0"/>
-              <a:t>58</a:t>
             </a:fld>
             <a:endParaRPr lang="en-US"/>
           </a:p>
@@ -12793,7 +12635,7 @@
 </p:sld>
 </file>
 
-<file path=ppt/slides/slide59.xml><?xml version="1.0" encoding="utf-8"?>
+<file path=ppt/slides/slide58.xml><?xml version="1.0" encoding="utf-8"?>
 <p:sld xmlns:a="http://schemas.openxmlformats.org/drawingml/2006/main" xmlns:r="http://schemas.openxmlformats.org/officeDocument/2006/relationships" xmlns:p="http://schemas.openxmlformats.org/presentationml/2006/main">
   <p:cSld>
     <p:spTree>
@@ -12895,7 +12737,7 @@
           <a:p>
             <a:fld id="{5414CF54-80D7-41F3-B633-0CBA28EB51D2}" type="slidenum">
               <a:rPr lang="en-US" smtClean="0"/>
-              <a:t>59</a:t>
+              <a:t>58</a:t>
             </a:fld>
             <a:endParaRPr lang="en-US"/>
           </a:p>
@@ -12944,7 +12786,7 @@
 </p:sld>
 </file>
 
-<file path=ppt/slides/slide6.xml><?xml version="1.0" encoding="utf-8"?>
+<file path=ppt/slides/slide59.xml><?xml version="1.0" encoding="utf-8"?>
 <p:sld xmlns:a="http://schemas.openxmlformats.org/drawingml/2006/main" xmlns:r="http://schemas.openxmlformats.org/officeDocument/2006/relationships" xmlns:p="http://schemas.openxmlformats.org/presentationml/2006/main">
   <p:cSld>
     <p:spTree>
@@ -12966,7 +12808,7 @@
           <p:cNvPr id="2" name="Title 1">
             <a:extLst>
               <a:ext uri="{FF2B5EF4-FFF2-40B4-BE49-F238E27FC236}">
-                <a16:creationId xmlns:a16="http://schemas.microsoft.com/office/drawing/2014/main" id="{C030ED94-3D93-67CE-32E2-2FB6882286AE}"/>
+                <a16:creationId xmlns:a16="http://schemas.microsoft.com/office/drawing/2014/main" id="{7E766BF5-384B-CCA9-7CC9-762C84F45516}"/>
               </a:ext>
             </a:extLst>
           </p:cNvPr>
@@ -12982,18 +12824,7 @@
           <a:bodyPr/>
           <a:lstStyle/>
           <a:p>
-            <a:r>
-              <a:rPr lang="en-US" dirty="0"/>
-              <a:t>🧠</a:t>
-            </a:r>
-            <a:r>
-              <a:rPr lang="th-TH" dirty="0"/>
-              <a:t>ส่วนที่ 3: </a:t>
-            </a:r>
-            <a:r>
-              <a:rPr lang="en-US" dirty="0"/>
-              <a:t>Q-learning</a:t>
-            </a:r>
+            <a:endParaRPr lang="en-US"/>
           </a:p>
         </p:txBody>
       </p:sp>
@@ -13002,7 +12833,7 @@
           <p:cNvPr id="3" name="Content Placeholder 2">
             <a:extLst>
               <a:ext uri="{FF2B5EF4-FFF2-40B4-BE49-F238E27FC236}">
-                <a16:creationId xmlns:a16="http://schemas.microsoft.com/office/drawing/2014/main" id="{19A6EC95-EEC4-9447-26EC-AE466E5F7104}"/>
+                <a16:creationId xmlns:a16="http://schemas.microsoft.com/office/drawing/2014/main" id="{9B138EF5-6D4F-6567-0065-348A9030C372}"/>
               </a:ext>
             </a:extLst>
           </p:cNvPr>
@@ -13019,55 +12850,13 @@
           <a:lstStyle/>
           <a:p>
             <a:r>
+              <a:rPr lang="en-US" dirty="0"/>
+              <a:t>🧮 </a:t>
+            </a:r>
+            <a:r>
               <a:rPr lang="en-US" b="1" dirty="0"/>
-              <a:t>🎯 </a:t>
-            </a:r>
-            <a:r>
-              <a:rPr lang="th-TH" b="1" dirty="0"/>
-              <a:t>เป้าหมาย:</a:t>
-            </a:r>
-          </a:p>
-          <a:p>
-            <a:r>
-              <a:rPr lang="th-TH" dirty="0"/>
-              <a:t>เพื่อให้แบตเตอรี่เรียนรู้ว่า:</a:t>
-            </a:r>
-          </a:p>
-          <a:p>
-            <a:r>
-              <a:rPr lang="th-TH" dirty="0"/>
-              <a:t>ชาร์จตอนไหนคุ้ม</a:t>
-            </a:r>
-          </a:p>
-          <a:p>
-            <a:r>
-              <a:rPr lang="th-TH" dirty="0"/>
-              <a:t>ปล่อยพลังงานตอนไหนช่วยลดพีค</a:t>
-            </a:r>
-          </a:p>
-          <a:p>
-            <a:r>
-              <a:rPr lang="th-TH" dirty="0"/>
-              <a:t>หลีกเลี่ยงพฤติกรรมสิ้นเปลืองหรืออันตราย (เช่น </a:t>
-            </a:r>
-            <a:r>
-              <a:rPr lang="en-US" dirty="0"/>
-              <a:t>discharge </a:t>
-            </a:r>
-            <a:r>
-              <a:rPr lang="th-TH" dirty="0"/>
-              <a:t>ตอน</a:t>
-            </a:r>
-            <a:r>
-              <a:rPr lang="th-TH" dirty="0" err="1"/>
-              <a:t>แบต</a:t>
-            </a:r>
-            <a:r>
-              <a:rPr lang="th-TH" dirty="0"/>
-              <a:t>หมด)</a:t>
-            </a:r>
-          </a:p>
-          <a:p>
+              <a:t>4. Q-learning Hyperparameters</a:t>
+            </a:r>
             <a:endParaRPr lang="en-US" dirty="0"/>
           </a:p>
         </p:txBody>
@@ -13077,7 +12866,7 @@
           <p:cNvPr id="4" name="Slide Number Placeholder 3">
             <a:extLst>
               <a:ext uri="{FF2B5EF4-FFF2-40B4-BE49-F238E27FC236}">
-                <a16:creationId xmlns:a16="http://schemas.microsoft.com/office/drawing/2014/main" id="{0D87310B-7F9B-D856-5B32-D5080EC8AAD9}"/>
+                <a16:creationId xmlns:a16="http://schemas.microsoft.com/office/drawing/2014/main" id="{277D44E5-9758-BDEF-2E34-E5E20941E135}"/>
               </a:ext>
             </a:extLst>
           </p:cNvPr>
@@ -13095,124 +12884,7 @@
           <a:p>
             <a:fld id="{5414CF54-80D7-41F3-B633-0CBA28EB51D2}" type="slidenum">
               <a:rPr lang="en-US" smtClean="0"/>
-              <a:t>6</a:t>
-            </a:fld>
-            <a:endParaRPr lang="en-US"/>
-          </a:p>
-        </p:txBody>
-      </p:sp>
-    </p:spTree>
-    <p:extLst>
-      <p:ext uri="{BB962C8B-B14F-4D97-AF65-F5344CB8AC3E}">
-        <p14:creationId xmlns:p14="http://schemas.microsoft.com/office/powerpoint/2010/main" val="850940554"/>
-      </p:ext>
-    </p:extLst>
-  </p:cSld>
-  <p:clrMapOvr>
-    <a:masterClrMapping/>
-  </p:clrMapOvr>
-</p:sld>
-</file>
-
-<file path=ppt/slides/slide60.xml><?xml version="1.0" encoding="utf-8"?>
-<p:sld xmlns:a="http://schemas.openxmlformats.org/drawingml/2006/main" xmlns:r="http://schemas.openxmlformats.org/officeDocument/2006/relationships" xmlns:p="http://schemas.openxmlformats.org/presentationml/2006/main">
-  <p:cSld>
-    <p:spTree>
-      <p:nvGrpSpPr>
-        <p:cNvPr id="1" name=""/>
-        <p:cNvGrpSpPr/>
-        <p:nvPr/>
-      </p:nvGrpSpPr>
-      <p:grpSpPr>
-        <a:xfrm>
-          <a:off x="0" y="0"/>
-          <a:ext cx="0" cy="0"/>
-          <a:chOff x="0" y="0"/>
-          <a:chExt cx="0" cy="0"/>
-        </a:xfrm>
-      </p:grpSpPr>
-      <p:sp>
-        <p:nvSpPr>
-          <p:cNvPr id="2" name="Title 1">
-            <a:extLst>
-              <a:ext uri="{FF2B5EF4-FFF2-40B4-BE49-F238E27FC236}">
-                <a16:creationId xmlns:a16="http://schemas.microsoft.com/office/drawing/2014/main" id="{7E766BF5-384B-CCA9-7CC9-762C84F45516}"/>
-              </a:ext>
-            </a:extLst>
-          </p:cNvPr>
-          <p:cNvSpPr>
-            <a:spLocks noGrp="1"/>
-          </p:cNvSpPr>
-          <p:nvPr>
-            <p:ph type="title"/>
-          </p:nvPr>
-        </p:nvSpPr>
-        <p:spPr/>
-        <p:txBody>
-          <a:bodyPr/>
-          <a:lstStyle/>
-          <a:p>
-            <a:endParaRPr lang="en-US"/>
-          </a:p>
-        </p:txBody>
-      </p:sp>
-      <p:sp>
-        <p:nvSpPr>
-          <p:cNvPr id="3" name="Content Placeholder 2">
-            <a:extLst>
-              <a:ext uri="{FF2B5EF4-FFF2-40B4-BE49-F238E27FC236}">
-                <a16:creationId xmlns:a16="http://schemas.microsoft.com/office/drawing/2014/main" id="{9B138EF5-6D4F-6567-0065-348A9030C372}"/>
-              </a:ext>
-            </a:extLst>
-          </p:cNvPr>
-          <p:cNvSpPr>
-            <a:spLocks noGrp="1"/>
-          </p:cNvSpPr>
-          <p:nvPr>
-            <p:ph idx="1"/>
-          </p:nvPr>
-        </p:nvSpPr>
-        <p:spPr/>
-        <p:txBody>
-          <a:bodyPr/>
-          <a:lstStyle/>
-          <a:p>
-            <a:r>
-              <a:rPr lang="en-US" dirty="0"/>
-              <a:t>🧮 </a:t>
-            </a:r>
-            <a:r>
-              <a:rPr lang="en-US" b="1" dirty="0"/>
-              <a:t>4. Q-learning Hyperparameters</a:t>
-            </a:r>
-            <a:endParaRPr lang="en-US" dirty="0"/>
-          </a:p>
-        </p:txBody>
-      </p:sp>
-      <p:sp>
-        <p:nvSpPr>
-          <p:cNvPr id="4" name="Slide Number Placeholder 3">
-            <a:extLst>
-              <a:ext uri="{FF2B5EF4-FFF2-40B4-BE49-F238E27FC236}">
-                <a16:creationId xmlns:a16="http://schemas.microsoft.com/office/drawing/2014/main" id="{277D44E5-9758-BDEF-2E34-E5E20941E135}"/>
-              </a:ext>
-            </a:extLst>
-          </p:cNvPr>
-          <p:cNvSpPr>
-            <a:spLocks noGrp="1"/>
-          </p:cNvSpPr>
-          <p:nvPr>
-            <p:ph type="sldNum" sz="quarter" idx="12"/>
-          </p:nvPr>
-        </p:nvSpPr>
-        <p:spPr/>
-        <p:txBody>
-          <a:bodyPr/>
-          <a:lstStyle/>
-          <a:p>
-            <a:fld id="{5414CF54-80D7-41F3-B633-0CBA28EB51D2}" type="slidenum">
-              <a:rPr lang="en-US" smtClean="0"/>
-              <a:t>60</a:t>
+              <a:t>59</a:t>
             </a:fld>
             <a:endParaRPr lang="en-US"/>
           </a:p>
@@ -13261,6 +12933,373 @@
 </p:sld>
 </file>
 
+<file path=ppt/slides/slide6.xml><?xml version="1.0" encoding="utf-8"?>
+<p:sld xmlns:a="http://schemas.openxmlformats.org/drawingml/2006/main" xmlns:r="http://schemas.openxmlformats.org/officeDocument/2006/relationships" xmlns:p="http://schemas.openxmlformats.org/presentationml/2006/main">
+  <p:cSld>
+    <p:spTree>
+      <p:nvGrpSpPr>
+        <p:cNvPr id="1" name=""/>
+        <p:cNvGrpSpPr/>
+        <p:nvPr/>
+      </p:nvGrpSpPr>
+      <p:grpSpPr>
+        <a:xfrm>
+          <a:off x="0" y="0"/>
+          <a:ext cx="0" cy="0"/>
+          <a:chOff x="0" y="0"/>
+          <a:chExt cx="0" cy="0"/>
+        </a:xfrm>
+      </p:grpSpPr>
+      <p:sp>
+        <p:nvSpPr>
+          <p:cNvPr id="2" name="Title 1">
+            <a:extLst>
+              <a:ext uri="{FF2B5EF4-FFF2-40B4-BE49-F238E27FC236}">
+                <a16:creationId xmlns:a16="http://schemas.microsoft.com/office/drawing/2014/main" id="{DFEAF1A8-8211-A0D8-11C7-2334D4BCC228}"/>
+              </a:ext>
+            </a:extLst>
+          </p:cNvPr>
+          <p:cNvSpPr>
+            <a:spLocks noGrp="1"/>
+          </p:cNvSpPr>
+          <p:nvPr>
+            <p:ph type="title"/>
+          </p:nvPr>
+        </p:nvSpPr>
+        <p:spPr/>
+        <p:txBody>
+          <a:bodyPr/>
+          <a:lstStyle/>
+          <a:p>
+            <a:r>
+              <a:rPr lang="en-US" dirty="0"/>
+              <a:t>💡 </a:t>
+            </a:r>
+            <a:r>
+              <a:rPr lang="th-TH" dirty="0"/>
+              <a:t>หลักการคำนวณรางวัลในโค้ด</a:t>
+            </a:r>
+            <a:endParaRPr lang="en-US" dirty="0"/>
+          </a:p>
+        </p:txBody>
+      </p:sp>
+      <p:sp>
+        <p:nvSpPr>
+          <p:cNvPr id="3" name="Content Placeholder 2">
+            <a:extLst>
+              <a:ext uri="{FF2B5EF4-FFF2-40B4-BE49-F238E27FC236}">
+                <a16:creationId xmlns:a16="http://schemas.microsoft.com/office/drawing/2014/main" id="{41897198-8E8D-43B8-3099-4C6355B18770}"/>
+              </a:ext>
+            </a:extLst>
+          </p:cNvPr>
+          <p:cNvSpPr>
+            <a:spLocks noGrp="1"/>
+          </p:cNvSpPr>
+          <p:nvPr>
+            <p:ph idx="1"/>
+          </p:nvPr>
+        </p:nvSpPr>
+        <p:spPr/>
+        <p:txBody>
+          <a:bodyPr/>
+          <a:lstStyle/>
+          <a:p>
+            <a:r>
+              <a:rPr lang="th-TH" dirty="0"/>
+              <a:t>รางวัลรวม =(- ค่าพลังงานที่ดึงจากกร</a:t>
+            </a:r>
+            <a:r>
+              <a:rPr lang="th-TH" dirty="0" err="1"/>
+              <a:t>ิด</a:t>
+            </a:r>
+            <a:r>
+              <a:rPr lang="th-TH" dirty="0"/>
+              <a:t>)</a:t>
+            </a:r>
+          </a:p>
+          <a:p>
+            <a:r>
+              <a:rPr lang="th-TH" dirty="0"/>
+              <a:t>ได้โบนัสหากลดโหลดพีคได้</a:t>
+            </a:r>
+          </a:p>
+          <a:p>
+            <a:r>
+              <a:rPr lang="th-TH" dirty="0"/>
+              <a:t>ค่าปรับ (</a:t>
+            </a:r>
+            <a:r>
+              <a:rPr lang="en-US" dirty="0"/>
+              <a:t>penalty) </a:t>
+            </a:r>
+            <a:r>
+              <a:rPr lang="th-TH" dirty="0"/>
+              <a:t>ถ้าทำผิด เช่น </a:t>
+            </a:r>
+            <a:r>
+              <a:rPr lang="en-US" dirty="0"/>
+              <a:t>charge </a:t>
+            </a:r>
+            <a:r>
+              <a:rPr lang="th-TH" dirty="0"/>
+              <a:t>ตอนแพง</a:t>
+            </a:r>
+            <a:endParaRPr lang="en-US" dirty="0"/>
+          </a:p>
+        </p:txBody>
+      </p:sp>
+      <p:sp>
+        <p:nvSpPr>
+          <p:cNvPr id="4" name="Slide Number Placeholder 3">
+            <a:extLst>
+              <a:ext uri="{FF2B5EF4-FFF2-40B4-BE49-F238E27FC236}">
+                <a16:creationId xmlns:a16="http://schemas.microsoft.com/office/drawing/2014/main" id="{3F4ECEA3-2725-CDEF-62CA-1E6C44A1C8BE}"/>
+              </a:ext>
+            </a:extLst>
+          </p:cNvPr>
+          <p:cNvSpPr>
+            <a:spLocks noGrp="1"/>
+          </p:cNvSpPr>
+          <p:nvPr>
+            <p:ph type="sldNum" sz="quarter" idx="12"/>
+          </p:nvPr>
+        </p:nvSpPr>
+        <p:spPr/>
+        <p:txBody>
+          <a:bodyPr/>
+          <a:lstStyle/>
+          <a:p>
+            <a:fld id="{5414CF54-80D7-41F3-B633-0CBA28EB51D2}" type="slidenum">
+              <a:rPr lang="en-US" smtClean="0"/>
+              <a:t>6</a:t>
+            </a:fld>
+            <a:endParaRPr lang="en-US"/>
+          </a:p>
+        </p:txBody>
+      </p:sp>
+      <p:pic>
+        <p:nvPicPr>
+          <p:cNvPr id="6" name="Picture 5">
+            <a:extLst>
+              <a:ext uri="{FF2B5EF4-FFF2-40B4-BE49-F238E27FC236}">
+                <a16:creationId xmlns:a16="http://schemas.microsoft.com/office/drawing/2014/main" id="{32DA5EDE-1EAD-B052-2595-A28C8E34CBB9}"/>
+              </a:ext>
+            </a:extLst>
+          </p:cNvPr>
+          <p:cNvPicPr>
+            <a:picLocks noChangeAspect="1"/>
+          </p:cNvPicPr>
+          <p:nvPr/>
+        </p:nvPicPr>
+        <p:blipFill>
+          <a:blip r:embed="rId2"/>
+          <a:stretch>
+            <a:fillRect/>
+          </a:stretch>
+        </p:blipFill>
+        <p:spPr>
+          <a:xfrm>
+            <a:off x="742653" y="4594864"/>
+            <a:ext cx="10926700" cy="762106"/>
+          </a:xfrm>
+          <a:prstGeom prst="rect">
+            <a:avLst/>
+          </a:prstGeom>
+        </p:spPr>
+      </p:pic>
+    </p:spTree>
+    <p:extLst>
+      <p:ext uri="{BB962C8B-B14F-4D97-AF65-F5344CB8AC3E}">
+        <p14:creationId xmlns:p14="http://schemas.microsoft.com/office/powerpoint/2010/main" val="3479536059"/>
+      </p:ext>
+    </p:extLst>
+  </p:cSld>
+  <p:clrMapOvr>
+    <a:masterClrMapping/>
+  </p:clrMapOvr>
+</p:sld>
+</file>
+
+<file path=ppt/slides/slide60.xml><?xml version="1.0" encoding="utf-8"?>
+<p:sld xmlns:a="http://schemas.openxmlformats.org/drawingml/2006/main" xmlns:r="http://schemas.openxmlformats.org/officeDocument/2006/relationships" xmlns:p="http://schemas.openxmlformats.org/presentationml/2006/main">
+  <p:cSld>
+    <p:spTree>
+      <p:nvGrpSpPr>
+        <p:cNvPr id="1" name=""/>
+        <p:cNvGrpSpPr/>
+        <p:nvPr/>
+      </p:nvGrpSpPr>
+      <p:grpSpPr>
+        <a:xfrm>
+          <a:off x="0" y="0"/>
+          <a:ext cx="0" cy="0"/>
+          <a:chOff x="0" y="0"/>
+          <a:chExt cx="0" cy="0"/>
+        </a:xfrm>
+      </p:grpSpPr>
+      <p:sp>
+        <p:nvSpPr>
+          <p:cNvPr id="2" name="Title 1">
+            <a:extLst>
+              <a:ext uri="{FF2B5EF4-FFF2-40B4-BE49-F238E27FC236}">
+                <a16:creationId xmlns:a16="http://schemas.microsoft.com/office/drawing/2014/main" id="{FC1CE76D-5B8A-52EB-8D44-FF4F91BF2235}"/>
+              </a:ext>
+            </a:extLst>
+          </p:cNvPr>
+          <p:cNvSpPr>
+            <a:spLocks noGrp="1"/>
+          </p:cNvSpPr>
+          <p:nvPr>
+            <p:ph type="title"/>
+          </p:nvPr>
+        </p:nvSpPr>
+        <p:spPr/>
+        <p:txBody>
+          <a:bodyPr/>
+          <a:lstStyle/>
+          <a:p>
+            <a:endParaRPr lang="en-US"/>
+          </a:p>
+        </p:txBody>
+      </p:sp>
+      <p:sp>
+        <p:nvSpPr>
+          <p:cNvPr id="3" name="Content Placeholder 2">
+            <a:extLst>
+              <a:ext uri="{FF2B5EF4-FFF2-40B4-BE49-F238E27FC236}">
+                <a16:creationId xmlns:a16="http://schemas.microsoft.com/office/drawing/2014/main" id="{C341164D-A522-534D-3B3C-41582964B2E0}"/>
+              </a:ext>
+            </a:extLst>
+          </p:cNvPr>
+          <p:cNvSpPr>
+            <a:spLocks noGrp="1"/>
+          </p:cNvSpPr>
+          <p:nvPr>
+            <p:ph idx="1"/>
+          </p:nvPr>
+        </p:nvSpPr>
+        <p:spPr/>
+        <p:txBody>
+          <a:bodyPr/>
+          <a:lstStyle/>
+          <a:p>
+            <a:r>
+              <a:rPr lang="en-US" dirty="0"/>
+              <a:t>🧠 5. </a:t>
+            </a:r>
+            <a:r>
+              <a:rPr lang="th-TH" dirty="0"/>
+              <a:t>โครงสร้าง </a:t>
+            </a:r>
+            <a:r>
+              <a:rPr lang="en-US" dirty="0"/>
+              <a:t>Q-table</a:t>
+            </a:r>
+          </a:p>
+          <a:p>
+            <a:endParaRPr lang="th-TH" dirty="0"/>
+          </a:p>
+          <a:p>
+            <a:r>
+              <a:rPr lang="th-TH" dirty="0"/>
+              <a:t>ขนาด </a:t>
+            </a:r>
+            <a:r>
+              <a:rPr lang="en-US" dirty="0"/>
+              <a:t>Q[hour, </a:t>
+            </a:r>
+            <a:r>
+              <a:rPr lang="en-US" dirty="0" err="1"/>
+              <a:t>soc_level</a:t>
+            </a:r>
+            <a:r>
+              <a:rPr lang="en-US" dirty="0"/>
+              <a:t>, action] → (24, 6, 3)</a:t>
+            </a:r>
+            <a:endParaRPr lang="th-TH" dirty="0"/>
+          </a:p>
+          <a:p>
+            <a:r>
+              <a:rPr lang="th-TH" dirty="0"/>
+              <a:t>แต่ละ </a:t>
+            </a:r>
+            <a:r>
+              <a:rPr lang="en-US" dirty="0"/>
+              <a:t>state </a:t>
+            </a:r>
+            <a:r>
+              <a:rPr lang="th-TH" dirty="0"/>
+              <a:t>คือ (ชั่วโมง, ระดับ </a:t>
+            </a:r>
+            <a:r>
+              <a:rPr lang="en-US" dirty="0"/>
+              <a:t>SoC)</a:t>
+            </a:r>
+            <a:endParaRPr lang="th-TH" dirty="0"/>
+          </a:p>
+          <a:p>
+            <a:r>
+              <a:rPr lang="en-US" dirty="0"/>
+              <a:t>Q-value </a:t>
+            </a:r>
+            <a:r>
+              <a:rPr lang="th-TH" dirty="0"/>
+              <a:t>คือค่าคาดหวังผลตอบแทนหากเลือก </a:t>
+            </a:r>
+            <a:r>
+              <a:rPr lang="en-US" dirty="0"/>
+              <a:t>action </a:t>
+            </a:r>
+            <a:r>
+              <a:rPr lang="th-TH" dirty="0"/>
+              <a:t>ที่สถานะนั้น</a:t>
+            </a:r>
+            <a:endParaRPr lang="en-US" dirty="0"/>
+          </a:p>
+        </p:txBody>
+      </p:sp>
+      <p:sp>
+        <p:nvSpPr>
+          <p:cNvPr id="4" name="Slide Number Placeholder 3">
+            <a:extLst>
+              <a:ext uri="{FF2B5EF4-FFF2-40B4-BE49-F238E27FC236}">
+                <a16:creationId xmlns:a16="http://schemas.microsoft.com/office/drawing/2014/main" id="{6D79F603-87B2-0D1D-9DCF-35F0A1E8042F}"/>
+              </a:ext>
+            </a:extLst>
+          </p:cNvPr>
+          <p:cNvSpPr>
+            <a:spLocks noGrp="1"/>
+          </p:cNvSpPr>
+          <p:nvPr>
+            <p:ph type="sldNum" sz="quarter" idx="12"/>
+          </p:nvPr>
+        </p:nvSpPr>
+        <p:spPr/>
+        <p:txBody>
+          <a:bodyPr/>
+          <a:lstStyle/>
+          <a:p>
+            <a:fld id="{5414CF54-80D7-41F3-B633-0CBA28EB51D2}" type="slidenum">
+              <a:rPr lang="en-US" smtClean="0"/>
+              <a:t>60</a:t>
+            </a:fld>
+            <a:endParaRPr lang="en-US"/>
+          </a:p>
+        </p:txBody>
+      </p:sp>
+    </p:spTree>
+    <p:extLst>
+      <p:ext uri="{BB962C8B-B14F-4D97-AF65-F5344CB8AC3E}">
+        <p14:creationId xmlns:p14="http://schemas.microsoft.com/office/powerpoint/2010/main" val="2018490583"/>
+      </p:ext>
+    </p:extLst>
+  </p:cSld>
+  <p:clrMapOvr>
+    <a:masterClrMapping/>
+  </p:clrMapOvr>
+</p:sld>
+</file>
+
 <file path=ppt/slides/slide61.xml><?xml version="1.0" encoding="utf-8"?>
 <p:sld xmlns:a="http://schemas.openxmlformats.org/drawingml/2006/main" xmlns:r="http://schemas.openxmlformats.org/officeDocument/2006/relationships" xmlns:p="http://schemas.openxmlformats.org/presentationml/2006/main">
   <p:cSld>
@@ -13283,7 +13322,7 @@
           <p:cNvPr id="2" name="Title 1">
             <a:extLst>
               <a:ext uri="{FF2B5EF4-FFF2-40B4-BE49-F238E27FC236}">
-                <a16:creationId xmlns:a16="http://schemas.microsoft.com/office/drawing/2014/main" id="{FC1CE76D-5B8A-52EB-8D44-FF4F91BF2235}"/>
+                <a16:creationId xmlns:a16="http://schemas.microsoft.com/office/drawing/2014/main" id="{437B9958-EFEA-8884-E094-B4B4599CCBBB}"/>
               </a:ext>
             </a:extLst>
           </p:cNvPr>
@@ -13308,7 +13347,7 @@
           <p:cNvPr id="3" name="Content Placeholder 2">
             <a:extLst>
               <a:ext uri="{FF2B5EF4-FFF2-40B4-BE49-F238E27FC236}">
-                <a16:creationId xmlns:a16="http://schemas.microsoft.com/office/drawing/2014/main" id="{C341164D-A522-534D-3B3C-41582964B2E0}"/>
+                <a16:creationId xmlns:a16="http://schemas.microsoft.com/office/drawing/2014/main" id="{58595ECA-04B7-56F6-D97E-AD341732A797}"/>
               </a:ext>
             </a:extLst>
           </p:cNvPr>
@@ -13326,74 +13365,19 @@
           <a:p>
             <a:r>
               <a:rPr lang="en-US" dirty="0"/>
-              <a:t>🧠 5. </a:t>
-            </a:r>
-            <a:r>
-              <a:rPr lang="th-TH" dirty="0"/>
-              <a:t>โครงสร้าง </a:t>
-            </a:r>
-            <a:r>
-              <a:rPr lang="en-US" dirty="0"/>
-              <a:t>Q-table</a:t>
-            </a:r>
-          </a:p>
-          <a:p>
-            <a:endParaRPr lang="th-TH" dirty="0"/>
-          </a:p>
-          <a:p>
-            <a:r>
-              <a:rPr lang="th-TH" dirty="0"/>
-              <a:t>ขนาด </a:t>
-            </a:r>
-            <a:r>
-              <a:rPr lang="en-US" dirty="0"/>
-              <a:t>Q[hour, </a:t>
-            </a:r>
-            <a:r>
-              <a:rPr lang="en-US" dirty="0" err="1"/>
-              <a:t>soc_level</a:t>
-            </a:r>
-            <a:r>
-              <a:rPr lang="en-US" dirty="0"/>
-              <a:t>, action] → (24, 6, 3)</a:t>
-            </a:r>
-            <a:endParaRPr lang="th-TH" dirty="0"/>
-          </a:p>
-          <a:p>
-            <a:r>
-              <a:rPr lang="th-TH" dirty="0"/>
-              <a:t>แต่ละ </a:t>
-            </a:r>
-            <a:r>
-              <a:rPr lang="en-US" dirty="0"/>
-              <a:t>state </a:t>
-            </a:r>
-            <a:r>
-              <a:rPr lang="th-TH" dirty="0"/>
-              <a:t>คือ (ชั่วโมง, ระดับ </a:t>
-            </a:r>
-            <a:r>
-              <a:rPr lang="en-US" dirty="0"/>
-              <a:t>SoC)</a:t>
-            </a:r>
-            <a:endParaRPr lang="th-TH" dirty="0"/>
-          </a:p>
-          <a:p>
-            <a:r>
-              <a:rPr lang="en-US" dirty="0"/>
-              <a:t>Q-value </a:t>
-            </a:r>
-            <a:r>
-              <a:rPr lang="th-TH" dirty="0"/>
-              <a:t>คือค่าคาดหวังผลตอบแทนหากเลือก </a:t>
-            </a:r>
-            <a:r>
-              <a:rPr lang="en-US" dirty="0"/>
-              <a:t>action </a:t>
-            </a:r>
-            <a:r>
-              <a:rPr lang="th-TH" dirty="0"/>
-              <a:t>ที่สถานะนั้น</a:t>
+              <a:t>🧾 </a:t>
+            </a:r>
+            <a:r>
+              <a:rPr lang="en-US" b="1" dirty="0"/>
+              <a:t>6. </a:t>
+            </a:r>
+            <a:r>
+              <a:rPr lang="th-TH" b="1" dirty="0"/>
+              <a:t>การให้รางวัล (</a:t>
+            </a:r>
+            <a:r>
+              <a:rPr lang="en-US" b="1" dirty="0"/>
+              <a:t>Reward)</a:t>
             </a:r>
             <a:endParaRPr lang="en-US" dirty="0"/>
           </a:p>
@@ -13404,7 +13388,7 @@
           <p:cNvPr id="4" name="Slide Number Placeholder 3">
             <a:extLst>
               <a:ext uri="{FF2B5EF4-FFF2-40B4-BE49-F238E27FC236}">
-                <a16:creationId xmlns:a16="http://schemas.microsoft.com/office/drawing/2014/main" id="{6D79F603-87B2-0D1D-9DCF-35F0A1E8042F}"/>
+                <a16:creationId xmlns:a16="http://schemas.microsoft.com/office/drawing/2014/main" id="{32F3B69E-339E-BD9D-13E4-E3CFD4F7D74E}"/>
               </a:ext>
             </a:extLst>
           </p:cNvPr>
@@ -13423,131 +13407,6 @@
             <a:fld id="{5414CF54-80D7-41F3-B633-0CBA28EB51D2}" type="slidenum">
               <a:rPr lang="en-US" smtClean="0"/>
               <a:t>61</a:t>
-            </a:fld>
-            <a:endParaRPr lang="en-US"/>
-          </a:p>
-        </p:txBody>
-      </p:sp>
-    </p:spTree>
-    <p:extLst>
-      <p:ext uri="{BB962C8B-B14F-4D97-AF65-F5344CB8AC3E}">
-        <p14:creationId xmlns:p14="http://schemas.microsoft.com/office/powerpoint/2010/main" val="2018490583"/>
-      </p:ext>
-    </p:extLst>
-  </p:cSld>
-  <p:clrMapOvr>
-    <a:masterClrMapping/>
-  </p:clrMapOvr>
-</p:sld>
-</file>
-
-<file path=ppt/slides/slide62.xml><?xml version="1.0" encoding="utf-8"?>
-<p:sld xmlns:a="http://schemas.openxmlformats.org/drawingml/2006/main" xmlns:r="http://schemas.openxmlformats.org/officeDocument/2006/relationships" xmlns:p="http://schemas.openxmlformats.org/presentationml/2006/main">
-  <p:cSld>
-    <p:spTree>
-      <p:nvGrpSpPr>
-        <p:cNvPr id="1" name=""/>
-        <p:cNvGrpSpPr/>
-        <p:nvPr/>
-      </p:nvGrpSpPr>
-      <p:grpSpPr>
-        <a:xfrm>
-          <a:off x="0" y="0"/>
-          <a:ext cx="0" cy="0"/>
-          <a:chOff x="0" y="0"/>
-          <a:chExt cx="0" cy="0"/>
-        </a:xfrm>
-      </p:grpSpPr>
-      <p:sp>
-        <p:nvSpPr>
-          <p:cNvPr id="2" name="Title 1">
-            <a:extLst>
-              <a:ext uri="{FF2B5EF4-FFF2-40B4-BE49-F238E27FC236}">
-                <a16:creationId xmlns:a16="http://schemas.microsoft.com/office/drawing/2014/main" id="{437B9958-EFEA-8884-E094-B4B4599CCBBB}"/>
-              </a:ext>
-            </a:extLst>
-          </p:cNvPr>
-          <p:cNvSpPr>
-            <a:spLocks noGrp="1"/>
-          </p:cNvSpPr>
-          <p:nvPr>
-            <p:ph type="title"/>
-          </p:nvPr>
-        </p:nvSpPr>
-        <p:spPr/>
-        <p:txBody>
-          <a:bodyPr/>
-          <a:lstStyle/>
-          <a:p>
-            <a:endParaRPr lang="en-US"/>
-          </a:p>
-        </p:txBody>
-      </p:sp>
-      <p:sp>
-        <p:nvSpPr>
-          <p:cNvPr id="3" name="Content Placeholder 2">
-            <a:extLst>
-              <a:ext uri="{FF2B5EF4-FFF2-40B4-BE49-F238E27FC236}">
-                <a16:creationId xmlns:a16="http://schemas.microsoft.com/office/drawing/2014/main" id="{58595ECA-04B7-56F6-D97E-AD341732A797}"/>
-              </a:ext>
-            </a:extLst>
-          </p:cNvPr>
-          <p:cNvSpPr>
-            <a:spLocks noGrp="1"/>
-          </p:cNvSpPr>
-          <p:nvPr>
-            <p:ph idx="1"/>
-          </p:nvPr>
-        </p:nvSpPr>
-        <p:spPr/>
-        <p:txBody>
-          <a:bodyPr/>
-          <a:lstStyle/>
-          <a:p>
-            <a:r>
-              <a:rPr lang="en-US" dirty="0"/>
-              <a:t>🧾 </a:t>
-            </a:r>
-            <a:r>
-              <a:rPr lang="en-US" b="1" dirty="0"/>
-              <a:t>6. </a:t>
-            </a:r>
-            <a:r>
-              <a:rPr lang="th-TH" b="1" dirty="0"/>
-              <a:t>การให้รางวัล (</a:t>
-            </a:r>
-            <a:r>
-              <a:rPr lang="en-US" b="1" dirty="0"/>
-              <a:t>Reward)</a:t>
-            </a:r>
-            <a:endParaRPr lang="en-US" dirty="0"/>
-          </a:p>
-        </p:txBody>
-      </p:sp>
-      <p:sp>
-        <p:nvSpPr>
-          <p:cNvPr id="4" name="Slide Number Placeholder 3">
-            <a:extLst>
-              <a:ext uri="{FF2B5EF4-FFF2-40B4-BE49-F238E27FC236}">
-                <a16:creationId xmlns:a16="http://schemas.microsoft.com/office/drawing/2014/main" id="{32F3B69E-339E-BD9D-13E4-E3CFD4F7D74E}"/>
-              </a:ext>
-            </a:extLst>
-          </p:cNvPr>
-          <p:cNvSpPr>
-            <a:spLocks noGrp="1"/>
-          </p:cNvSpPr>
-          <p:nvPr>
-            <p:ph type="sldNum" sz="quarter" idx="12"/>
-          </p:nvPr>
-        </p:nvSpPr>
-        <p:spPr/>
-        <p:txBody>
-          <a:bodyPr/>
-          <a:lstStyle/>
-          <a:p>
-            <a:fld id="{5414CF54-80D7-41F3-B633-0CBA28EB51D2}" type="slidenum">
-              <a:rPr lang="en-US" smtClean="0"/>
-              <a:t>62</a:t>
             </a:fld>
             <a:endParaRPr lang="en-US"/>
           </a:p>
@@ -13596,6 +13455,234 @@
 </p:sld>
 </file>
 
+<file path=ppt/slides/slide62.xml><?xml version="1.0" encoding="utf-8"?>
+<p:sld xmlns:a="http://schemas.openxmlformats.org/drawingml/2006/main" xmlns:r="http://schemas.openxmlformats.org/officeDocument/2006/relationships" xmlns:p="http://schemas.openxmlformats.org/presentationml/2006/main">
+  <p:cSld>
+    <p:spTree>
+      <p:nvGrpSpPr>
+        <p:cNvPr id="1" name=""/>
+        <p:cNvGrpSpPr/>
+        <p:nvPr/>
+      </p:nvGrpSpPr>
+      <p:grpSpPr>
+        <a:xfrm>
+          <a:off x="0" y="0"/>
+          <a:ext cx="0" cy="0"/>
+          <a:chOff x="0" y="0"/>
+          <a:chExt cx="0" cy="0"/>
+        </a:xfrm>
+      </p:grpSpPr>
+      <p:sp>
+        <p:nvSpPr>
+          <p:cNvPr id="2" name="Title 1">
+            <a:extLst>
+              <a:ext uri="{FF2B5EF4-FFF2-40B4-BE49-F238E27FC236}">
+                <a16:creationId xmlns:a16="http://schemas.microsoft.com/office/drawing/2014/main" id="{A1CCCEF8-301D-1403-651B-F005E1E54A12}"/>
+              </a:ext>
+            </a:extLst>
+          </p:cNvPr>
+          <p:cNvSpPr>
+            <a:spLocks noGrp="1"/>
+          </p:cNvSpPr>
+          <p:nvPr>
+            <p:ph type="title"/>
+          </p:nvPr>
+        </p:nvSpPr>
+        <p:spPr/>
+        <p:txBody>
+          <a:bodyPr/>
+          <a:lstStyle/>
+          <a:p>
+            <a:r>
+              <a:rPr lang="en-US" dirty="0"/>
+              <a:t>💣 penalty </a:t>
+            </a:r>
+            <a:r>
+              <a:rPr lang="th-TH" dirty="0"/>
+              <a:t>เพิ่ม</a:t>
+            </a:r>
+            <a:r>
+              <a:rPr lang="en-US" dirty="0"/>
+              <a:t> (</a:t>
+            </a:r>
+            <a:r>
+              <a:rPr lang="th-TH" dirty="0"/>
+              <a:t>ปกติ: -50</a:t>
+            </a:r>
+            <a:r>
+              <a:rPr lang="en-US" dirty="0"/>
+              <a:t>)</a:t>
+            </a:r>
+          </a:p>
+        </p:txBody>
+      </p:sp>
+      <p:sp>
+        <p:nvSpPr>
+          <p:cNvPr id="3" name="Content Placeholder 2">
+            <a:extLst>
+              <a:ext uri="{FF2B5EF4-FFF2-40B4-BE49-F238E27FC236}">
+                <a16:creationId xmlns:a16="http://schemas.microsoft.com/office/drawing/2014/main" id="{D2B27AED-BF51-E05E-8306-EE46985DE4DC}"/>
+              </a:ext>
+            </a:extLst>
+          </p:cNvPr>
+          <p:cNvSpPr>
+            <a:spLocks noGrp="1"/>
+          </p:cNvSpPr>
+          <p:nvPr>
+            <p:ph idx="1"/>
+          </p:nvPr>
+        </p:nvSpPr>
+        <p:spPr/>
+        <p:txBody>
+          <a:bodyPr/>
+          <a:lstStyle/>
+          <a:p>
+            <a:r>
+              <a:rPr lang="th-TH" dirty="0"/>
+              <a:t>นอกจากนี้</a:t>
+            </a:r>
+            <a:r>
+              <a:rPr lang="en-US" dirty="0"/>
+              <a:t> </a:t>
+            </a:r>
+            <a:r>
+              <a:rPr lang="th-TH" dirty="0"/>
+              <a:t>จะมี </a:t>
+            </a:r>
+            <a:r>
+              <a:rPr lang="en-US" dirty="0"/>
+              <a:t>penalty </a:t>
+            </a:r>
+            <a:r>
+              <a:rPr lang="th-TH" dirty="0"/>
+              <a:t>เพิ่มถ้า</a:t>
+            </a:r>
+            <a:r>
+              <a:rPr lang="en-US" dirty="0"/>
+              <a:t>:</a:t>
+            </a:r>
+          </a:p>
+          <a:p>
+            <a:r>
+              <a:rPr lang="th-TH" dirty="0"/>
+              <a:t>ต้องดึงพลังงานกร</a:t>
+            </a:r>
+            <a:r>
+              <a:rPr lang="th-TH" dirty="0" err="1"/>
+              <a:t>ิด</a:t>
+            </a:r>
+            <a:r>
+              <a:rPr lang="th-TH" dirty="0"/>
+              <a:t> (</a:t>
+            </a:r>
+            <a:r>
+              <a:rPr lang="en-US" dirty="0"/>
+              <a:t>load + charge </a:t>
+            </a:r>
+            <a:r>
+              <a:rPr lang="th-TH" dirty="0"/>
+              <a:t>หรือ </a:t>
+            </a:r>
+            <a:r>
+              <a:rPr lang="en-US" dirty="0"/>
+              <a:t>load - discharge) &gt; threshold → </a:t>
+            </a:r>
+            <a:r>
+              <a:rPr lang="th-TH" dirty="0"/>
+              <a:t>มี </a:t>
+            </a:r>
+            <a:r>
+              <a:rPr lang="en-US" dirty="0"/>
+              <a:t>penalty </a:t>
+            </a:r>
+            <a:r>
+              <a:rPr lang="th-TH" dirty="0"/>
+              <a:t>เพิ่มเติม: ช่วง </a:t>
+            </a:r>
+            <a:r>
+              <a:rPr lang="en-US" dirty="0"/>
+              <a:t>peak </a:t>
+            </a:r>
+            <a:r>
+              <a:rPr lang="th-TH" dirty="0"/>
+              <a:t>พิเศษ:</a:t>
+            </a:r>
+          </a:p>
+          <a:p>
+            <a:pPr lvl="1"/>
+            <a:r>
+              <a:rPr lang="th-TH" dirty="0"/>
+              <a:t>16:00 → -50 </a:t>
+            </a:r>
+            <a:r>
+              <a:rPr lang="en-US" dirty="0"/>
+              <a:t>*5 = </a:t>
+            </a:r>
+            <a:r>
+              <a:rPr lang="th-TH" dirty="0"/>
+              <a:t>-250</a:t>
+            </a:r>
+          </a:p>
+          <a:p>
+            <a:pPr lvl="1"/>
+            <a:r>
+              <a:rPr lang="th-TH" dirty="0"/>
+              <a:t>17:00 → -50 </a:t>
+            </a:r>
+            <a:r>
+              <a:rPr lang="en-US" dirty="0"/>
+              <a:t>*2 = </a:t>
+            </a:r>
+            <a:r>
+              <a:rPr lang="th-TH" dirty="0"/>
+              <a:t>-100</a:t>
+            </a:r>
+            <a:endParaRPr lang="en-US" dirty="0"/>
+          </a:p>
+        </p:txBody>
+      </p:sp>
+      <p:sp>
+        <p:nvSpPr>
+          <p:cNvPr id="4" name="Slide Number Placeholder 3">
+            <a:extLst>
+              <a:ext uri="{FF2B5EF4-FFF2-40B4-BE49-F238E27FC236}">
+                <a16:creationId xmlns:a16="http://schemas.microsoft.com/office/drawing/2014/main" id="{D4D7FDE3-7234-23E3-8FC2-3ACFFF758769}"/>
+              </a:ext>
+            </a:extLst>
+          </p:cNvPr>
+          <p:cNvSpPr>
+            <a:spLocks noGrp="1"/>
+          </p:cNvSpPr>
+          <p:nvPr>
+            <p:ph type="sldNum" sz="quarter" idx="12"/>
+          </p:nvPr>
+        </p:nvSpPr>
+        <p:spPr/>
+        <p:txBody>
+          <a:bodyPr/>
+          <a:lstStyle/>
+          <a:p>
+            <a:fld id="{5414CF54-80D7-41F3-B633-0CBA28EB51D2}" type="slidenum">
+              <a:rPr lang="en-US" smtClean="0"/>
+              <a:t>62</a:t>
+            </a:fld>
+            <a:endParaRPr lang="en-US"/>
+          </a:p>
+        </p:txBody>
+      </p:sp>
+    </p:spTree>
+    <p:extLst>
+      <p:ext uri="{BB962C8B-B14F-4D97-AF65-F5344CB8AC3E}">
+        <p14:creationId xmlns:p14="http://schemas.microsoft.com/office/powerpoint/2010/main" val="4222529226"/>
+      </p:ext>
+    </p:extLst>
+  </p:cSld>
+  <p:clrMapOvr>
+    <a:masterClrMapping/>
+  </p:clrMapOvr>
+</p:sld>
+</file>
+
 <file path=ppt/slides/slide63.xml><?xml version="1.0" encoding="utf-8"?>
 <p:sld xmlns:a="http://schemas.openxmlformats.org/drawingml/2006/main" xmlns:r="http://schemas.openxmlformats.org/officeDocument/2006/relationships" xmlns:p="http://schemas.openxmlformats.org/presentationml/2006/main">
   <p:cSld>
@@ -13618,7 +13705,7 @@
           <p:cNvPr id="2" name="Title 1">
             <a:extLst>
               <a:ext uri="{FF2B5EF4-FFF2-40B4-BE49-F238E27FC236}">
-                <a16:creationId xmlns:a16="http://schemas.microsoft.com/office/drawing/2014/main" id="{A1CCCEF8-301D-1403-651B-F005E1E54A12}"/>
+                <a16:creationId xmlns:a16="http://schemas.microsoft.com/office/drawing/2014/main" id="{9DDAE2A3-BCD4-CB88-FEF8-5764B5C84CE2}"/>
               </a:ext>
             </a:extLst>
           </p:cNvPr>
@@ -13631,28 +13718,14 @@
         </p:nvSpPr>
         <p:spPr/>
         <p:txBody>
-          <a:bodyPr/>
-          <a:lstStyle/>
-          <a:p>
-            <a:r>
-              <a:rPr lang="en-US" dirty="0"/>
-              <a:t>💣 penalty </a:t>
-            </a:r>
-            <a:r>
-              <a:rPr lang="th-TH" dirty="0"/>
-              <a:t>เพิ่ม</a:t>
-            </a:r>
-            <a:r>
-              <a:rPr lang="en-US" dirty="0"/>
-              <a:t> (</a:t>
-            </a:r>
-            <a:r>
-              <a:rPr lang="th-TH" dirty="0"/>
-              <a:t>ปกติ: -50</a:t>
-            </a:r>
-            <a:r>
-              <a:rPr lang="en-US" dirty="0"/>
-              <a:t>)</a:t>
+          <a:bodyPr>
+            <a:normAutofit/>
+          </a:bodyPr>
+          <a:lstStyle/>
+          <a:p>
+            <a:r>
+              <a:rPr lang="en-US" dirty="0"/>
+              <a:t>BESS_Q_learning_PeakShv_4June25.ipynb</a:t>
             </a:r>
           </a:p>
         </p:txBody>
@@ -13662,7 +13735,7 @@
           <p:cNvPr id="3" name="Content Placeholder 2">
             <a:extLst>
               <a:ext uri="{FF2B5EF4-FFF2-40B4-BE49-F238E27FC236}">
-                <a16:creationId xmlns:a16="http://schemas.microsoft.com/office/drawing/2014/main" id="{D2B27AED-BF51-E05E-8306-EE46985DE4DC}"/>
+                <a16:creationId xmlns:a16="http://schemas.microsoft.com/office/drawing/2014/main" id="{F723D6F7-5B2E-28FC-68AF-8DCCF2CA3BD5}"/>
               </a:ext>
             </a:extLst>
           </p:cNvPr>
@@ -13678,107 +13751,7 @@
           <a:bodyPr/>
           <a:lstStyle/>
           <a:p>
-            <a:r>
-              <a:rPr lang="th-TH" dirty="0"/>
-              <a:t>นอกจากนี้</a:t>
-            </a:r>
-            <a:r>
-              <a:rPr lang="en-US" dirty="0"/>
-              <a:t> </a:t>
-            </a:r>
-            <a:r>
-              <a:rPr lang="th-TH" dirty="0"/>
-              <a:t>จะมี </a:t>
-            </a:r>
-            <a:r>
-              <a:rPr lang="en-US" dirty="0"/>
-              <a:t>penalty </a:t>
-            </a:r>
-            <a:r>
-              <a:rPr lang="th-TH" dirty="0"/>
-              <a:t>เพิ่มถ้า</a:t>
-            </a:r>
-            <a:r>
-              <a:rPr lang="en-US" dirty="0"/>
-              <a:t>:</a:t>
-            </a:r>
-          </a:p>
-          <a:p>
-            <a:r>
-              <a:rPr lang="th-TH" dirty="0"/>
-              <a:t>ต้องดึงพลังงานกร</a:t>
-            </a:r>
-            <a:r>
-              <a:rPr lang="th-TH" dirty="0" err="1"/>
-              <a:t>ิด</a:t>
-            </a:r>
-            <a:r>
-              <a:rPr lang="th-TH" dirty="0"/>
-              <a:t> (</a:t>
-            </a:r>
-            <a:r>
-              <a:rPr lang="en-US" dirty="0"/>
-              <a:t>load + charge </a:t>
-            </a:r>
-            <a:r>
-              <a:rPr lang="th-TH" dirty="0"/>
-              <a:t>หรือ </a:t>
-            </a:r>
-            <a:r>
-              <a:rPr lang="en-US" dirty="0"/>
-              <a:t>load - discharge) &gt; threshold → </a:t>
-            </a:r>
-            <a:r>
-              <a:rPr lang="th-TH" dirty="0"/>
-              <a:t>มี </a:t>
-            </a:r>
-            <a:r>
-              <a:rPr lang="en-US" dirty="0"/>
-              <a:t>penalty </a:t>
-            </a:r>
-            <a:r>
-              <a:rPr lang="th-TH" dirty="0"/>
-              <a:t>เพิ่มเติม: ช่วง </a:t>
-            </a:r>
-            <a:r>
-              <a:rPr lang="en-US" dirty="0"/>
-              <a:t>peak </a:t>
-            </a:r>
-            <a:r>
-              <a:rPr lang="th-TH" dirty="0"/>
-              <a:t>พิเศษ:</a:t>
-            </a:r>
-          </a:p>
-          <a:p>
-            <a:pPr lvl="1"/>
-            <a:r>
-              <a:rPr lang="th-TH" dirty="0"/>
-              <a:t>16:00 → -50 </a:t>
-            </a:r>
-            <a:r>
-              <a:rPr lang="en-US" dirty="0"/>
-              <a:t>*5 = </a:t>
-            </a:r>
-            <a:r>
-              <a:rPr lang="th-TH" dirty="0"/>
-              <a:t>-250</a:t>
-            </a:r>
-          </a:p>
-          <a:p>
-            <a:pPr lvl="1"/>
-            <a:r>
-              <a:rPr lang="th-TH" dirty="0"/>
-              <a:t>17:00 → -50 </a:t>
-            </a:r>
-            <a:r>
-              <a:rPr lang="en-US" dirty="0"/>
-              <a:t>*2 = </a:t>
-            </a:r>
-            <a:r>
-              <a:rPr lang="th-TH" dirty="0"/>
-              <a:t>-100</a:t>
-            </a:r>
-            <a:endParaRPr lang="en-US" dirty="0"/>
+            <a:endParaRPr lang="en-US"/>
           </a:p>
         </p:txBody>
       </p:sp>
@@ -13787,7 +13760,7 @@
           <p:cNvPr id="4" name="Slide Number Placeholder 3">
             <a:extLst>
               <a:ext uri="{FF2B5EF4-FFF2-40B4-BE49-F238E27FC236}">
-                <a16:creationId xmlns:a16="http://schemas.microsoft.com/office/drawing/2014/main" id="{D4D7FDE3-7234-23E3-8FC2-3ACFFF758769}"/>
+                <a16:creationId xmlns:a16="http://schemas.microsoft.com/office/drawing/2014/main" id="{4C1EB255-0FC7-4F68-421A-F8542456AB54}"/>
               </a:ext>
             </a:extLst>
           </p:cNvPr>
@@ -13811,10 +13784,78 @@
           </a:p>
         </p:txBody>
       </p:sp>
+      <p:pic>
+        <p:nvPicPr>
+          <p:cNvPr id="8" name="Picture 7">
+            <a:extLst>
+              <a:ext uri="{FF2B5EF4-FFF2-40B4-BE49-F238E27FC236}">
+                <a16:creationId xmlns:a16="http://schemas.microsoft.com/office/drawing/2014/main" id="{887E173F-3621-8AD5-0DC8-5C9503CED230}"/>
+              </a:ext>
+            </a:extLst>
+          </p:cNvPr>
+          <p:cNvPicPr>
+            <a:picLocks noChangeAspect="1"/>
+          </p:cNvPicPr>
+          <p:nvPr/>
+        </p:nvPicPr>
+        <p:blipFill>
+          <a:blip r:embed="rId2"/>
+          <a:stretch>
+            <a:fillRect/>
+          </a:stretch>
+        </p:blipFill>
+        <p:spPr>
+          <a:xfrm>
+            <a:off x="3150555" y="1248043"/>
+            <a:ext cx="5627470" cy="4114407"/>
+          </a:xfrm>
+          <a:prstGeom prst="rect">
+            <a:avLst/>
+          </a:prstGeom>
+        </p:spPr>
+      </p:pic>
+      <p:sp>
+        <p:nvSpPr>
+          <p:cNvPr id="12" name="TextBox 11">
+            <a:extLst>
+              <a:ext uri="{FF2B5EF4-FFF2-40B4-BE49-F238E27FC236}">
+                <a16:creationId xmlns:a16="http://schemas.microsoft.com/office/drawing/2014/main" id="{E8F751C9-E213-C9BA-1CBA-B03242D45F93}"/>
+              </a:ext>
+            </a:extLst>
+          </p:cNvPr>
+          <p:cNvSpPr txBox="1"/>
+          <p:nvPr/>
+        </p:nvSpPr>
+        <p:spPr>
+          <a:xfrm>
+            <a:off x="2999301" y="5615582"/>
+            <a:ext cx="6094854" cy="923330"/>
+          </a:xfrm>
+          <a:prstGeom prst="rect">
+            <a:avLst/>
+          </a:prstGeom>
+          <a:noFill/>
+        </p:spPr>
+        <p:txBody>
+          <a:bodyPr wrap="square">
+            <a:spAutoFit/>
+          </a:bodyPr>
+          <a:lstStyle/>
+          <a:p>
+            <a:r>
+              <a:rPr lang="en-US" sz="1800" dirty="0">
+                <a:hlinkClick r:id="rId3"/>
+              </a:rPr>
+              <a:t>https://github.com/DrHammerhead/SoC-estimation/blob/486bd3566e998cb2a33e49f06e9f11396f9c0919/BESS_Q_learning_PeakShv_4June25.ipynb</a:t>
+            </a:r>
+            <a:endParaRPr lang="en-US" dirty="0"/>
+          </a:p>
+        </p:txBody>
+      </p:sp>
     </p:spTree>
     <p:extLst>
       <p:ext uri="{BB962C8B-B14F-4D97-AF65-F5344CB8AC3E}">
-        <p14:creationId xmlns:p14="http://schemas.microsoft.com/office/powerpoint/2010/main" val="4222529226"/>
+        <p14:creationId xmlns:p14="http://schemas.microsoft.com/office/powerpoint/2010/main" val="2626735614"/>
       </p:ext>
     </p:extLst>
   </p:cSld>
@@ -13846,7 +13887,7 @@
           <p:cNvPr id="2" name="Title 1">
             <a:extLst>
               <a:ext uri="{FF2B5EF4-FFF2-40B4-BE49-F238E27FC236}">
-                <a16:creationId xmlns:a16="http://schemas.microsoft.com/office/drawing/2014/main" id="{9DDAE2A3-BCD4-CB88-FEF8-5764B5C84CE2}"/>
+                <a16:creationId xmlns:a16="http://schemas.microsoft.com/office/drawing/2014/main" id="{AC73415A-B7B2-2953-872A-E7C119AE03DF}"/>
               </a:ext>
             </a:extLst>
           </p:cNvPr>
@@ -13859,15 +13900,30 @@
         </p:nvSpPr>
         <p:spPr/>
         <p:txBody>
-          <a:bodyPr>
-            <a:normAutofit/>
-          </a:bodyPr>
-          <a:lstStyle/>
-          <a:p>
-            <a:r>
-              <a:rPr lang="en-US" dirty="0"/>
-              <a:t>BESS_Q_learning_PeakShv_4June25.ipynb</a:t>
-            </a:r>
+          <a:bodyPr/>
+          <a:lstStyle/>
+          <a:p>
+            <a:r>
+              <a:rPr lang="th-TH" dirty="0"/>
+              <a:t>กราฟค่าไฟฟ้า </a:t>
+            </a:r>
+            <a:r>
+              <a:rPr lang="en-US" dirty="0"/>
+              <a:t>(TOU)</a:t>
+            </a:r>
+            <a:r>
+              <a:rPr lang="th-TH" dirty="0"/>
+              <a:t> โหลดโปรไฟล์ และ ค่าพีคเท</a:t>
+            </a:r>
+            <a:r>
+              <a:rPr lang="th-TH" dirty="0" err="1"/>
+              <a:t>รช</a:t>
+            </a:r>
+            <a:r>
+              <a:rPr lang="th-TH" dirty="0"/>
+              <a:t>โฮลด์</a:t>
+            </a:r>
+            <a:endParaRPr lang="en-US" dirty="0"/>
           </a:p>
         </p:txBody>
       </p:sp>
@@ -13876,7 +13932,7 @@
           <p:cNvPr id="3" name="Content Placeholder 2">
             <a:extLst>
               <a:ext uri="{FF2B5EF4-FFF2-40B4-BE49-F238E27FC236}">
-                <a16:creationId xmlns:a16="http://schemas.microsoft.com/office/drawing/2014/main" id="{F723D6F7-5B2E-28FC-68AF-8DCCF2CA3BD5}"/>
+                <a16:creationId xmlns:a16="http://schemas.microsoft.com/office/drawing/2014/main" id="{2B164FA9-CDEC-FFA0-AC2C-B6607DA82C76}"/>
               </a:ext>
             </a:extLst>
           </p:cNvPr>
@@ -13901,7 +13957,7 @@
           <p:cNvPr id="4" name="Slide Number Placeholder 3">
             <a:extLst>
               <a:ext uri="{FF2B5EF4-FFF2-40B4-BE49-F238E27FC236}">
-                <a16:creationId xmlns:a16="http://schemas.microsoft.com/office/drawing/2014/main" id="{4C1EB255-0FC7-4F68-421A-F8542456AB54}"/>
+                <a16:creationId xmlns:a16="http://schemas.microsoft.com/office/drawing/2014/main" id="{FBA3FAF7-0CF2-02BC-3FFE-E7FC46BE51EF}"/>
               </a:ext>
             </a:extLst>
           </p:cNvPr>
@@ -13920,203 +13976,6 @@
             <a:fld id="{5414CF54-80D7-41F3-B633-0CBA28EB51D2}" type="slidenum">
               <a:rPr lang="en-US" smtClean="0"/>
               <a:t>64</a:t>
-            </a:fld>
-            <a:endParaRPr lang="en-US"/>
-          </a:p>
-        </p:txBody>
-      </p:sp>
-      <p:pic>
-        <p:nvPicPr>
-          <p:cNvPr id="8" name="Picture 7">
-            <a:extLst>
-              <a:ext uri="{FF2B5EF4-FFF2-40B4-BE49-F238E27FC236}">
-                <a16:creationId xmlns:a16="http://schemas.microsoft.com/office/drawing/2014/main" id="{887E173F-3621-8AD5-0DC8-5C9503CED230}"/>
-              </a:ext>
-            </a:extLst>
-          </p:cNvPr>
-          <p:cNvPicPr>
-            <a:picLocks noChangeAspect="1"/>
-          </p:cNvPicPr>
-          <p:nvPr/>
-        </p:nvPicPr>
-        <p:blipFill>
-          <a:blip r:embed="rId2"/>
-          <a:stretch>
-            <a:fillRect/>
-          </a:stretch>
-        </p:blipFill>
-        <p:spPr>
-          <a:xfrm>
-            <a:off x="3150555" y="1248043"/>
-            <a:ext cx="5627470" cy="4114407"/>
-          </a:xfrm>
-          <a:prstGeom prst="rect">
-            <a:avLst/>
-          </a:prstGeom>
-        </p:spPr>
-      </p:pic>
-      <p:sp>
-        <p:nvSpPr>
-          <p:cNvPr id="12" name="TextBox 11">
-            <a:extLst>
-              <a:ext uri="{FF2B5EF4-FFF2-40B4-BE49-F238E27FC236}">
-                <a16:creationId xmlns:a16="http://schemas.microsoft.com/office/drawing/2014/main" id="{E8F751C9-E213-C9BA-1CBA-B03242D45F93}"/>
-              </a:ext>
-            </a:extLst>
-          </p:cNvPr>
-          <p:cNvSpPr txBox="1"/>
-          <p:nvPr/>
-        </p:nvSpPr>
-        <p:spPr>
-          <a:xfrm>
-            <a:off x="2999301" y="5615582"/>
-            <a:ext cx="6094854" cy="923330"/>
-          </a:xfrm>
-          <a:prstGeom prst="rect">
-            <a:avLst/>
-          </a:prstGeom>
-          <a:noFill/>
-        </p:spPr>
-        <p:txBody>
-          <a:bodyPr wrap="square">
-            <a:spAutoFit/>
-          </a:bodyPr>
-          <a:lstStyle/>
-          <a:p>
-            <a:r>
-              <a:rPr lang="en-US" sz="1800" dirty="0">
-                <a:hlinkClick r:id="rId3"/>
-              </a:rPr>
-              <a:t>https://github.com/DrHammerhead/SoC-estimation/blob/486bd3566e998cb2a33e49f06e9f11396f9c0919/BESS_Q_learning_PeakShv_4June25.ipynb</a:t>
-            </a:r>
-            <a:endParaRPr lang="en-US" dirty="0"/>
-          </a:p>
-        </p:txBody>
-      </p:sp>
-    </p:spTree>
-    <p:extLst>
-      <p:ext uri="{BB962C8B-B14F-4D97-AF65-F5344CB8AC3E}">
-        <p14:creationId xmlns:p14="http://schemas.microsoft.com/office/powerpoint/2010/main" val="2626735614"/>
-      </p:ext>
-    </p:extLst>
-  </p:cSld>
-  <p:clrMapOvr>
-    <a:masterClrMapping/>
-  </p:clrMapOvr>
-</p:sld>
-</file>
-
-<file path=ppt/slides/slide65.xml><?xml version="1.0" encoding="utf-8"?>
-<p:sld xmlns:a="http://schemas.openxmlformats.org/drawingml/2006/main" xmlns:r="http://schemas.openxmlformats.org/officeDocument/2006/relationships" xmlns:p="http://schemas.openxmlformats.org/presentationml/2006/main">
-  <p:cSld>
-    <p:spTree>
-      <p:nvGrpSpPr>
-        <p:cNvPr id="1" name=""/>
-        <p:cNvGrpSpPr/>
-        <p:nvPr/>
-      </p:nvGrpSpPr>
-      <p:grpSpPr>
-        <a:xfrm>
-          <a:off x="0" y="0"/>
-          <a:ext cx="0" cy="0"/>
-          <a:chOff x="0" y="0"/>
-          <a:chExt cx="0" cy="0"/>
-        </a:xfrm>
-      </p:grpSpPr>
-      <p:sp>
-        <p:nvSpPr>
-          <p:cNvPr id="2" name="Title 1">
-            <a:extLst>
-              <a:ext uri="{FF2B5EF4-FFF2-40B4-BE49-F238E27FC236}">
-                <a16:creationId xmlns:a16="http://schemas.microsoft.com/office/drawing/2014/main" id="{AC73415A-B7B2-2953-872A-E7C119AE03DF}"/>
-              </a:ext>
-            </a:extLst>
-          </p:cNvPr>
-          <p:cNvSpPr>
-            <a:spLocks noGrp="1"/>
-          </p:cNvSpPr>
-          <p:nvPr>
-            <p:ph type="title"/>
-          </p:nvPr>
-        </p:nvSpPr>
-        <p:spPr/>
-        <p:txBody>
-          <a:bodyPr/>
-          <a:lstStyle/>
-          <a:p>
-            <a:r>
-              <a:rPr lang="th-TH" dirty="0"/>
-              <a:t>กราฟค่าไฟฟ้า </a:t>
-            </a:r>
-            <a:r>
-              <a:rPr lang="en-US" dirty="0"/>
-              <a:t>(TOU)</a:t>
-            </a:r>
-            <a:r>
-              <a:rPr lang="th-TH" dirty="0"/>
-              <a:t> โหลดโปรไฟล์ และ ค่าพีคเท</a:t>
-            </a:r>
-            <a:r>
-              <a:rPr lang="th-TH" dirty="0" err="1"/>
-              <a:t>รช</a:t>
-            </a:r>
-            <a:r>
-              <a:rPr lang="th-TH" dirty="0"/>
-              <a:t>โฮลด์</a:t>
-            </a:r>
-            <a:endParaRPr lang="en-US" dirty="0"/>
-          </a:p>
-        </p:txBody>
-      </p:sp>
-      <p:sp>
-        <p:nvSpPr>
-          <p:cNvPr id="3" name="Content Placeholder 2">
-            <a:extLst>
-              <a:ext uri="{FF2B5EF4-FFF2-40B4-BE49-F238E27FC236}">
-                <a16:creationId xmlns:a16="http://schemas.microsoft.com/office/drawing/2014/main" id="{2B164FA9-CDEC-FFA0-AC2C-B6607DA82C76}"/>
-              </a:ext>
-            </a:extLst>
-          </p:cNvPr>
-          <p:cNvSpPr>
-            <a:spLocks noGrp="1"/>
-          </p:cNvSpPr>
-          <p:nvPr>
-            <p:ph idx="1"/>
-          </p:nvPr>
-        </p:nvSpPr>
-        <p:spPr/>
-        <p:txBody>
-          <a:bodyPr/>
-          <a:lstStyle/>
-          <a:p>
-            <a:endParaRPr lang="en-US"/>
-          </a:p>
-        </p:txBody>
-      </p:sp>
-      <p:sp>
-        <p:nvSpPr>
-          <p:cNvPr id="4" name="Slide Number Placeholder 3">
-            <a:extLst>
-              <a:ext uri="{FF2B5EF4-FFF2-40B4-BE49-F238E27FC236}">
-                <a16:creationId xmlns:a16="http://schemas.microsoft.com/office/drawing/2014/main" id="{FBA3FAF7-0CF2-02BC-3FFE-E7FC46BE51EF}"/>
-              </a:ext>
-            </a:extLst>
-          </p:cNvPr>
-          <p:cNvSpPr>
-            <a:spLocks noGrp="1"/>
-          </p:cNvSpPr>
-          <p:nvPr>
-            <p:ph type="sldNum" sz="quarter" idx="12"/>
-          </p:nvPr>
-        </p:nvSpPr>
-        <p:spPr/>
-        <p:txBody>
-          <a:bodyPr/>
-          <a:lstStyle/>
-          <a:p>
-            <a:fld id="{5414CF54-80D7-41F3-B633-0CBA28EB51D2}" type="slidenum">
-              <a:rPr lang="en-US" smtClean="0"/>
-              <a:t>65</a:t>
             </a:fld>
             <a:endParaRPr lang="en-US"/>
           </a:p>
@@ -14165,7 +14024,7 @@
 </p:sld>
 </file>
 
-<file path=ppt/slides/slide66.xml><?xml version="1.0" encoding="utf-8"?>
+<file path=ppt/slides/slide65.xml><?xml version="1.0" encoding="utf-8"?>
 <p:sld xmlns:a="http://schemas.openxmlformats.org/drawingml/2006/main" xmlns:r="http://schemas.openxmlformats.org/officeDocument/2006/relationships" xmlns:p="http://schemas.openxmlformats.org/presentationml/2006/main">
   <p:cSld>
     <p:spTree>
@@ -14255,7 +14114,7 @@
           <a:p>
             <a:fld id="{5414CF54-80D7-41F3-B633-0CBA28EB51D2}" type="slidenum">
               <a:rPr lang="en-US" smtClean="0"/>
-              <a:t>66</a:t>
+              <a:t>65</a:t>
             </a:fld>
             <a:endParaRPr lang="en-US"/>
           </a:p>
@@ -14304,7 +14163,7 @@
 </p:sld>
 </file>
 
-<file path=ppt/slides/slide67.xml><?xml version="1.0" encoding="utf-8"?>
+<file path=ppt/slides/slide66.xml><?xml version="1.0" encoding="utf-8"?>
 <p:sld xmlns:a="http://schemas.openxmlformats.org/drawingml/2006/main" xmlns:r="http://schemas.openxmlformats.org/officeDocument/2006/relationships" xmlns:p="http://schemas.openxmlformats.org/presentationml/2006/main">
   <p:cSld>
     <p:spTree>
@@ -14394,7 +14253,7 @@
           <a:p>
             <a:fld id="{5414CF54-80D7-41F3-B633-0CBA28EB51D2}" type="slidenum">
               <a:rPr lang="en-US" smtClean="0"/>
-              <a:t>67</a:t>
+              <a:t>66</a:t>
             </a:fld>
             <a:endParaRPr lang="en-US"/>
           </a:p>
@@ -14443,7 +14302,7 @@
 </p:sld>
 </file>
 
-<file path=ppt/slides/slide68.xml><?xml version="1.0" encoding="utf-8"?>
+<file path=ppt/slides/slide67.xml><?xml version="1.0" encoding="utf-8"?>
 <p:sld xmlns:a="http://schemas.openxmlformats.org/drawingml/2006/main" xmlns:r="http://schemas.openxmlformats.org/officeDocument/2006/relationships" xmlns:p="http://schemas.openxmlformats.org/presentationml/2006/main">
   <p:cSld>
     <p:spTree>
@@ -14533,7 +14392,7 @@
           <a:p>
             <a:fld id="{5414CF54-80D7-41F3-B633-0CBA28EB51D2}" type="slidenum">
               <a:rPr lang="en-US" smtClean="0"/>
-              <a:t>68</a:t>
+              <a:t>67</a:t>
             </a:fld>
             <a:endParaRPr lang="en-US"/>
           </a:p>
@@ -14604,7 +14463,7 @@
           <p:cNvPr id="2" name="Title 1">
             <a:extLst>
               <a:ext uri="{FF2B5EF4-FFF2-40B4-BE49-F238E27FC236}">
-                <a16:creationId xmlns:a16="http://schemas.microsoft.com/office/drawing/2014/main" id="{DFEAF1A8-8211-A0D8-11C7-2334D4BCC228}"/>
+                <a16:creationId xmlns:a16="http://schemas.microsoft.com/office/drawing/2014/main" id="{D2A97E96-96B3-88EE-875A-82EE489D68BE}"/>
               </a:ext>
             </a:extLst>
           </p:cNvPr>
@@ -14617,16 +14476,18 @@
         </p:nvSpPr>
         <p:spPr/>
         <p:txBody>
-          <a:bodyPr/>
-          <a:lstStyle/>
-          <a:p>
-            <a:r>
-              <a:rPr lang="en-US" dirty="0"/>
-              <a:t>💡 </a:t>
-            </a:r>
-            <a:r>
-              <a:rPr lang="th-TH" dirty="0"/>
-              <a:t>หลักการคำนวณรางวัลในโค้ด</a:t>
+          <a:bodyPr>
+            <a:normAutofit/>
+          </a:bodyPr>
+          <a:lstStyle/>
+          <a:p>
+            <a:r>
+              <a:rPr lang="en-US" b="1" dirty="0"/>
+              <a:t>🧮 </a:t>
+            </a:r>
+            <a:r>
+              <a:rPr lang="th-TH" dirty="0"/>
+              <a:t>รายละเอียดที่ระบบให้รางวัล (และลงโทษ)</a:t>
             </a:r>
             <a:endParaRPr lang="en-US" dirty="0"/>
           </a:p>
@@ -14637,7 +14498,7 @@
           <p:cNvPr id="3" name="Content Placeholder 2">
             <a:extLst>
               <a:ext uri="{FF2B5EF4-FFF2-40B4-BE49-F238E27FC236}">
-                <a16:creationId xmlns:a16="http://schemas.microsoft.com/office/drawing/2014/main" id="{41897198-8E8D-43B8-3099-4C6355B18770}"/>
+                <a16:creationId xmlns:a16="http://schemas.microsoft.com/office/drawing/2014/main" id="{5096B19E-9DD3-A46D-3570-6F2DE6A9B4FB}"/>
               </a:ext>
             </a:extLst>
           </p:cNvPr>
@@ -14654,45 +14515,51 @@
           <a:lstStyle/>
           <a:p>
             <a:r>
-              <a:rPr lang="th-TH" dirty="0"/>
-              <a:t>รางวัลรวม =(- ค่าพลังงานที่ดึงจากกร</a:t>
-            </a:r>
-            <a:r>
-              <a:rPr lang="th-TH" dirty="0" err="1"/>
-              <a:t>ิด</a:t>
-            </a:r>
-            <a:r>
-              <a:rPr lang="th-TH" dirty="0"/>
-              <a:t>)</a:t>
-            </a:r>
-          </a:p>
-          <a:p>
-            <a:r>
-              <a:rPr lang="th-TH" dirty="0"/>
-              <a:t>ได้โบนัสหากลดโหลดพีคได้</a:t>
-            </a:r>
-          </a:p>
-          <a:p>
-            <a:r>
-              <a:rPr lang="th-TH" dirty="0"/>
-              <a:t>ค่าปรับ (</a:t>
-            </a:r>
-            <a:r>
-              <a:rPr lang="en-US" dirty="0"/>
-              <a:t>penalty) </a:t>
-            </a:r>
-            <a:r>
-              <a:rPr lang="th-TH" dirty="0"/>
-              <a:t>ถ้าทำผิด เช่น </a:t>
-            </a:r>
-            <a:r>
-              <a:rPr lang="en-US" dirty="0"/>
-              <a:t>charge </a:t>
-            </a:r>
-            <a:r>
-              <a:rPr lang="th-TH" dirty="0"/>
-              <a:t>ตอนแพง</a:t>
-            </a:r>
+              <a:rPr lang="en-US" b="1" dirty="0"/>
+              <a:t>✅ </a:t>
+            </a:r>
+            <a:r>
+              <a:rPr lang="th-TH" b="1" dirty="0"/>
+              <a:t>กรณีที่ได้รางวัล (</a:t>
+            </a:r>
+            <a:r>
+              <a:rPr lang="en-US" b="1" dirty="0"/>
+              <a:t>positive reward)</a:t>
+            </a:r>
+          </a:p>
+          <a:p>
+            <a:r>
+              <a:rPr lang="th-TH" dirty="0"/>
+              <a:t>ปล่อยพลังงานช่วงราคาสูง → ลดค่าไฟ</a:t>
+            </a:r>
+          </a:p>
+          <a:p>
+            <a:r>
+              <a:rPr lang="th-TH" dirty="0"/>
+              <a:t>ปล่อยพลังงานช่วงโหลดสูง → ลด </a:t>
+            </a:r>
+            <a:r>
+              <a:rPr lang="en-US" dirty="0"/>
+              <a:t>peak load</a:t>
+            </a:r>
+          </a:p>
+          <a:p>
+            <a:r>
+              <a:rPr lang="th-TH" dirty="0"/>
+              <a:t>ชาร์จช่วงราคาต่ำ (เช่นตอนกลางคืน)</a:t>
+            </a:r>
+          </a:p>
+          <a:p>
+            <a:r>
+              <a:rPr lang="th-TH" dirty="0"/>
+              <a:t>ปล่อยพลังงานช่วง 14:00-17:00 → มีโบนัสเพิ่มเติม (</a:t>
+            </a:r>
+            <a:r>
+              <a:rPr lang="en-US" dirty="0"/>
+              <a:t>high penalty time if load exceeds)</a:t>
+            </a:r>
+          </a:p>
+          <a:p>
             <a:endParaRPr lang="en-US" dirty="0"/>
           </a:p>
         </p:txBody>
@@ -14702,7 +14569,7 @@
           <p:cNvPr id="4" name="Slide Number Placeholder 3">
             <a:extLst>
               <a:ext uri="{FF2B5EF4-FFF2-40B4-BE49-F238E27FC236}">
-                <a16:creationId xmlns:a16="http://schemas.microsoft.com/office/drawing/2014/main" id="{3F4ECEA3-2725-CDEF-62CA-1E6C44A1C8BE}"/>
+                <a16:creationId xmlns:a16="http://schemas.microsoft.com/office/drawing/2014/main" id="{1B86D4E5-0214-21D6-FA7E-D12BD0888B23}"/>
               </a:ext>
             </a:extLst>
           </p:cNvPr>
@@ -14726,40 +14593,10 @@
           </a:p>
         </p:txBody>
       </p:sp>
-      <p:pic>
-        <p:nvPicPr>
-          <p:cNvPr id="6" name="Picture 5">
-            <a:extLst>
-              <a:ext uri="{FF2B5EF4-FFF2-40B4-BE49-F238E27FC236}">
-                <a16:creationId xmlns:a16="http://schemas.microsoft.com/office/drawing/2014/main" id="{32DA5EDE-1EAD-B052-2595-A28C8E34CBB9}"/>
-              </a:ext>
-            </a:extLst>
-          </p:cNvPr>
-          <p:cNvPicPr>
-            <a:picLocks noChangeAspect="1"/>
-          </p:cNvPicPr>
-          <p:nvPr/>
-        </p:nvPicPr>
-        <p:blipFill>
-          <a:blip r:embed="rId2"/>
-          <a:stretch>
-            <a:fillRect/>
-          </a:stretch>
-        </p:blipFill>
-        <p:spPr>
-          <a:xfrm>
-            <a:off x="742653" y="4594864"/>
-            <a:ext cx="10926700" cy="762106"/>
-          </a:xfrm>
-          <a:prstGeom prst="rect">
-            <a:avLst/>
-          </a:prstGeom>
-        </p:spPr>
-      </p:pic>
     </p:spTree>
     <p:extLst>
       <p:ext uri="{BB962C8B-B14F-4D97-AF65-F5344CB8AC3E}">
-        <p14:creationId xmlns:p14="http://schemas.microsoft.com/office/powerpoint/2010/main" val="3479536059"/>
+        <p14:creationId xmlns:p14="http://schemas.microsoft.com/office/powerpoint/2010/main" val="1159509579"/>
       </p:ext>
     </p:extLst>
   </p:cSld>
@@ -14791,7 +14628,7 @@
           <p:cNvPr id="2" name="Title 1">
             <a:extLst>
               <a:ext uri="{FF2B5EF4-FFF2-40B4-BE49-F238E27FC236}">
-                <a16:creationId xmlns:a16="http://schemas.microsoft.com/office/drawing/2014/main" id="{D2A97E96-96B3-88EE-875A-82EE489D68BE}"/>
+                <a16:creationId xmlns:a16="http://schemas.microsoft.com/office/drawing/2014/main" id="{3F3E1D1C-1F8A-7922-2747-D32F0F9A27A9}"/>
               </a:ext>
             </a:extLst>
           </p:cNvPr>
@@ -14804,18 +14641,90 @@
         </p:nvSpPr>
         <p:spPr/>
         <p:txBody>
-          <a:bodyPr>
-            <a:normAutofit/>
-          </a:bodyPr>
-          <a:lstStyle/>
-          <a:p>
-            <a:r>
-              <a:rPr lang="en-US" b="1" dirty="0"/>
-              <a:t>🧮 </a:t>
-            </a:r>
-            <a:r>
-              <a:rPr lang="th-TH" dirty="0"/>
-              <a:t>รายละเอียดที่ระบบให้รางวัล (และลงโทษ)</a:t>
+          <a:bodyPr/>
+          <a:lstStyle/>
+          <a:p>
+            <a:endParaRPr lang="en-US"/>
+          </a:p>
+        </p:txBody>
+      </p:sp>
+      <p:sp>
+        <p:nvSpPr>
+          <p:cNvPr id="3" name="Content Placeholder 2">
+            <a:extLst>
+              <a:ext uri="{FF2B5EF4-FFF2-40B4-BE49-F238E27FC236}">
+                <a16:creationId xmlns:a16="http://schemas.microsoft.com/office/drawing/2014/main" id="{8673F1F5-B46C-C7E3-A9D5-0FE4E4470B23}"/>
+              </a:ext>
+            </a:extLst>
+          </p:cNvPr>
+          <p:cNvSpPr>
+            <a:spLocks noGrp="1"/>
+          </p:cNvSpPr>
+          <p:nvPr>
+            <p:ph idx="1"/>
+          </p:nvPr>
+        </p:nvSpPr>
+        <p:spPr/>
+        <p:txBody>
+          <a:bodyPr/>
+          <a:lstStyle/>
+          <a:p>
+            <a:r>
+              <a:rPr lang="en-US" dirty="0"/>
+              <a:t>action </a:t>
+            </a:r>
+            <a:r>
+              <a:rPr lang="th-TH" dirty="0"/>
+              <a:t>คือการกระทำของระบบในช่วงเวลานั้น (0 = </a:t>
+            </a:r>
+            <a:r>
+              <a:rPr lang="en-US" dirty="0"/>
+              <a:t>do nothing, 1 = charge, 2 = discharge)</a:t>
+            </a:r>
+            <a:endParaRPr lang="th-TH" dirty="0"/>
+          </a:p>
+          <a:p>
+            <a:r>
+              <a:rPr lang="en-US" dirty="0"/>
+              <a:t>hour </a:t>
+            </a:r>
+            <a:r>
+              <a:rPr lang="th-TH" dirty="0"/>
+              <a:t>คือชั่วโมงของวัน (ใช้เพื่อดูราคาค่าไฟและโหลด)</a:t>
+            </a:r>
+          </a:p>
+          <a:p>
+            <a:r>
+              <a:rPr lang="en-US" dirty="0"/>
+              <a:t>soc </a:t>
+            </a:r>
+            <a:r>
+              <a:rPr lang="th-TH" dirty="0"/>
+              <a:t>คือระดับพลังงานของแบตเตอรี่ในหน่วยระดับ เช่น 0 </a:t>
+            </a:r>
+            <a:r>
+              <a:rPr lang="en-US" dirty="0"/>
+              <a:t>%, 20%</a:t>
+            </a:r>
+            <a:r>
+              <a:rPr lang="th-TH" dirty="0"/>
+              <a:t>,</a:t>
+            </a:r>
+            <a:r>
+              <a:rPr lang="en-US" dirty="0"/>
+              <a:t>…</a:t>
+            </a:r>
+            <a:r>
+              <a:rPr lang="th-TH" dirty="0"/>
+              <a:t> </a:t>
+            </a:r>
+            <a:r>
+              <a:rPr lang="en-US" dirty="0"/>
+              <a:t>100%</a:t>
+            </a:r>
+            <a:r>
+              <a:rPr lang="th-TH" dirty="0"/>
+              <a:t> เต็ม</a:t>
             </a:r>
             <a:endParaRPr lang="en-US" dirty="0"/>
           </a:p>
@@ -14823,81 +14732,10 @@
       </p:sp>
       <p:sp>
         <p:nvSpPr>
-          <p:cNvPr id="3" name="Content Placeholder 2">
-            <a:extLst>
-              <a:ext uri="{FF2B5EF4-FFF2-40B4-BE49-F238E27FC236}">
-                <a16:creationId xmlns:a16="http://schemas.microsoft.com/office/drawing/2014/main" id="{5096B19E-9DD3-A46D-3570-6F2DE6A9B4FB}"/>
-              </a:ext>
-            </a:extLst>
-          </p:cNvPr>
-          <p:cNvSpPr>
-            <a:spLocks noGrp="1"/>
-          </p:cNvSpPr>
-          <p:nvPr>
-            <p:ph idx="1"/>
-          </p:nvPr>
-        </p:nvSpPr>
-        <p:spPr/>
-        <p:txBody>
-          <a:bodyPr/>
-          <a:lstStyle/>
-          <a:p>
-            <a:r>
-              <a:rPr lang="en-US" b="1" dirty="0"/>
-              <a:t>✅ </a:t>
-            </a:r>
-            <a:r>
-              <a:rPr lang="th-TH" b="1" dirty="0"/>
-              <a:t>กรณีที่ได้รางวัล (</a:t>
-            </a:r>
-            <a:r>
-              <a:rPr lang="en-US" b="1" dirty="0"/>
-              <a:t>positive reward)</a:t>
-            </a:r>
-          </a:p>
-          <a:p>
-            <a:r>
-              <a:rPr lang="th-TH" dirty="0"/>
-              <a:t>ปล่อยพลังงานช่วงราคาสูง → ลดค่าไฟ</a:t>
-            </a:r>
-          </a:p>
-          <a:p>
-            <a:r>
-              <a:rPr lang="th-TH" dirty="0"/>
-              <a:t>ปล่อยพลังงานช่วงโหลดสูง → ลด </a:t>
-            </a:r>
-            <a:r>
-              <a:rPr lang="en-US" dirty="0"/>
-              <a:t>peak load</a:t>
-            </a:r>
-          </a:p>
-          <a:p>
-            <a:r>
-              <a:rPr lang="th-TH" dirty="0"/>
-              <a:t>ชาร์จช่วงราคาต่ำ (เช่นตอนกลางคืน)</a:t>
-            </a:r>
-          </a:p>
-          <a:p>
-            <a:r>
-              <a:rPr lang="th-TH" dirty="0"/>
-              <a:t>ปล่อยพลังงานช่วง 14:00-17:00 → มีโบนัสเพิ่มเติม (</a:t>
-            </a:r>
-            <a:r>
-              <a:rPr lang="en-US" dirty="0"/>
-              <a:t>high penalty time if load exceeds)</a:t>
-            </a:r>
-          </a:p>
-          <a:p>
-            <a:endParaRPr lang="en-US" dirty="0"/>
-          </a:p>
-        </p:txBody>
-      </p:sp>
-      <p:sp>
-        <p:nvSpPr>
           <p:cNvPr id="4" name="Slide Number Placeholder 3">
             <a:extLst>
               <a:ext uri="{FF2B5EF4-FFF2-40B4-BE49-F238E27FC236}">
-                <a16:creationId xmlns:a16="http://schemas.microsoft.com/office/drawing/2014/main" id="{1B86D4E5-0214-21D6-FA7E-D12BD0888B23}"/>
+                <a16:creationId xmlns:a16="http://schemas.microsoft.com/office/drawing/2014/main" id="{103457F5-4132-BCF1-0BCF-2CB23E02A038}"/>
               </a:ext>
             </a:extLst>
           </p:cNvPr>
@@ -14921,10 +14759,40 @@
           </a:p>
         </p:txBody>
       </p:sp>
+      <p:pic>
+        <p:nvPicPr>
+          <p:cNvPr id="7" name="Picture 6">
+            <a:extLst>
+              <a:ext uri="{FF2B5EF4-FFF2-40B4-BE49-F238E27FC236}">
+                <a16:creationId xmlns:a16="http://schemas.microsoft.com/office/drawing/2014/main" id="{39F7333E-FE5F-0855-66CA-99E91DC3CC2D}"/>
+              </a:ext>
+            </a:extLst>
+          </p:cNvPr>
+          <p:cNvPicPr>
+            <a:picLocks noChangeAspect="1"/>
+          </p:cNvPicPr>
+          <p:nvPr/>
+        </p:nvPicPr>
+        <p:blipFill>
+          <a:blip r:embed="rId2"/>
+          <a:stretch>
+            <a:fillRect/>
+          </a:stretch>
+        </p:blipFill>
+        <p:spPr>
+          <a:xfrm>
+            <a:off x="2561142" y="4866231"/>
+            <a:ext cx="5763429" cy="590632"/>
+          </a:xfrm>
+          <a:prstGeom prst="rect">
+            <a:avLst/>
+          </a:prstGeom>
+        </p:spPr>
+      </p:pic>
     </p:spTree>
     <p:extLst>
       <p:ext uri="{BB962C8B-B14F-4D97-AF65-F5344CB8AC3E}">
-        <p14:creationId xmlns:p14="http://schemas.microsoft.com/office/powerpoint/2010/main" val="1159509579"/>
+        <p14:creationId xmlns:p14="http://schemas.microsoft.com/office/powerpoint/2010/main" val="461229844"/>
       </p:ext>
     </p:extLst>
   </p:cSld>
@@ -14956,7 +14824,7 @@
           <p:cNvPr id="2" name="Title 1">
             <a:extLst>
               <a:ext uri="{FF2B5EF4-FFF2-40B4-BE49-F238E27FC236}">
-                <a16:creationId xmlns:a16="http://schemas.microsoft.com/office/drawing/2014/main" id="{3F3E1D1C-1F8A-7922-2747-D32F0F9A27A9}"/>
+                <a16:creationId xmlns:a16="http://schemas.microsoft.com/office/drawing/2014/main" id="{9380F764-21A2-4592-15E8-2F1ED914E245}"/>
               </a:ext>
             </a:extLst>
           </p:cNvPr>
@@ -14981,7 +14849,7 @@
           <p:cNvPr id="3" name="Content Placeholder 2">
             <a:extLst>
               <a:ext uri="{FF2B5EF4-FFF2-40B4-BE49-F238E27FC236}">
-                <a16:creationId xmlns:a16="http://schemas.microsoft.com/office/drawing/2014/main" id="{8673F1F5-B46C-C7E3-A9D5-0FE4E4470B23}"/>
+                <a16:creationId xmlns:a16="http://schemas.microsoft.com/office/drawing/2014/main" id="{BE3F6171-D34E-D827-946A-CD14BD0DB86A}"/>
               </a:ext>
             </a:extLst>
           </p:cNvPr>
@@ -14998,64 +14866,55 @@
           <a:lstStyle/>
           <a:p>
             <a:r>
-              <a:rPr lang="en-US" dirty="0"/>
-              <a:t>action </a:t>
-            </a:r>
-            <a:r>
-              <a:rPr lang="th-TH" dirty="0"/>
-              <a:t>คือการกระทำของระบบในช่วงเวลานั้น (0 = </a:t>
-            </a:r>
-            <a:r>
-              <a:rPr lang="en-US" dirty="0"/>
-              <a:t>do nothing, 1 = charge, 2 = discharge)</a:t>
-            </a:r>
-            <a:endParaRPr lang="th-TH" dirty="0"/>
-          </a:p>
-          <a:p>
-            <a:r>
-              <a:rPr lang="en-US" dirty="0"/>
-              <a:t>hour </a:t>
-            </a:r>
-            <a:r>
-              <a:rPr lang="th-TH" dirty="0"/>
-              <a:t>คือชั่วโมงของวัน (ใช้เพื่อดูราคาค่าไฟและโหลด)</a:t>
-            </a:r>
-          </a:p>
-          <a:p>
-            <a:r>
-              <a:rPr lang="en-US" dirty="0"/>
-              <a:t>soc </a:t>
-            </a:r>
-            <a:r>
-              <a:rPr lang="th-TH" dirty="0"/>
-              <a:t>คือระดับพลังงานของแบตเตอรี่ในหน่วยระดับ เช่น 0 </a:t>
-            </a:r>
-            <a:r>
-              <a:rPr lang="en-US" dirty="0"/>
-              <a:t>%, 20%</a:t>
-            </a:r>
-            <a:r>
-              <a:rPr lang="th-TH" dirty="0"/>
-              <a:t>,</a:t>
-            </a:r>
-            <a:r>
-              <a:rPr lang="en-US" dirty="0"/>
-              <a:t>…</a:t>
-            </a:r>
-            <a:r>
-              <a:rPr lang="th-TH" dirty="0"/>
+              <a:rPr lang="th-TH" dirty="0"/>
+              <a:t>ดึงราคาค่าไฟ (</a:t>
+            </a:r>
+            <a:r>
+              <a:rPr lang="en-US" dirty="0"/>
+              <a:t>price) </a:t>
+            </a:r>
+            <a:r>
+              <a:rPr lang="th-TH" dirty="0"/>
+              <a:t>และ โหลดไฟฟ้า (</a:t>
+            </a:r>
+            <a:r>
+              <a:rPr lang="en-US" dirty="0"/>
+              <a:t>load) </a:t>
+            </a:r>
+            <a:r>
+              <a:rPr lang="th-TH" dirty="0"/>
+              <a:t>สำหรับชั่วโมงนั้น</a:t>
+            </a:r>
+            <a:endParaRPr lang="en-US" dirty="0"/>
+          </a:p>
+          <a:p>
+            <a:endParaRPr lang="en-US" dirty="0"/>
+          </a:p>
+          <a:p>
+            <a:endParaRPr lang="en-US" dirty="0"/>
+          </a:p>
+          <a:p>
+            <a:endParaRPr lang="en-US" dirty="0"/>
+          </a:p>
+          <a:p>
+            <a:r>
+              <a:rPr lang="th-TH" dirty="0"/>
+              <a:t>ค่าเริ่มต้นของรางวัล</a:t>
+            </a:r>
+            <a:r>
+              <a:rPr lang="en-US" dirty="0"/>
               <a:t> </a:t>
             </a:r>
-            <a:r>
-              <a:rPr lang="en-US" dirty="0"/>
-              <a:t>100%</a:t>
-            </a:r>
-            <a:r>
-              <a:rPr lang="th-TH" dirty="0"/>
-              <a:t> เต็ม</a:t>
-            </a:r>
+          </a:p>
+          <a:p>
             <a:endParaRPr lang="en-US" dirty="0"/>
           </a:p>
+          <a:p>
+            <a:endParaRPr lang="en-US" dirty="0"/>
+          </a:p>
+          <a:p>
+            <a:endParaRPr lang="en-US" dirty="0"/>
+          </a:p>
         </p:txBody>
       </p:sp>
       <p:sp>
@@ -15063,7 +14922,7 @@
           <p:cNvPr id="4" name="Slide Number Placeholder 3">
             <a:extLst>
               <a:ext uri="{FF2B5EF4-FFF2-40B4-BE49-F238E27FC236}">
-                <a16:creationId xmlns:a16="http://schemas.microsoft.com/office/drawing/2014/main" id="{103457F5-4132-BCF1-0BCF-2CB23E02A038}"/>
+                <a16:creationId xmlns:a16="http://schemas.microsoft.com/office/drawing/2014/main" id="{533EB4BA-378E-B5D1-E008-63C67548A93B}"/>
               </a:ext>
             </a:extLst>
           </p:cNvPr>
@@ -15089,10 +14948,10 @@
       </p:sp>
       <p:pic>
         <p:nvPicPr>
-          <p:cNvPr id="7" name="Picture 6">
-            <a:extLst>
-              <a:ext uri="{FF2B5EF4-FFF2-40B4-BE49-F238E27FC236}">
-                <a16:creationId xmlns:a16="http://schemas.microsoft.com/office/drawing/2014/main" id="{39F7333E-FE5F-0855-66CA-99E91DC3CC2D}"/>
+          <p:cNvPr id="6" name="Picture 5">
+            <a:extLst>
+              <a:ext uri="{FF2B5EF4-FFF2-40B4-BE49-F238E27FC236}">
+                <a16:creationId xmlns:a16="http://schemas.microsoft.com/office/drawing/2014/main" id="{32FECB36-8393-7A2A-8696-CC6FBF1191E8}"/>
               </a:ext>
             </a:extLst>
           </p:cNvPr>
@@ -15109,8 +14968,38 @@
         </p:blipFill>
         <p:spPr>
           <a:xfrm>
-            <a:off x="2561142" y="4866231"/>
-            <a:ext cx="5763429" cy="590632"/>
+            <a:off x="3968299" y="5380709"/>
+            <a:ext cx="3210373" cy="590632"/>
+          </a:xfrm>
+          <a:prstGeom prst="rect">
+            <a:avLst/>
+          </a:prstGeom>
+        </p:spPr>
+      </p:pic>
+      <p:pic>
+        <p:nvPicPr>
+          <p:cNvPr id="10" name="Picture 9">
+            <a:extLst>
+              <a:ext uri="{FF2B5EF4-FFF2-40B4-BE49-F238E27FC236}">
+                <a16:creationId xmlns:a16="http://schemas.microsoft.com/office/drawing/2014/main" id="{208A06F1-14A3-6ACE-CC99-41BD7F4646C3}"/>
+              </a:ext>
+            </a:extLst>
+          </p:cNvPr>
+          <p:cNvPicPr>
+            <a:picLocks noChangeAspect="1"/>
+          </p:cNvPicPr>
+          <p:nvPr/>
+        </p:nvPicPr>
+        <p:blipFill>
+          <a:blip r:embed="rId3"/>
+          <a:stretch>
+            <a:fillRect/>
+          </a:stretch>
+        </p:blipFill>
+        <p:spPr>
+          <a:xfrm>
+            <a:off x="3123434" y="2463918"/>
+            <a:ext cx="5487166" cy="1228896"/>
           </a:xfrm>
           <a:prstGeom prst="rect">
             <a:avLst/>
@@ -15120,7 +15009,7 @@
     </p:spTree>
     <p:extLst>
       <p:ext uri="{BB962C8B-B14F-4D97-AF65-F5344CB8AC3E}">
-        <p14:creationId xmlns:p14="http://schemas.microsoft.com/office/powerpoint/2010/main" val="461229844"/>
+        <p14:creationId xmlns:p14="http://schemas.microsoft.com/office/powerpoint/2010/main" val="2349250333"/>
       </p:ext>
     </p:extLst>
   </p:cSld>

--- a/RL_Q_learning BESS 4june25.pptx
+++ b/RL_Q_learning BESS 4june25.pptx
@@ -4041,7 +4041,7 @@
           <a:p>
             <a:r>
               <a:rPr lang="th-TH" dirty="0"/>
-              <a:t>ถ้าโหลดสูงเกิน (กำลังเกินจากกร</a:t>
+              <a:t>ถ้าโหลดสูงเกิน (ต้องใช้กำลังจากกร</a:t>
             </a:r>
             <a:r>
               <a:rPr lang="th-TH" dirty="0" err="1"/>
@@ -4145,7 +4145,7 @@
         </p:blipFill>
         <p:spPr>
           <a:xfrm>
-            <a:off x="2299757" y="3825503"/>
+            <a:off x="2526638" y="4001294"/>
             <a:ext cx="7592485" cy="2667372"/>
           </a:xfrm>
           <a:prstGeom prst="rect">
@@ -4801,7 +4801,7 @@
         </p:blipFill>
         <p:spPr>
           <a:xfrm>
-            <a:off x="2861811" y="1099812"/>
+            <a:off x="2607429" y="1251066"/>
             <a:ext cx="6468378" cy="4658375"/>
           </a:xfrm>
           <a:prstGeom prst="rect">
@@ -5287,7 +5287,7 @@
         </p:blipFill>
         <p:spPr>
           <a:xfrm>
-            <a:off x="350635" y="3823485"/>
+            <a:off x="0" y="4001294"/>
             <a:ext cx="12192000" cy="599820"/>
           </a:xfrm>
           <a:prstGeom prst="rect">
@@ -5943,7 +5943,7 @@
         </p:blipFill>
         <p:spPr>
           <a:xfrm>
-            <a:off x="1847257" y="2972903"/>
+            <a:off x="1902258" y="3234160"/>
             <a:ext cx="8497486" cy="609685"/>
           </a:xfrm>
           <a:prstGeom prst="rect">
@@ -8507,8 +8507,8 @@
         </p:blipFill>
         <p:spPr>
           <a:xfrm>
-            <a:off x="2811951" y="2433370"/>
-            <a:ext cx="6234944" cy="2211057"/>
+            <a:off x="2526115" y="2310064"/>
+            <a:ext cx="6582657" cy="2334364"/>
           </a:xfrm>
           <a:prstGeom prst="rect">
             <a:avLst/>
